--- a/pptx/chap04.pptx
+++ b/pptx/chap04.pptx
@@ -2,10 +2,10 @@
 <file path=ppt/presentation.xml><?xml version="1.0" encoding="utf-8"?>
 <p:presentation xmlns:a="http://schemas.openxmlformats.org/drawingml/2006/main" xmlns:r="http://schemas.openxmlformats.org/officeDocument/2006/relationships" xmlns:p="http://schemas.openxmlformats.org/presentationml/2006/main" saveSubsetFonts="1">
   <p:sldMasterIdLst>
-    <p:sldMasterId id="2147483648" r:id="rId1"/>
+    <p:sldMasterId id="2147483660" r:id="rId1"/>
   </p:sldMasterIdLst>
   <p:sldIdLst>
-    <p:sldId id="257" r:id="rId2"/>
+    <p:sldId id="287" r:id="rId2"/>
     <p:sldId id="269" r:id="rId3"/>
     <p:sldId id="273" r:id="rId4"/>
     <p:sldId id="274" r:id="rId5"/>
@@ -16,14 +16,14 @@
     <p:sldId id="276" r:id="rId10"/>
     <p:sldId id="272" r:id="rId11"/>
   </p:sldIdLst>
-  <p:sldSz cx="9144000" cy="6858000" type="screen4x3"/>
+  <p:sldSz cx="12192000" cy="6858000"/>
   <p:notesSz cx="6858000" cy="9144000"/>
   <p:defaultTextStyle>
     <a:defPPr>
-      <a:defRPr lang="ja-JP"/>
+      <a:defRPr lang="en-US"/>
     </a:defPPr>
-    <a:lvl1pPr marL="0" algn="l" defTabSz="914400" rtl="0" eaLnBrk="1" latinLnBrk="0" hangingPunct="1">
-      <a:defRPr kumimoji="1" sz="1800" kern="1200">
+    <a:lvl1pPr marL="0" algn="l" defTabSz="457200" rtl="0" eaLnBrk="1" latinLnBrk="0" hangingPunct="1">
+      <a:defRPr sz="1800" kern="1200">
         <a:solidFill>
           <a:schemeClr val="tx1"/>
         </a:solidFill>
@@ -32,8 +32,8 @@
         <a:cs typeface="+mn-cs"/>
       </a:defRPr>
     </a:lvl1pPr>
-    <a:lvl2pPr marL="457200" algn="l" defTabSz="914400" rtl="0" eaLnBrk="1" latinLnBrk="0" hangingPunct="1">
-      <a:defRPr kumimoji="1" sz="1800" kern="1200">
+    <a:lvl2pPr marL="457200" algn="l" defTabSz="457200" rtl="0" eaLnBrk="1" latinLnBrk="0" hangingPunct="1">
+      <a:defRPr sz="1800" kern="1200">
         <a:solidFill>
           <a:schemeClr val="tx1"/>
         </a:solidFill>
@@ -42,8 +42,8 @@
         <a:cs typeface="+mn-cs"/>
       </a:defRPr>
     </a:lvl2pPr>
-    <a:lvl3pPr marL="914400" algn="l" defTabSz="914400" rtl="0" eaLnBrk="1" latinLnBrk="0" hangingPunct="1">
-      <a:defRPr kumimoji="1" sz="1800" kern="1200">
+    <a:lvl3pPr marL="914400" algn="l" defTabSz="457200" rtl="0" eaLnBrk="1" latinLnBrk="0" hangingPunct="1">
+      <a:defRPr sz="1800" kern="1200">
         <a:solidFill>
           <a:schemeClr val="tx1"/>
         </a:solidFill>
@@ -52,8 +52,8 @@
         <a:cs typeface="+mn-cs"/>
       </a:defRPr>
     </a:lvl3pPr>
-    <a:lvl4pPr marL="1371600" algn="l" defTabSz="914400" rtl="0" eaLnBrk="1" latinLnBrk="0" hangingPunct="1">
-      <a:defRPr kumimoji="1" sz="1800" kern="1200">
+    <a:lvl4pPr marL="1371600" algn="l" defTabSz="457200" rtl="0" eaLnBrk="1" latinLnBrk="0" hangingPunct="1">
+      <a:defRPr sz="1800" kern="1200">
         <a:solidFill>
           <a:schemeClr val="tx1"/>
         </a:solidFill>
@@ -62,8 +62,8 @@
         <a:cs typeface="+mn-cs"/>
       </a:defRPr>
     </a:lvl4pPr>
-    <a:lvl5pPr marL="1828800" algn="l" defTabSz="914400" rtl="0" eaLnBrk="1" latinLnBrk="0" hangingPunct="1">
-      <a:defRPr kumimoji="1" sz="1800" kern="1200">
+    <a:lvl5pPr marL="1828800" algn="l" defTabSz="457200" rtl="0" eaLnBrk="1" latinLnBrk="0" hangingPunct="1">
+      <a:defRPr sz="1800" kern="1200">
         <a:solidFill>
           <a:schemeClr val="tx1"/>
         </a:solidFill>
@@ -72,8 +72,8 @@
         <a:cs typeface="+mn-cs"/>
       </a:defRPr>
     </a:lvl5pPr>
-    <a:lvl6pPr marL="2286000" algn="l" defTabSz="914400" rtl="0" eaLnBrk="1" latinLnBrk="0" hangingPunct="1">
-      <a:defRPr kumimoji="1" sz="1800" kern="1200">
+    <a:lvl6pPr marL="2286000" algn="l" defTabSz="457200" rtl="0" eaLnBrk="1" latinLnBrk="0" hangingPunct="1">
+      <a:defRPr sz="1800" kern="1200">
         <a:solidFill>
           <a:schemeClr val="tx1"/>
         </a:solidFill>
@@ -82,8 +82,8 @@
         <a:cs typeface="+mn-cs"/>
       </a:defRPr>
     </a:lvl6pPr>
-    <a:lvl7pPr marL="2743200" algn="l" defTabSz="914400" rtl="0" eaLnBrk="1" latinLnBrk="0" hangingPunct="1">
-      <a:defRPr kumimoji="1" sz="1800" kern="1200">
+    <a:lvl7pPr marL="2743200" algn="l" defTabSz="457200" rtl="0" eaLnBrk="1" latinLnBrk="0" hangingPunct="1">
+      <a:defRPr sz="1800" kern="1200">
         <a:solidFill>
           <a:schemeClr val="tx1"/>
         </a:solidFill>
@@ -92,8 +92,8 @@
         <a:cs typeface="+mn-cs"/>
       </a:defRPr>
     </a:lvl7pPr>
-    <a:lvl8pPr marL="3200400" algn="l" defTabSz="914400" rtl="0" eaLnBrk="1" latinLnBrk="0" hangingPunct="1">
-      <a:defRPr kumimoji="1" sz="1800" kern="1200">
+    <a:lvl8pPr marL="3200400" algn="l" defTabSz="457200" rtl="0" eaLnBrk="1" latinLnBrk="0" hangingPunct="1">
+      <a:defRPr sz="1800" kern="1200">
         <a:solidFill>
           <a:schemeClr val="tx1"/>
         </a:solidFill>
@@ -102,8 +102,8 @@
         <a:cs typeface="+mn-cs"/>
       </a:defRPr>
     </a:lvl8pPr>
-    <a:lvl9pPr marL="3657600" algn="l" defTabSz="914400" rtl="0" eaLnBrk="1" latinLnBrk="0" hangingPunct="1">
-      <a:defRPr kumimoji="1" sz="1800" kern="1200">
+    <a:lvl9pPr marL="3657600" algn="l" defTabSz="457200" rtl="0" eaLnBrk="1" latinLnBrk="0" hangingPunct="1">
+      <a:defRPr sz="1800" kern="1200">
         <a:solidFill>
           <a:schemeClr val="tx1"/>
         </a:solidFill>
@@ -119,10 +119,6 @@
     </p:ext>
   </p:extLst>
 </p:presentation>
-</file>
-
-<file path=ppt/revisionInfo.xml><?xml version="1.0" encoding="utf-8"?>
-<p1510:revInfo xmlns:a="http://schemas.openxmlformats.org/drawingml/2006/main" xmlns:r="http://schemas.openxmlformats.org/officeDocument/2006/relationships" xmlns:p1510="http://schemas.microsoft.com/office/powerpoint/2015/10/main"/>
 </file>
 
 <file path=ppt/slideLayouts/slideLayout1.xml><?xml version="1.0" encoding="utf-8"?>
@@ -144,13 +140,7 @@
       </p:grpSpPr>
       <p:sp>
         <p:nvSpPr>
-          <p:cNvPr id="2" name="タイトル 1">
-            <a:extLst>
-              <a:ext uri="{FF2B5EF4-FFF2-40B4-BE49-F238E27FC236}">
-                <a16:creationId xmlns:a16="http://schemas.microsoft.com/office/drawing/2014/main" id="{490F5702-5D73-444E-8951-B738CBD0E5BE}"/>
-              </a:ext>
-            </a:extLst>
-          </p:cNvPr>
+          <p:cNvPr id="2" name="Title 1"/>
           <p:cNvSpPr>
             <a:spLocks noGrp="1"/>
           </p:cNvSpPr>
@@ -160,8 +150,8 @@
         </p:nvSpPr>
         <p:spPr>
           <a:xfrm>
-            <a:off x="1143000" y="1122363"/>
-            <a:ext cx="6858000" cy="2387600"/>
+            <a:off x="1524000" y="1122363"/>
+            <a:ext cx="9144000" cy="2387600"/>
           </a:xfrm>
         </p:spPr>
         <p:txBody>
@@ -173,21 +163,16 @@
           </a:lstStyle>
           <a:p>
             <a:r>
-              <a:rPr kumimoji="1" lang="ja-JP" altLang="en-US"/>
+              <a:rPr lang="ja-JP" altLang="en-US"/>
               <a:t>マスター タイトルの書式設定</a:t>
             </a:r>
-          </a:p>
-        </p:txBody>
-      </p:sp>
-      <p:sp>
-        <p:nvSpPr>
-          <p:cNvPr id="3" name="サブタイトル 2">
-            <a:extLst>
-              <a:ext uri="{FF2B5EF4-FFF2-40B4-BE49-F238E27FC236}">
-                <a16:creationId xmlns:a16="http://schemas.microsoft.com/office/drawing/2014/main" id="{92151FC2-914A-40A1-AFA3-889561BB0D24}"/>
-              </a:ext>
-            </a:extLst>
-          </p:cNvPr>
+            <a:endParaRPr lang="en-US" dirty="0"/>
+          </a:p>
+        </p:txBody>
+      </p:sp>
+      <p:sp>
+        <p:nvSpPr>
+          <p:cNvPr id="3" name="Subtitle 2"/>
           <p:cNvSpPr>
             <a:spLocks noGrp="1"/>
           </p:cNvSpPr>
@@ -197,8 +182,8 @@
         </p:nvSpPr>
         <p:spPr>
           <a:xfrm>
-            <a:off x="1143000" y="3602038"/>
-            <a:ext cx="6858000" cy="1655762"/>
+            <a:off x="1524000" y="3602038"/>
+            <a:ext cx="9144000" cy="1655762"/>
           </a:xfrm>
         </p:spPr>
         <p:txBody>
@@ -243,21 +228,16 @@
           </a:lstStyle>
           <a:p>
             <a:r>
-              <a:rPr kumimoji="1" lang="ja-JP" altLang="en-US"/>
+              <a:rPr lang="ja-JP" altLang="en-US"/>
               <a:t>マスター サブタイトルの書式設定</a:t>
             </a:r>
-          </a:p>
-        </p:txBody>
-      </p:sp>
-      <p:sp>
-        <p:nvSpPr>
-          <p:cNvPr id="4" name="日付プレースホルダー 3">
-            <a:extLst>
-              <a:ext uri="{FF2B5EF4-FFF2-40B4-BE49-F238E27FC236}">
-                <a16:creationId xmlns:a16="http://schemas.microsoft.com/office/drawing/2014/main" id="{A5871356-BBC6-4101-A899-68ED57221D85}"/>
-              </a:ext>
-            </a:extLst>
-          </p:cNvPr>
+            <a:endParaRPr lang="en-US" dirty="0"/>
+          </a:p>
+        </p:txBody>
+      </p:sp>
+      <p:sp>
+        <p:nvSpPr>
+          <p:cNvPr id="4" name="Date Placeholder 3"/>
           <p:cNvSpPr>
             <a:spLocks noGrp="1"/>
           </p:cNvSpPr>
@@ -272,7 +252,7 @@
           <a:p>
             <a:fld id="{BCC3470B-979D-4AC3-9CEF-E2615858CE2E}" type="datetimeFigureOut">
               <a:rPr kumimoji="1" lang="ja-JP" altLang="en-US" smtClean="0"/>
-              <a:t>2017/9/9</a:t>
+              <a:t>2023/8/25</a:t>
             </a:fld>
             <a:endParaRPr kumimoji="1" lang="ja-JP" altLang="en-US"/>
           </a:p>
@@ -280,13 +260,7 @@
       </p:sp>
       <p:sp>
         <p:nvSpPr>
-          <p:cNvPr id="5" name="フッター プレースホルダー 4">
-            <a:extLst>
-              <a:ext uri="{FF2B5EF4-FFF2-40B4-BE49-F238E27FC236}">
-                <a16:creationId xmlns:a16="http://schemas.microsoft.com/office/drawing/2014/main" id="{1A645758-572A-4888-B100-B96321DE5302}"/>
-              </a:ext>
-            </a:extLst>
-          </p:cNvPr>
+          <p:cNvPr id="5" name="Footer Placeholder 4"/>
           <p:cNvSpPr>
             <a:spLocks noGrp="1"/>
           </p:cNvSpPr>
@@ -305,13 +279,7 @@
       </p:sp>
       <p:sp>
         <p:nvSpPr>
-          <p:cNvPr id="6" name="スライド番号プレースホルダー 5">
-            <a:extLst>
-              <a:ext uri="{FF2B5EF4-FFF2-40B4-BE49-F238E27FC236}">
-                <a16:creationId xmlns:a16="http://schemas.microsoft.com/office/drawing/2014/main" id="{EDAF273E-F96B-4748-B86E-108E6C4C6FD0}"/>
-              </a:ext>
-            </a:extLst>
-          </p:cNvPr>
+          <p:cNvPr id="6" name="Slide Number Placeholder 5"/>
           <p:cNvSpPr>
             <a:spLocks noGrp="1"/>
           </p:cNvSpPr>
@@ -335,7 +303,7 @@
     </p:spTree>
     <p:extLst>
       <p:ext uri="{BB962C8B-B14F-4D97-AF65-F5344CB8AC3E}">
-        <p14:creationId xmlns:p14="http://schemas.microsoft.com/office/powerpoint/2010/main" val="816187851"/>
+        <p14:creationId xmlns:p14="http://schemas.microsoft.com/office/powerpoint/2010/main" val="2738715944"/>
       </p:ext>
     </p:extLst>
   </p:cSld>
@@ -364,13 +332,7 @@
       </p:grpSpPr>
       <p:sp>
         <p:nvSpPr>
-          <p:cNvPr id="2" name="タイトル 1">
-            <a:extLst>
-              <a:ext uri="{FF2B5EF4-FFF2-40B4-BE49-F238E27FC236}">
-                <a16:creationId xmlns:a16="http://schemas.microsoft.com/office/drawing/2014/main" id="{19326C56-05B2-4045-A427-F214C2579896}"/>
-              </a:ext>
-            </a:extLst>
-          </p:cNvPr>
+          <p:cNvPr id="2" name="Title 1"/>
           <p:cNvSpPr>
             <a:spLocks noGrp="1"/>
           </p:cNvSpPr>
@@ -384,21 +346,16 @@
           <a:lstStyle/>
           <a:p>
             <a:r>
-              <a:rPr kumimoji="1" lang="ja-JP" altLang="en-US"/>
+              <a:rPr lang="ja-JP" altLang="en-US"/>
               <a:t>マスター タイトルの書式設定</a:t>
             </a:r>
-          </a:p>
-        </p:txBody>
-      </p:sp>
-      <p:sp>
-        <p:nvSpPr>
-          <p:cNvPr id="3" name="縦書きテキスト プレースホルダー 2">
-            <a:extLst>
-              <a:ext uri="{FF2B5EF4-FFF2-40B4-BE49-F238E27FC236}">
-                <a16:creationId xmlns:a16="http://schemas.microsoft.com/office/drawing/2014/main" id="{CF53802B-347E-4462-8C96-469EB0800092}"/>
-              </a:ext>
-            </a:extLst>
-          </p:cNvPr>
+            <a:endParaRPr lang="en-US" dirty="0"/>
+          </a:p>
+        </p:txBody>
+      </p:sp>
+      <p:sp>
+        <p:nvSpPr>
+          <p:cNvPr id="3" name="Vertical Text Placeholder 2"/>
           <p:cNvSpPr>
             <a:spLocks noGrp="1"/>
           </p:cNvSpPr>
@@ -413,81 +370,76 @@
           <a:p>
             <a:pPr lvl="0"/>
             <a:r>
-              <a:rPr kumimoji="1" lang="ja-JP" altLang="en-US"/>
+              <a:rPr lang="ja-JP" altLang="en-US"/>
               <a:t>マスター テキストの書式設定</a:t>
             </a:r>
           </a:p>
           <a:p>
             <a:pPr lvl="1"/>
             <a:r>
-              <a:rPr kumimoji="1" lang="ja-JP" altLang="en-US"/>
+              <a:rPr lang="ja-JP" altLang="en-US"/>
               <a:t>第 </a:t>
             </a:r>
             <a:r>
-              <a:rPr kumimoji="1" lang="en-US" altLang="ja-JP"/>
+              <a:rPr lang="en-US" altLang="ja-JP"/>
               <a:t>2 </a:t>
             </a:r>
             <a:r>
-              <a:rPr kumimoji="1" lang="ja-JP" altLang="en-US"/>
+              <a:rPr lang="ja-JP" altLang="en-US"/>
               <a:t>レベル</a:t>
             </a:r>
           </a:p>
           <a:p>
             <a:pPr lvl="2"/>
             <a:r>
-              <a:rPr kumimoji="1" lang="ja-JP" altLang="en-US"/>
+              <a:rPr lang="ja-JP" altLang="en-US"/>
               <a:t>第 </a:t>
             </a:r>
             <a:r>
-              <a:rPr kumimoji="1" lang="en-US" altLang="ja-JP"/>
+              <a:rPr lang="en-US" altLang="ja-JP"/>
               <a:t>3 </a:t>
             </a:r>
             <a:r>
-              <a:rPr kumimoji="1" lang="ja-JP" altLang="en-US"/>
+              <a:rPr lang="ja-JP" altLang="en-US"/>
               <a:t>レベル</a:t>
             </a:r>
           </a:p>
           <a:p>
             <a:pPr lvl="3"/>
             <a:r>
-              <a:rPr kumimoji="1" lang="ja-JP" altLang="en-US"/>
+              <a:rPr lang="ja-JP" altLang="en-US"/>
               <a:t>第 </a:t>
             </a:r>
             <a:r>
-              <a:rPr kumimoji="1" lang="en-US" altLang="ja-JP"/>
+              <a:rPr lang="en-US" altLang="ja-JP"/>
               <a:t>4 </a:t>
             </a:r>
             <a:r>
-              <a:rPr kumimoji="1" lang="ja-JP" altLang="en-US"/>
+              <a:rPr lang="ja-JP" altLang="en-US"/>
               <a:t>レベル</a:t>
             </a:r>
           </a:p>
           <a:p>
             <a:pPr lvl="4"/>
             <a:r>
-              <a:rPr kumimoji="1" lang="ja-JP" altLang="en-US"/>
+              <a:rPr lang="ja-JP" altLang="en-US"/>
               <a:t>第 </a:t>
             </a:r>
             <a:r>
-              <a:rPr kumimoji="1" lang="en-US" altLang="ja-JP"/>
+              <a:rPr lang="en-US" altLang="ja-JP"/>
               <a:t>5 </a:t>
             </a:r>
             <a:r>
-              <a:rPr kumimoji="1" lang="ja-JP" altLang="en-US"/>
+              <a:rPr lang="ja-JP" altLang="en-US"/>
               <a:t>レベル</a:t>
             </a:r>
-          </a:p>
-        </p:txBody>
-      </p:sp>
-      <p:sp>
-        <p:nvSpPr>
-          <p:cNvPr id="4" name="日付プレースホルダー 3">
-            <a:extLst>
-              <a:ext uri="{FF2B5EF4-FFF2-40B4-BE49-F238E27FC236}">
-                <a16:creationId xmlns:a16="http://schemas.microsoft.com/office/drawing/2014/main" id="{8784DDE4-33A8-4813-93FC-E4AD3B1CE7AD}"/>
-              </a:ext>
-            </a:extLst>
-          </p:cNvPr>
+            <a:endParaRPr lang="en-US" dirty="0"/>
+          </a:p>
+        </p:txBody>
+      </p:sp>
+      <p:sp>
+        <p:nvSpPr>
+          <p:cNvPr id="4" name="Date Placeholder 3"/>
           <p:cNvSpPr>
             <a:spLocks noGrp="1"/>
           </p:cNvSpPr>
@@ -502,7 +454,7 @@
           <a:p>
             <a:fld id="{BCC3470B-979D-4AC3-9CEF-E2615858CE2E}" type="datetimeFigureOut">
               <a:rPr kumimoji="1" lang="ja-JP" altLang="en-US" smtClean="0"/>
-              <a:t>2017/9/9</a:t>
+              <a:t>2023/8/25</a:t>
             </a:fld>
             <a:endParaRPr kumimoji="1" lang="ja-JP" altLang="en-US"/>
           </a:p>
@@ -510,13 +462,7 @@
       </p:sp>
       <p:sp>
         <p:nvSpPr>
-          <p:cNvPr id="5" name="フッター プレースホルダー 4">
-            <a:extLst>
-              <a:ext uri="{FF2B5EF4-FFF2-40B4-BE49-F238E27FC236}">
-                <a16:creationId xmlns:a16="http://schemas.microsoft.com/office/drawing/2014/main" id="{E3502423-BA24-4C5A-B6C2-E8442A0053D1}"/>
-              </a:ext>
-            </a:extLst>
-          </p:cNvPr>
+          <p:cNvPr id="5" name="Footer Placeholder 4"/>
           <p:cNvSpPr>
             <a:spLocks noGrp="1"/>
           </p:cNvSpPr>
@@ -535,13 +481,7 @@
       </p:sp>
       <p:sp>
         <p:nvSpPr>
-          <p:cNvPr id="6" name="スライド番号プレースホルダー 5">
-            <a:extLst>
-              <a:ext uri="{FF2B5EF4-FFF2-40B4-BE49-F238E27FC236}">
-                <a16:creationId xmlns:a16="http://schemas.microsoft.com/office/drawing/2014/main" id="{F2781BD3-6ED3-44FD-8E72-04E946C69C01}"/>
-              </a:ext>
-            </a:extLst>
-          </p:cNvPr>
+          <p:cNvPr id="6" name="Slide Number Placeholder 5"/>
           <p:cNvSpPr>
             <a:spLocks noGrp="1"/>
           </p:cNvSpPr>
@@ -565,7 +505,7 @@
     </p:spTree>
     <p:extLst>
       <p:ext uri="{BB962C8B-B14F-4D97-AF65-F5344CB8AC3E}">
-        <p14:creationId xmlns:p14="http://schemas.microsoft.com/office/powerpoint/2010/main" val="397647011"/>
+        <p14:creationId xmlns:p14="http://schemas.microsoft.com/office/powerpoint/2010/main" val="361124313"/>
       </p:ext>
     </p:extLst>
   </p:cSld>
@@ -594,13 +534,7 @@
       </p:grpSpPr>
       <p:sp>
         <p:nvSpPr>
-          <p:cNvPr id="2" name="縦書きタイトル 1">
-            <a:extLst>
-              <a:ext uri="{FF2B5EF4-FFF2-40B4-BE49-F238E27FC236}">
-                <a16:creationId xmlns:a16="http://schemas.microsoft.com/office/drawing/2014/main" id="{017A9D40-9D15-450D-82F8-D655384016D5}"/>
-              </a:ext>
-            </a:extLst>
-          </p:cNvPr>
+          <p:cNvPr id="2" name="Vertical Title 1"/>
           <p:cNvSpPr>
             <a:spLocks noGrp="1"/>
           </p:cNvSpPr>
@@ -610,8 +544,8 @@
         </p:nvSpPr>
         <p:spPr>
           <a:xfrm>
-            <a:off x="6543675" y="365125"/>
-            <a:ext cx="1971675" cy="5811838"/>
+            <a:off x="8724900" y="365125"/>
+            <a:ext cx="2628900" cy="5811838"/>
           </a:xfrm>
         </p:spPr>
         <p:txBody>
@@ -619,21 +553,16 @@
           <a:lstStyle/>
           <a:p>
             <a:r>
-              <a:rPr kumimoji="1" lang="ja-JP" altLang="en-US"/>
+              <a:rPr lang="ja-JP" altLang="en-US"/>
               <a:t>マスター タイトルの書式設定</a:t>
             </a:r>
-          </a:p>
-        </p:txBody>
-      </p:sp>
-      <p:sp>
-        <p:nvSpPr>
-          <p:cNvPr id="3" name="縦書きテキスト プレースホルダー 2">
-            <a:extLst>
-              <a:ext uri="{FF2B5EF4-FFF2-40B4-BE49-F238E27FC236}">
-                <a16:creationId xmlns:a16="http://schemas.microsoft.com/office/drawing/2014/main" id="{5DAC8398-BD6E-46E7-9AD6-7AFEC6690000}"/>
-              </a:ext>
-            </a:extLst>
-          </p:cNvPr>
+            <a:endParaRPr lang="en-US" dirty="0"/>
+          </a:p>
+        </p:txBody>
+      </p:sp>
+      <p:sp>
+        <p:nvSpPr>
+          <p:cNvPr id="3" name="Vertical Text Placeholder 2"/>
           <p:cNvSpPr>
             <a:spLocks noGrp="1"/>
           </p:cNvSpPr>
@@ -643,8 +572,8 @@
         </p:nvSpPr>
         <p:spPr>
           <a:xfrm>
-            <a:off x="628650" y="365125"/>
-            <a:ext cx="5800725" cy="5811838"/>
+            <a:off x="838200" y="365125"/>
+            <a:ext cx="7734300" cy="5811838"/>
           </a:xfrm>
         </p:spPr>
         <p:txBody>
@@ -653,81 +582,76 @@
           <a:p>
             <a:pPr lvl="0"/>
             <a:r>
-              <a:rPr kumimoji="1" lang="ja-JP" altLang="en-US"/>
+              <a:rPr lang="ja-JP" altLang="en-US"/>
               <a:t>マスター テキストの書式設定</a:t>
             </a:r>
           </a:p>
           <a:p>
             <a:pPr lvl="1"/>
             <a:r>
-              <a:rPr kumimoji="1" lang="ja-JP" altLang="en-US"/>
+              <a:rPr lang="ja-JP" altLang="en-US"/>
               <a:t>第 </a:t>
             </a:r>
             <a:r>
-              <a:rPr kumimoji="1" lang="en-US" altLang="ja-JP"/>
+              <a:rPr lang="en-US" altLang="ja-JP"/>
               <a:t>2 </a:t>
             </a:r>
             <a:r>
-              <a:rPr kumimoji="1" lang="ja-JP" altLang="en-US"/>
+              <a:rPr lang="ja-JP" altLang="en-US"/>
               <a:t>レベル</a:t>
             </a:r>
           </a:p>
           <a:p>
             <a:pPr lvl="2"/>
             <a:r>
-              <a:rPr kumimoji="1" lang="ja-JP" altLang="en-US"/>
+              <a:rPr lang="ja-JP" altLang="en-US"/>
               <a:t>第 </a:t>
             </a:r>
             <a:r>
-              <a:rPr kumimoji="1" lang="en-US" altLang="ja-JP"/>
+              <a:rPr lang="en-US" altLang="ja-JP"/>
               <a:t>3 </a:t>
             </a:r>
             <a:r>
-              <a:rPr kumimoji="1" lang="ja-JP" altLang="en-US"/>
+              <a:rPr lang="ja-JP" altLang="en-US"/>
               <a:t>レベル</a:t>
             </a:r>
           </a:p>
           <a:p>
             <a:pPr lvl="3"/>
             <a:r>
-              <a:rPr kumimoji="1" lang="ja-JP" altLang="en-US"/>
+              <a:rPr lang="ja-JP" altLang="en-US"/>
               <a:t>第 </a:t>
             </a:r>
             <a:r>
-              <a:rPr kumimoji="1" lang="en-US" altLang="ja-JP"/>
+              <a:rPr lang="en-US" altLang="ja-JP"/>
               <a:t>4 </a:t>
             </a:r>
             <a:r>
-              <a:rPr kumimoji="1" lang="ja-JP" altLang="en-US"/>
+              <a:rPr lang="ja-JP" altLang="en-US"/>
               <a:t>レベル</a:t>
             </a:r>
           </a:p>
           <a:p>
             <a:pPr lvl="4"/>
             <a:r>
-              <a:rPr kumimoji="1" lang="ja-JP" altLang="en-US"/>
+              <a:rPr lang="ja-JP" altLang="en-US"/>
               <a:t>第 </a:t>
             </a:r>
             <a:r>
-              <a:rPr kumimoji="1" lang="en-US" altLang="ja-JP"/>
+              <a:rPr lang="en-US" altLang="ja-JP"/>
               <a:t>5 </a:t>
             </a:r>
             <a:r>
-              <a:rPr kumimoji="1" lang="ja-JP" altLang="en-US"/>
+              <a:rPr lang="ja-JP" altLang="en-US"/>
               <a:t>レベル</a:t>
             </a:r>
-          </a:p>
-        </p:txBody>
-      </p:sp>
-      <p:sp>
-        <p:nvSpPr>
-          <p:cNvPr id="4" name="日付プレースホルダー 3">
-            <a:extLst>
-              <a:ext uri="{FF2B5EF4-FFF2-40B4-BE49-F238E27FC236}">
-                <a16:creationId xmlns:a16="http://schemas.microsoft.com/office/drawing/2014/main" id="{6FDBFB86-749B-427D-A94D-7E724F8A4B87}"/>
-              </a:ext>
-            </a:extLst>
-          </p:cNvPr>
+            <a:endParaRPr lang="en-US" dirty="0"/>
+          </a:p>
+        </p:txBody>
+      </p:sp>
+      <p:sp>
+        <p:nvSpPr>
+          <p:cNvPr id="4" name="Date Placeholder 3"/>
           <p:cNvSpPr>
             <a:spLocks noGrp="1"/>
           </p:cNvSpPr>
@@ -742,7 +666,7 @@
           <a:p>
             <a:fld id="{BCC3470B-979D-4AC3-9CEF-E2615858CE2E}" type="datetimeFigureOut">
               <a:rPr kumimoji="1" lang="ja-JP" altLang="en-US" smtClean="0"/>
-              <a:t>2017/9/9</a:t>
+              <a:t>2023/8/25</a:t>
             </a:fld>
             <a:endParaRPr kumimoji="1" lang="ja-JP" altLang="en-US"/>
           </a:p>
@@ -750,13 +674,7 @@
       </p:sp>
       <p:sp>
         <p:nvSpPr>
-          <p:cNvPr id="5" name="フッター プレースホルダー 4">
-            <a:extLst>
-              <a:ext uri="{FF2B5EF4-FFF2-40B4-BE49-F238E27FC236}">
-                <a16:creationId xmlns:a16="http://schemas.microsoft.com/office/drawing/2014/main" id="{46D97FC8-D55E-481F-831E-8B0923FAC4A8}"/>
-              </a:ext>
-            </a:extLst>
-          </p:cNvPr>
+          <p:cNvPr id="5" name="Footer Placeholder 4"/>
           <p:cNvSpPr>
             <a:spLocks noGrp="1"/>
           </p:cNvSpPr>
@@ -775,13 +693,7 @@
       </p:sp>
       <p:sp>
         <p:nvSpPr>
-          <p:cNvPr id="6" name="スライド番号プレースホルダー 5">
-            <a:extLst>
-              <a:ext uri="{FF2B5EF4-FFF2-40B4-BE49-F238E27FC236}">
-                <a16:creationId xmlns:a16="http://schemas.microsoft.com/office/drawing/2014/main" id="{00D79B48-AC5C-4428-AC16-9C5205B7981C}"/>
-              </a:ext>
-            </a:extLst>
-          </p:cNvPr>
+          <p:cNvPr id="6" name="Slide Number Placeholder 5"/>
           <p:cNvSpPr>
             <a:spLocks noGrp="1"/>
           </p:cNvSpPr>
@@ -805,7 +717,7 @@
     </p:spTree>
     <p:extLst>
       <p:ext uri="{BB962C8B-B14F-4D97-AF65-F5344CB8AC3E}">
-        <p14:creationId xmlns:p14="http://schemas.microsoft.com/office/powerpoint/2010/main" val="1659054291"/>
+        <p14:creationId xmlns:p14="http://schemas.microsoft.com/office/powerpoint/2010/main" val="3868075681"/>
       </p:ext>
     </p:extLst>
   </p:cSld>
@@ -834,13 +746,7 @@
       </p:grpSpPr>
       <p:sp>
         <p:nvSpPr>
-          <p:cNvPr id="2" name="タイトル 1">
-            <a:extLst>
-              <a:ext uri="{FF2B5EF4-FFF2-40B4-BE49-F238E27FC236}">
-                <a16:creationId xmlns:a16="http://schemas.microsoft.com/office/drawing/2014/main" id="{758DFCA2-5DB0-4083-8B4C-8DE6F01C0D39}"/>
-              </a:ext>
-            </a:extLst>
-          </p:cNvPr>
+          <p:cNvPr id="2" name="Title 1"/>
           <p:cNvSpPr>
             <a:spLocks noGrp="1"/>
           </p:cNvSpPr>
@@ -854,21 +760,16 @@
           <a:lstStyle/>
           <a:p>
             <a:r>
-              <a:rPr kumimoji="1" lang="ja-JP" altLang="en-US"/>
+              <a:rPr lang="ja-JP" altLang="en-US"/>
               <a:t>マスター タイトルの書式設定</a:t>
             </a:r>
-          </a:p>
-        </p:txBody>
-      </p:sp>
-      <p:sp>
-        <p:nvSpPr>
-          <p:cNvPr id="3" name="コンテンツ プレースホルダー 2">
-            <a:extLst>
-              <a:ext uri="{FF2B5EF4-FFF2-40B4-BE49-F238E27FC236}">
-                <a16:creationId xmlns:a16="http://schemas.microsoft.com/office/drawing/2014/main" id="{FFBDDB16-CBD2-4229-9A15-50C8AE44729F}"/>
-              </a:ext>
-            </a:extLst>
-          </p:cNvPr>
+            <a:endParaRPr lang="en-US" dirty="0"/>
+          </a:p>
+        </p:txBody>
+      </p:sp>
+      <p:sp>
+        <p:nvSpPr>
+          <p:cNvPr id="3" name="Content Placeholder 2"/>
           <p:cNvSpPr>
             <a:spLocks noGrp="1"/>
           </p:cNvSpPr>
@@ -883,81 +784,76 @@
           <a:p>
             <a:pPr lvl="0"/>
             <a:r>
-              <a:rPr kumimoji="1" lang="ja-JP" altLang="en-US"/>
+              <a:rPr lang="ja-JP" altLang="en-US"/>
               <a:t>マスター テキストの書式設定</a:t>
             </a:r>
           </a:p>
           <a:p>
             <a:pPr lvl="1"/>
             <a:r>
-              <a:rPr kumimoji="1" lang="ja-JP" altLang="en-US"/>
+              <a:rPr lang="ja-JP" altLang="en-US"/>
               <a:t>第 </a:t>
             </a:r>
             <a:r>
-              <a:rPr kumimoji="1" lang="en-US" altLang="ja-JP"/>
+              <a:rPr lang="en-US" altLang="ja-JP"/>
               <a:t>2 </a:t>
             </a:r>
             <a:r>
-              <a:rPr kumimoji="1" lang="ja-JP" altLang="en-US"/>
+              <a:rPr lang="ja-JP" altLang="en-US"/>
               <a:t>レベル</a:t>
             </a:r>
           </a:p>
           <a:p>
             <a:pPr lvl="2"/>
             <a:r>
-              <a:rPr kumimoji="1" lang="ja-JP" altLang="en-US"/>
+              <a:rPr lang="ja-JP" altLang="en-US"/>
               <a:t>第 </a:t>
             </a:r>
             <a:r>
-              <a:rPr kumimoji="1" lang="en-US" altLang="ja-JP"/>
+              <a:rPr lang="en-US" altLang="ja-JP"/>
               <a:t>3 </a:t>
             </a:r>
             <a:r>
-              <a:rPr kumimoji="1" lang="ja-JP" altLang="en-US"/>
+              <a:rPr lang="ja-JP" altLang="en-US"/>
               <a:t>レベル</a:t>
             </a:r>
           </a:p>
           <a:p>
             <a:pPr lvl="3"/>
             <a:r>
-              <a:rPr kumimoji="1" lang="ja-JP" altLang="en-US"/>
+              <a:rPr lang="ja-JP" altLang="en-US"/>
               <a:t>第 </a:t>
             </a:r>
             <a:r>
-              <a:rPr kumimoji="1" lang="en-US" altLang="ja-JP"/>
+              <a:rPr lang="en-US" altLang="ja-JP"/>
               <a:t>4 </a:t>
             </a:r>
             <a:r>
-              <a:rPr kumimoji="1" lang="ja-JP" altLang="en-US"/>
+              <a:rPr lang="ja-JP" altLang="en-US"/>
               <a:t>レベル</a:t>
             </a:r>
           </a:p>
           <a:p>
             <a:pPr lvl="4"/>
             <a:r>
-              <a:rPr kumimoji="1" lang="ja-JP" altLang="en-US"/>
+              <a:rPr lang="ja-JP" altLang="en-US"/>
               <a:t>第 </a:t>
             </a:r>
             <a:r>
-              <a:rPr kumimoji="1" lang="en-US" altLang="ja-JP"/>
+              <a:rPr lang="en-US" altLang="ja-JP"/>
               <a:t>5 </a:t>
             </a:r>
             <a:r>
-              <a:rPr kumimoji="1" lang="ja-JP" altLang="en-US"/>
+              <a:rPr lang="ja-JP" altLang="en-US"/>
               <a:t>レベル</a:t>
             </a:r>
-          </a:p>
-        </p:txBody>
-      </p:sp>
-      <p:sp>
-        <p:nvSpPr>
-          <p:cNvPr id="4" name="日付プレースホルダー 3">
-            <a:extLst>
-              <a:ext uri="{FF2B5EF4-FFF2-40B4-BE49-F238E27FC236}">
-                <a16:creationId xmlns:a16="http://schemas.microsoft.com/office/drawing/2014/main" id="{66DBD40E-5A76-4B4A-929F-470B9C12BFEE}"/>
-              </a:ext>
-            </a:extLst>
-          </p:cNvPr>
+            <a:endParaRPr lang="en-US" dirty="0"/>
+          </a:p>
+        </p:txBody>
+      </p:sp>
+      <p:sp>
+        <p:nvSpPr>
+          <p:cNvPr id="4" name="Date Placeholder 3"/>
           <p:cNvSpPr>
             <a:spLocks noGrp="1"/>
           </p:cNvSpPr>
@@ -972,7 +868,7 @@
           <a:p>
             <a:fld id="{BCC3470B-979D-4AC3-9CEF-E2615858CE2E}" type="datetimeFigureOut">
               <a:rPr kumimoji="1" lang="ja-JP" altLang="en-US" smtClean="0"/>
-              <a:t>2017/9/9</a:t>
+              <a:t>2023/8/25</a:t>
             </a:fld>
             <a:endParaRPr kumimoji="1" lang="ja-JP" altLang="en-US"/>
           </a:p>
@@ -980,13 +876,7 @@
       </p:sp>
       <p:sp>
         <p:nvSpPr>
-          <p:cNvPr id="5" name="フッター プレースホルダー 4">
-            <a:extLst>
-              <a:ext uri="{FF2B5EF4-FFF2-40B4-BE49-F238E27FC236}">
-                <a16:creationId xmlns:a16="http://schemas.microsoft.com/office/drawing/2014/main" id="{C4CE8CE3-F56A-499A-9503-84B870215EF8}"/>
-              </a:ext>
-            </a:extLst>
-          </p:cNvPr>
+          <p:cNvPr id="5" name="Footer Placeholder 4"/>
           <p:cNvSpPr>
             <a:spLocks noGrp="1"/>
           </p:cNvSpPr>
@@ -1005,13 +895,7 @@
       </p:sp>
       <p:sp>
         <p:nvSpPr>
-          <p:cNvPr id="6" name="スライド番号プレースホルダー 5">
-            <a:extLst>
-              <a:ext uri="{FF2B5EF4-FFF2-40B4-BE49-F238E27FC236}">
-                <a16:creationId xmlns:a16="http://schemas.microsoft.com/office/drawing/2014/main" id="{D922B388-1193-4540-9148-7A8F8D10B037}"/>
-              </a:ext>
-            </a:extLst>
-          </p:cNvPr>
+          <p:cNvPr id="6" name="Slide Number Placeholder 5"/>
           <p:cNvSpPr>
             <a:spLocks noGrp="1"/>
           </p:cNvSpPr>
@@ -1035,7 +919,7 @@
     </p:spTree>
     <p:extLst>
       <p:ext uri="{BB962C8B-B14F-4D97-AF65-F5344CB8AC3E}">
-        <p14:creationId xmlns:p14="http://schemas.microsoft.com/office/powerpoint/2010/main" val="3885293980"/>
+        <p14:creationId xmlns:p14="http://schemas.microsoft.com/office/powerpoint/2010/main" val="4048158285"/>
       </p:ext>
     </p:extLst>
   </p:cSld>
@@ -1064,13 +948,7 @@
       </p:grpSpPr>
       <p:sp>
         <p:nvSpPr>
-          <p:cNvPr id="2" name="タイトル 1">
-            <a:extLst>
-              <a:ext uri="{FF2B5EF4-FFF2-40B4-BE49-F238E27FC236}">
-                <a16:creationId xmlns:a16="http://schemas.microsoft.com/office/drawing/2014/main" id="{08E6B0ED-6C85-42C7-A913-4B82433E7B70}"/>
-              </a:ext>
-            </a:extLst>
-          </p:cNvPr>
+          <p:cNvPr id="2" name="Title 1"/>
           <p:cNvSpPr>
             <a:spLocks noGrp="1"/>
           </p:cNvSpPr>
@@ -1080,8 +958,8 @@
         </p:nvSpPr>
         <p:spPr>
           <a:xfrm>
-            <a:off x="623888" y="1709739"/>
-            <a:ext cx="7886700" cy="2852737"/>
+            <a:off x="831850" y="1709738"/>
+            <a:ext cx="10515600" cy="2852737"/>
           </a:xfrm>
         </p:spPr>
         <p:txBody>
@@ -1093,21 +971,16 @@
           </a:lstStyle>
           <a:p>
             <a:r>
-              <a:rPr kumimoji="1" lang="ja-JP" altLang="en-US"/>
+              <a:rPr lang="ja-JP" altLang="en-US"/>
               <a:t>マスター タイトルの書式設定</a:t>
             </a:r>
-          </a:p>
-        </p:txBody>
-      </p:sp>
-      <p:sp>
-        <p:nvSpPr>
-          <p:cNvPr id="3" name="テキスト プレースホルダー 2">
-            <a:extLst>
-              <a:ext uri="{FF2B5EF4-FFF2-40B4-BE49-F238E27FC236}">
-                <a16:creationId xmlns:a16="http://schemas.microsoft.com/office/drawing/2014/main" id="{246121B5-1DE4-4D5A-91F2-C7E49C42F30B}"/>
-              </a:ext>
-            </a:extLst>
-          </p:cNvPr>
+            <a:endParaRPr lang="en-US" dirty="0"/>
+          </a:p>
+        </p:txBody>
+      </p:sp>
+      <p:sp>
+        <p:nvSpPr>
+          <p:cNvPr id="3" name="Text Placeholder 2"/>
           <p:cNvSpPr>
             <a:spLocks noGrp="1"/>
           </p:cNvSpPr>
@@ -1117,8 +990,8 @@
         </p:nvSpPr>
         <p:spPr>
           <a:xfrm>
-            <a:off x="623888" y="4589464"/>
-            <a:ext cx="7886700" cy="1500187"/>
+            <a:off x="831850" y="4589463"/>
+            <a:ext cx="10515600" cy="1500187"/>
           </a:xfrm>
         </p:spPr>
         <p:txBody>
@@ -1218,7 +1091,7 @@
           <a:p>
             <a:pPr lvl="0"/>
             <a:r>
-              <a:rPr kumimoji="1" lang="ja-JP" altLang="en-US"/>
+              <a:rPr lang="ja-JP" altLang="en-US"/>
               <a:t>マスター テキストの書式設定</a:t>
             </a:r>
           </a:p>
@@ -1226,13 +1099,7 @@
       </p:sp>
       <p:sp>
         <p:nvSpPr>
-          <p:cNvPr id="4" name="日付プレースホルダー 3">
-            <a:extLst>
-              <a:ext uri="{FF2B5EF4-FFF2-40B4-BE49-F238E27FC236}">
-                <a16:creationId xmlns:a16="http://schemas.microsoft.com/office/drawing/2014/main" id="{554E865C-62F8-48F9-B5FF-DA5BC3EF1A2F}"/>
-              </a:ext>
-            </a:extLst>
-          </p:cNvPr>
+          <p:cNvPr id="4" name="Date Placeholder 3"/>
           <p:cNvSpPr>
             <a:spLocks noGrp="1"/>
           </p:cNvSpPr>
@@ -1247,7 +1114,7 @@
           <a:p>
             <a:fld id="{BCC3470B-979D-4AC3-9CEF-E2615858CE2E}" type="datetimeFigureOut">
               <a:rPr kumimoji="1" lang="ja-JP" altLang="en-US" smtClean="0"/>
-              <a:t>2017/9/9</a:t>
+              <a:t>2023/8/25</a:t>
             </a:fld>
             <a:endParaRPr kumimoji="1" lang="ja-JP" altLang="en-US"/>
           </a:p>
@@ -1255,13 +1122,7 @@
       </p:sp>
       <p:sp>
         <p:nvSpPr>
-          <p:cNvPr id="5" name="フッター プレースホルダー 4">
-            <a:extLst>
-              <a:ext uri="{FF2B5EF4-FFF2-40B4-BE49-F238E27FC236}">
-                <a16:creationId xmlns:a16="http://schemas.microsoft.com/office/drawing/2014/main" id="{01BA77F4-B8A8-433C-946F-4ABCE1772AC8}"/>
-              </a:ext>
-            </a:extLst>
-          </p:cNvPr>
+          <p:cNvPr id="5" name="Footer Placeholder 4"/>
           <p:cNvSpPr>
             <a:spLocks noGrp="1"/>
           </p:cNvSpPr>
@@ -1280,13 +1141,7 @@
       </p:sp>
       <p:sp>
         <p:nvSpPr>
-          <p:cNvPr id="6" name="スライド番号プレースホルダー 5">
-            <a:extLst>
-              <a:ext uri="{FF2B5EF4-FFF2-40B4-BE49-F238E27FC236}">
-                <a16:creationId xmlns:a16="http://schemas.microsoft.com/office/drawing/2014/main" id="{9E6B1CEE-CC91-4610-81F7-D40D5BF90C69}"/>
-              </a:ext>
-            </a:extLst>
-          </p:cNvPr>
+          <p:cNvPr id="6" name="Slide Number Placeholder 5"/>
           <p:cNvSpPr>
             <a:spLocks noGrp="1"/>
           </p:cNvSpPr>
@@ -1310,7 +1165,7 @@
     </p:spTree>
     <p:extLst>
       <p:ext uri="{BB962C8B-B14F-4D97-AF65-F5344CB8AC3E}">
-        <p14:creationId xmlns:p14="http://schemas.microsoft.com/office/powerpoint/2010/main" val="3050166243"/>
+        <p14:creationId xmlns:p14="http://schemas.microsoft.com/office/powerpoint/2010/main" val="2900314243"/>
       </p:ext>
     </p:extLst>
   </p:cSld>
@@ -1339,13 +1194,7 @@
       </p:grpSpPr>
       <p:sp>
         <p:nvSpPr>
-          <p:cNvPr id="2" name="タイトル 1">
-            <a:extLst>
-              <a:ext uri="{FF2B5EF4-FFF2-40B4-BE49-F238E27FC236}">
-                <a16:creationId xmlns:a16="http://schemas.microsoft.com/office/drawing/2014/main" id="{6DF9C5A6-3160-47E1-9F76-C0517AE74B65}"/>
-              </a:ext>
-            </a:extLst>
-          </p:cNvPr>
+          <p:cNvPr id="2" name="Title 1"/>
           <p:cNvSpPr>
             <a:spLocks noGrp="1"/>
           </p:cNvSpPr>
@@ -1359,21 +1208,16 @@
           <a:lstStyle/>
           <a:p>
             <a:r>
-              <a:rPr kumimoji="1" lang="ja-JP" altLang="en-US"/>
+              <a:rPr lang="ja-JP" altLang="en-US"/>
               <a:t>マスター タイトルの書式設定</a:t>
             </a:r>
-          </a:p>
-        </p:txBody>
-      </p:sp>
-      <p:sp>
-        <p:nvSpPr>
-          <p:cNvPr id="3" name="コンテンツ プレースホルダー 2">
-            <a:extLst>
-              <a:ext uri="{FF2B5EF4-FFF2-40B4-BE49-F238E27FC236}">
-                <a16:creationId xmlns:a16="http://schemas.microsoft.com/office/drawing/2014/main" id="{E1CFB188-D041-4220-AC8D-BC555D2B95A5}"/>
-              </a:ext>
-            </a:extLst>
-          </p:cNvPr>
+            <a:endParaRPr lang="en-US" dirty="0"/>
+          </a:p>
+        </p:txBody>
+      </p:sp>
+      <p:sp>
+        <p:nvSpPr>
+          <p:cNvPr id="3" name="Content Placeholder 2"/>
           <p:cNvSpPr>
             <a:spLocks noGrp="1"/>
           </p:cNvSpPr>
@@ -1383,8 +1227,8 @@
         </p:nvSpPr>
         <p:spPr>
           <a:xfrm>
-            <a:off x="628650" y="1825625"/>
-            <a:ext cx="3886200" cy="4351338"/>
+            <a:off x="838200" y="1825625"/>
+            <a:ext cx="5181600" cy="4351338"/>
           </a:xfrm>
         </p:spPr>
         <p:txBody>
@@ -1393,81 +1237,76 @@
           <a:p>
             <a:pPr lvl="0"/>
             <a:r>
-              <a:rPr kumimoji="1" lang="ja-JP" altLang="en-US"/>
+              <a:rPr lang="ja-JP" altLang="en-US"/>
               <a:t>マスター テキストの書式設定</a:t>
             </a:r>
           </a:p>
           <a:p>
             <a:pPr lvl="1"/>
             <a:r>
-              <a:rPr kumimoji="1" lang="ja-JP" altLang="en-US"/>
+              <a:rPr lang="ja-JP" altLang="en-US"/>
               <a:t>第 </a:t>
             </a:r>
             <a:r>
-              <a:rPr kumimoji="1" lang="en-US" altLang="ja-JP"/>
+              <a:rPr lang="en-US" altLang="ja-JP"/>
               <a:t>2 </a:t>
             </a:r>
             <a:r>
-              <a:rPr kumimoji="1" lang="ja-JP" altLang="en-US"/>
+              <a:rPr lang="ja-JP" altLang="en-US"/>
               <a:t>レベル</a:t>
             </a:r>
           </a:p>
           <a:p>
             <a:pPr lvl="2"/>
             <a:r>
-              <a:rPr kumimoji="1" lang="ja-JP" altLang="en-US"/>
+              <a:rPr lang="ja-JP" altLang="en-US"/>
               <a:t>第 </a:t>
             </a:r>
             <a:r>
-              <a:rPr kumimoji="1" lang="en-US" altLang="ja-JP"/>
+              <a:rPr lang="en-US" altLang="ja-JP"/>
               <a:t>3 </a:t>
             </a:r>
             <a:r>
-              <a:rPr kumimoji="1" lang="ja-JP" altLang="en-US"/>
+              <a:rPr lang="ja-JP" altLang="en-US"/>
               <a:t>レベル</a:t>
             </a:r>
           </a:p>
           <a:p>
             <a:pPr lvl="3"/>
             <a:r>
-              <a:rPr kumimoji="1" lang="ja-JP" altLang="en-US"/>
+              <a:rPr lang="ja-JP" altLang="en-US"/>
               <a:t>第 </a:t>
             </a:r>
             <a:r>
-              <a:rPr kumimoji="1" lang="en-US" altLang="ja-JP"/>
+              <a:rPr lang="en-US" altLang="ja-JP"/>
               <a:t>4 </a:t>
             </a:r>
             <a:r>
-              <a:rPr kumimoji="1" lang="ja-JP" altLang="en-US"/>
+              <a:rPr lang="ja-JP" altLang="en-US"/>
               <a:t>レベル</a:t>
             </a:r>
           </a:p>
           <a:p>
             <a:pPr lvl="4"/>
             <a:r>
-              <a:rPr kumimoji="1" lang="ja-JP" altLang="en-US"/>
+              <a:rPr lang="ja-JP" altLang="en-US"/>
               <a:t>第 </a:t>
             </a:r>
             <a:r>
-              <a:rPr kumimoji="1" lang="en-US" altLang="ja-JP"/>
+              <a:rPr lang="en-US" altLang="ja-JP"/>
               <a:t>5 </a:t>
             </a:r>
             <a:r>
-              <a:rPr kumimoji="1" lang="ja-JP" altLang="en-US"/>
+              <a:rPr lang="ja-JP" altLang="en-US"/>
               <a:t>レベル</a:t>
             </a:r>
-          </a:p>
-        </p:txBody>
-      </p:sp>
-      <p:sp>
-        <p:nvSpPr>
-          <p:cNvPr id="4" name="コンテンツ プレースホルダー 3">
-            <a:extLst>
-              <a:ext uri="{FF2B5EF4-FFF2-40B4-BE49-F238E27FC236}">
-                <a16:creationId xmlns:a16="http://schemas.microsoft.com/office/drawing/2014/main" id="{BB0DA848-D05A-4CC8-88F9-8978C8AEF3F2}"/>
-              </a:ext>
-            </a:extLst>
-          </p:cNvPr>
+            <a:endParaRPr lang="en-US" dirty="0"/>
+          </a:p>
+        </p:txBody>
+      </p:sp>
+      <p:sp>
+        <p:nvSpPr>
+          <p:cNvPr id="4" name="Content Placeholder 3"/>
           <p:cNvSpPr>
             <a:spLocks noGrp="1"/>
           </p:cNvSpPr>
@@ -1477,8 +1316,8 @@
         </p:nvSpPr>
         <p:spPr>
           <a:xfrm>
-            <a:off x="4629150" y="1825625"/>
-            <a:ext cx="3886200" cy="4351338"/>
+            <a:off x="6172200" y="1825625"/>
+            <a:ext cx="5181600" cy="4351338"/>
           </a:xfrm>
         </p:spPr>
         <p:txBody>
@@ -1487,81 +1326,76 @@
           <a:p>
             <a:pPr lvl="0"/>
             <a:r>
-              <a:rPr kumimoji="1" lang="ja-JP" altLang="en-US"/>
+              <a:rPr lang="ja-JP" altLang="en-US"/>
               <a:t>マスター テキストの書式設定</a:t>
             </a:r>
           </a:p>
           <a:p>
             <a:pPr lvl="1"/>
             <a:r>
-              <a:rPr kumimoji="1" lang="ja-JP" altLang="en-US"/>
+              <a:rPr lang="ja-JP" altLang="en-US"/>
               <a:t>第 </a:t>
             </a:r>
             <a:r>
-              <a:rPr kumimoji="1" lang="en-US" altLang="ja-JP"/>
+              <a:rPr lang="en-US" altLang="ja-JP"/>
               <a:t>2 </a:t>
             </a:r>
             <a:r>
-              <a:rPr kumimoji="1" lang="ja-JP" altLang="en-US"/>
+              <a:rPr lang="ja-JP" altLang="en-US"/>
               <a:t>レベル</a:t>
             </a:r>
           </a:p>
           <a:p>
             <a:pPr lvl="2"/>
             <a:r>
-              <a:rPr kumimoji="1" lang="ja-JP" altLang="en-US"/>
+              <a:rPr lang="ja-JP" altLang="en-US"/>
               <a:t>第 </a:t>
             </a:r>
             <a:r>
-              <a:rPr kumimoji="1" lang="en-US" altLang="ja-JP"/>
+              <a:rPr lang="en-US" altLang="ja-JP"/>
               <a:t>3 </a:t>
             </a:r>
             <a:r>
-              <a:rPr kumimoji="1" lang="ja-JP" altLang="en-US"/>
+              <a:rPr lang="ja-JP" altLang="en-US"/>
               <a:t>レベル</a:t>
             </a:r>
           </a:p>
           <a:p>
             <a:pPr lvl="3"/>
             <a:r>
-              <a:rPr kumimoji="1" lang="ja-JP" altLang="en-US"/>
+              <a:rPr lang="ja-JP" altLang="en-US"/>
               <a:t>第 </a:t>
             </a:r>
             <a:r>
-              <a:rPr kumimoji="1" lang="en-US" altLang="ja-JP"/>
+              <a:rPr lang="en-US" altLang="ja-JP"/>
               <a:t>4 </a:t>
             </a:r>
             <a:r>
-              <a:rPr kumimoji="1" lang="ja-JP" altLang="en-US"/>
+              <a:rPr lang="ja-JP" altLang="en-US"/>
               <a:t>レベル</a:t>
             </a:r>
           </a:p>
           <a:p>
             <a:pPr lvl="4"/>
             <a:r>
-              <a:rPr kumimoji="1" lang="ja-JP" altLang="en-US"/>
+              <a:rPr lang="ja-JP" altLang="en-US"/>
               <a:t>第 </a:t>
             </a:r>
             <a:r>
-              <a:rPr kumimoji="1" lang="en-US" altLang="ja-JP"/>
+              <a:rPr lang="en-US" altLang="ja-JP"/>
               <a:t>5 </a:t>
             </a:r>
             <a:r>
-              <a:rPr kumimoji="1" lang="ja-JP" altLang="en-US"/>
+              <a:rPr lang="ja-JP" altLang="en-US"/>
               <a:t>レベル</a:t>
             </a:r>
-          </a:p>
-        </p:txBody>
-      </p:sp>
-      <p:sp>
-        <p:nvSpPr>
-          <p:cNvPr id="5" name="日付プレースホルダー 4">
-            <a:extLst>
-              <a:ext uri="{FF2B5EF4-FFF2-40B4-BE49-F238E27FC236}">
-                <a16:creationId xmlns:a16="http://schemas.microsoft.com/office/drawing/2014/main" id="{840C054F-E256-4364-8C3B-BC6BBFAFEAC5}"/>
-              </a:ext>
-            </a:extLst>
-          </p:cNvPr>
+            <a:endParaRPr lang="en-US" dirty="0"/>
+          </a:p>
+        </p:txBody>
+      </p:sp>
+      <p:sp>
+        <p:nvSpPr>
+          <p:cNvPr id="5" name="Date Placeholder 4"/>
           <p:cNvSpPr>
             <a:spLocks noGrp="1"/>
           </p:cNvSpPr>
@@ -1576,7 +1410,7 @@
           <a:p>
             <a:fld id="{BCC3470B-979D-4AC3-9CEF-E2615858CE2E}" type="datetimeFigureOut">
               <a:rPr kumimoji="1" lang="ja-JP" altLang="en-US" smtClean="0"/>
-              <a:t>2017/9/9</a:t>
+              <a:t>2023/8/25</a:t>
             </a:fld>
             <a:endParaRPr kumimoji="1" lang="ja-JP" altLang="en-US"/>
           </a:p>
@@ -1584,13 +1418,7 @@
       </p:sp>
       <p:sp>
         <p:nvSpPr>
-          <p:cNvPr id="6" name="フッター プレースホルダー 5">
-            <a:extLst>
-              <a:ext uri="{FF2B5EF4-FFF2-40B4-BE49-F238E27FC236}">
-                <a16:creationId xmlns:a16="http://schemas.microsoft.com/office/drawing/2014/main" id="{F04279D4-EDFB-458F-8F75-2B792679193B}"/>
-              </a:ext>
-            </a:extLst>
-          </p:cNvPr>
+          <p:cNvPr id="6" name="Footer Placeholder 5"/>
           <p:cNvSpPr>
             <a:spLocks noGrp="1"/>
           </p:cNvSpPr>
@@ -1609,13 +1437,7 @@
       </p:sp>
       <p:sp>
         <p:nvSpPr>
-          <p:cNvPr id="7" name="スライド番号プレースホルダー 6">
-            <a:extLst>
-              <a:ext uri="{FF2B5EF4-FFF2-40B4-BE49-F238E27FC236}">
-                <a16:creationId xmlns:a16="http://schemas.microsoft.com/office/drawing/2014/main" id="{330EFC22-26C8-43E2-9D75-36E84925B9F2}"/>
-              </a:ext>
-            </a:extLst>
-          </p:cNvPr>
+          <p:cNvPr id="7" name="Slide Number Placeholder 6"/>
           <p:cNvSpPr>
             <a:spLocks noGrp="1"/>
           </p:cNvSpPr>
@@ -1639,7 +1461,7 @@
     </p:spTree>
     <p:extLst>
       <p:ext uri="{BB962C8B-B14F-4D97-AF65-F5344CB8AC3E}">
-        <p14:creationId xmlns:p14="http://schemas.microsoft.com/office/powerpoint/2010/main" val="3052735013"/>
+        <p14:creationId xmlns:p14="http://schemas.microsoft.com/office/powerpoint/2010/main" val="2723805435"/>
       </p:ext>
     </p:extLst>
   </p:cSld>
@@ -1668,13 +1490,7 @@
       </p:grpSpPr>
       <p:sp>
         <p:nvSpPr>
-          <p:cNvPr id="2" name="タイトル 1">
-            <a:extLst>
-              <a:ext uri="{FF2B5EF4-FFF2-40B4-BE49-F238E27FC236}">
-                <a16:creationId xmlns:a16="http://schemas.microsoft.com/office/drawing/2014/main" id="{1F5067ED-0838-4E65-BD26-8B88ADE57E81}"/>
-              </a:ext>
-            </a:extLst>
-          </p:cNvPr>
+          <p:cNvPr id="2" name="Title 1"/>
           <p:cNvSpPr>
             <a:spLocks noGrp="1"/>
           </p:cNvSpPr>
@@ -1684,8 +1500,8 @@
         </p:nvSpPr>
         <p:spPr>
           <a:xfrm>
-            <a:off x="629841" y="365126"/>
-            <a:ext cx="7886700" cy="1325563"/>
+            <a:off x="839788" y="365125"/>
+            <a:ext cx="10515600" cy="1325563"/>
           </a:xfrm>
         </p:spPr>
         <p:txBody>
@@ -1693,21 +1509,16 @@
           <a:lstStyle/>
           <a:p>
             <a:r>
-              <a:rPr kumimoji="1" lang="ja-JP" altLang="en-US"/>
+              <a:rPr lang="ja-JP" altLang="en-US"/>
               <a:t>マスター タイトルの書式設定</a:t>
             </a:r>
-          </a:p>
-        </p:txBody>
-      </p:sp>
-      <p:sp>
-        <p:nvSpPr>
-          <p:cNvPr id="3" name="テキスト プレースホルダー 2">
-            <a:extLst>
-              <a:ext uri="{FF2B5EF4-FFF2-40B4-BE49-F238E27FC236}">
-                <a16:creationId xmlns:a16="http://schemas.microsoft.com/office/drawing/2014/main" id="{9CE39B44-D81E-4092-8FCA-BD64DB707D9B}"/>
-              </a:ext>
-            </a:extLst>
-          </p:cNvPr>
+            <a:endParaRPr lang="en-US" dirty="0"/>
+          </a:p>
+        </p:txBody>
+      </p:sp>
+      <p:sp>
+        <p:nvSpPr>
+          <p:cNvPr id="3" name="Text Placeholder 2"/>
           <p:cNvSpPr>
             <a:spLocks noGrp="1"/>
           </p:cNvSpPr>
@@ -1717,8 +1528,8 @@
         </p:nvSpPr>
         <p:spPr>
           <a:xfrm>
-            <a:off x="629842" y="1681163"/>
-            <a:ext cx="3868340" cy="823912"/>
+            <a:off x="839788" y="1681163"/>
+            <a:ext cx="5157787" cy="823912"/>
           </a:xfrm>
         </p:spPr>
         <p:txBody>
@@ -1764,7 +1575,7 @@
           <a:p>
             <a:pPr lvl="0"/>
             <a:r>
-              <a:rPr kumimoji="1" lang="ja-JP" altLang="en-US"/>
+              <a:rPr lang="ja-JP" altLang="en-US"/>
               <a:t>マスター テキストの書式設定</a:t>
             </a:r>
           </a:p>
@@ -1772,13 +1583,7 @@
       </p:sp>
       <p:sp>
         <p:nvSpPr>
-          <p:cNvPr id="4" name="コンテンツ プレースホルダー 3">
-            <a:extLst>
-              <a:ext uri="{FF2B5EF4-FFF2-40B4-BE49-F238E27FC236}">
-                <a16:creationId xmlns:a16="http://schemas.microsoft.com/office/drawing/2014/main" id="{F964C5E1-E238-4DB8-831C-92C909C7BBD6}"/>
-              </a:ext>
-            </a:extLst>
-          </p:cNvPr>
+          <p:cNvPr id="4" name="Content Placeholder 3"/>
           <p:cNvSpPr>
             <a:spLocks noGrp="1"/>
           </p:cNvSpPr>
@@ -1788,8 +1593,8 @@
         </p:nvSpPr>
         <p:spPr>
           <a:xfrm>
-            <a:off x="629842" y="2505075"/>
-            <a:ext cx="3868340" cy="3684588"/>
+            <a:off x="839788" y="2505075"/>
+            <a:ext cx="5157787" cy="3684588"/>
           </a:xfrm>
         </p:spPr>
         <p:txBody>
@@ -1798,81 +1603,76 @@
           <a:p>
             <a:pPr lvl="0"/>
             <a:r>
-              <a:rPr kumimoji="1" lang="ja-JP" altLang="en-US"/>
+              <a:rPr lang="ja-JP" altLang="en-US"/>
               <a:t>マスター テキストの書式設定</a:t>
             </a:r>
           </a:p>
           <a:p>
             <a:pPr lvl="1"/>
             <a:r>
-              <a:rPr kumimoji="1" lang="ja-JP" altLang="en-US"/>
+              <a:rPr lang="ja-JP" altLang="en-US"/>
               <a:t>第 </a:t>
             </a:r>
             <a:r>
-              <a:rPr kumimoji="1" lang="en-US" altLang="ja-JP"/>
+              <a:rPr lang="en-US" altLang="ja-JP"/>
               <a:t>2 </a:t>
             </a:r>
             <a:r>
-              <a:rPr kumimoji="1" lang="ja-JP" altLang="en-US"/>
+              <a:rPr lang="ja-JP" altLang="en-US"/>
               <a:t>レベル</a:t>
             </a:r>
           </a:p>
           <a:p>
             <a:pPr lvl="2"/>
             <a:r>
-              <a:rPr kumimoji="1" lang="ja-JP" altLang="en-US"/>
+              <a:rPr lang="ja-JP" altLang="en-US"/>
               <a:t>第 </a:t>
             </a:r>
             <a:r>
-              <a:rPr kumimoji="1" lang="en-US" altLang="ja-JP"/>
+              <a:rPr lang="en-US" altLang="ja-JP"/>
               <a:t>3 </a:t>
             </a:r>
             <a:r>
-              <a:rPr kumimoji="1" lang="ja-JP" altLang="en-US"/>
+              <a:rPr lang="ja-JP" altLang="en-US"/>
               <a:t>レベル</a:t>
             </a:r>
           </a:p>
           <a:p>
             <a:pPr lvl="3"/>
             <a:r>
-              <a:rPr kumimoji="1" lang="ja-JP" altLang="en-US"/>
+              <a:rPr lang="ja-JP" altLang="en-US"/>
               <a:t>第 </a:t>
             </a:r>
             <a:r>
-              <a:rPr kumimoji="1" lang="en-US" altLang="ja-JP"/>
+              <a:rPr lang="en-US" altLang="ja-JP"/>
               <a:t>4 </a:t>
             </a:r>
             <a:r>
-              <a:rPr kumimoji="1" lang="ja-JP" altLang="en-US"/>
+              <a:rPr lang="ja-JP" altLang="en-US"/>
               <a:t>レベル</a:t>
             </a:r>
           </a:p>
           <a:p>
             <a:pPr lvl="4"/>
             <a:r>
-              <a:rPr kumimoji="1" lang="ja-JP" altLang="en-US"/>
+              <a:rPr lang="ja-JP" altLang="en-US"/>
               <a:t>第 </a:t>
             </a:r>
             <a:r>
-              <a:rPr kumimoji="1" lang="en-US" altLang="ja-JP"/>
+              <a:rPr lang="en-US" altLang="ja-JP"/>
               <a:t>5 </a:t>
             </a:r>
             <a:r>
-              <a:rPr kumimoji="1" lang="ja-JP" altLang="en-US"/>
+              <a:rPr lang="ja-JP" altLang="en-US"/>
               <a:t>レベル</a:t>
             </a:r>
-          </a:p>
-        </p:txBody>
-      </p:sp>
-      <p:sp>
-        <p:nvSpPr>
-          <p:cNvPr id="5" name="テキスト プレースホルダー 4">
-            <a:extLst>
-              <a:ext uri="{FF2B5EF4-FFF2-40B4-BE49-F238E27FC236}">
-                <a16:creationId xmlns:a16="http://schemas.microsoft.com/office/drawing/2014/main" id="{50A464FE-14E8-4CD3-A5FB-3E837627C2B7}"/>
-              </a:ext>
-            </a:extLst>
-          </p:cNvPr>
+            <a:endParaRPr lang="en-US" dirty="0"/>
+          </a:p>
+        </p:txBody>
+      </p:sp>
+      <p:sp>
+        <p:nvSpPr>
+          <p:cNvPr id="5" name="Text Placeholder 4"/>
           <p:cNvSpPr>
             <a:spLocks noGrp="1"/>
           </p:cNvSpPr>
@@ -1882,8 +1682,8 @@
         </p:nvSpPr>
         <p:spPr>
           <a:xfrm>
-            <a:off x="4629150" y="1681163"/>
-            <a:ext cx="3887391" cy="823912"/>
+            <a:off x="6172200" y="1681163"/>
+            <a:ext cx="5183188" cy="823912"/>
           </a:xfrm>
         </p:spPr>
         <p:txBody>
@@ -1929,7 +1729,7 @@
           <a:p>
             <a:pPr lvl="0"/>
             <a:r>
-              <a:rPr kumimoji="1" lang="ja-JP" altLang="en-US"/>
+              <a:rPr lang="ja-JP" altLang="en-US"/>
               <a:t>マスター テキストの書式設定</a:t>
             </a:r>
           </a:p>
@@ -1937,13 +1737,7 @@
       </p:sp>
       <p:sp>
         <p:nvSpPr>
-          <p:cNvPr id="6" name="コンテンツ プレースホルダー 5">
-            <a:extLst>
-              <a:ext uri="{FF2B5EF4-FFF2-40B4-BE49-F238E27FC236}">
-                <a16:creationId xmlns:a16="http://schemas.microsoft.com/office/drawing/2014/main" id="{FD529878-3AA1-495B-AF8C-2446DFB6BD0A}"/>
-              </a:ext>
-            </a:extLst>
-          </p:cNvPr>
+          <p:cNvPr id="6" name="Content Placeholder 5"/>
           <p:cNvSpPr>
             <a:spLocks noGrp="1"/>
           </p:cNvSpPr>
@@ -1953,8 +1747,8 @@
         </p:nvSpPr>
         <p:spPr>
           <a:xfrm>
-            <a:off x="4629150" y="2505075"/>
-            <a:ext cx="3887391" cy="3684588"/>
+            <a:off x="6172200" y="2505075"/>
+            <a:ext cx="5183188" cy="3684588"/>
           </a:xfrm>
         </p:spPr>
         <p:txBody>
@@ -1963,81 +1757,76 @@
           <a:p>
             <a:pPr lvl="0"/>
             <a:r>
-              <a:rPr kumimoji="1" lang="ja-JP" altLang="en-US"/>
+              <a:rPr lang="ja-JP" altLang="en-US"/>
               <a:t>マスター テキストの書式設定</a:t>
             </a:r>
           </a:p>
           <a:p>
             <a:pPr lvl="1"/>
             <a:r>
-              <a:rPr kumimoji="1" lang="ja-JP" altLang="en-US"/>
+              <a:rPr lang="ja-JP" altLang="en-US"/>
               <a:t>第 </a:t>
             </a:r>
             <a:r>
-              <a:rPr kumimoji="1" lang="en-US" altLang="ja-JP"/>
+              <a:rPr lang="en-US" altLang="ja-JP"/>
               <a:t>2 </a:t>
             </a:r>
             <a:r>
-              <a:rPr kumimoji="1" lang="ja-JP" altLang="en-US"/>
+              <a:rPr lang="ja-JP" altLang="en-US"/>
               <a:t>レベル</a:t>
             </a:r>
           </a:p>
           <a:p>
             <a:pPr lvl="2"/>
             <a:r>
-              <a:rPr kumimoji="1" lang="ja-JP" altLang="en-US"/>
+              <a:rPr lang="ja-JP" altLang="en-US"/>
               <a:t>第 </a:t>
             </a:r>
             <a:r>
-              <a:rPr kumimoji="1" lang="en-US" altLang="ja-JP"/>
+              <a:rPr lang="en-US" altLang="ja-JP"/>
               <a:t>3 </a:t>
             </a:r>
             <a:r>
-              <a:rPr kumimoji="1" lang="ja-JP" altLang="en-US"/>
+              <a:rPr lang="ja-JP" altLang="en-US"/>
               <a:t>レベル</a:t>
             </a:r>
           </a:p>
           <a:p>
             <a:pPr lvl="3"/>
             <a:r>
-              <a:rPr kumimoji="1" lang="ja-JP" altLang="en-US"/>
+              <a:rPr lang="ja-JP" altLang="en-US"/>
               <a:t>第 </a:t>
             </a:r>
             <a:r>
-              <a:rPr kumimoji="1" lang="en-US" altLang="ja-JP"/>
+              <a:rPr lang="en-US" altLang="ja-JP"/>
               <a:t>4 </a:t>
             </a:r>
             <a:r>
-              <a:rPr kumimoji="1" lang="ja-JP" altLang="en-US"/>
+              <a:rPr lang="ja-JP" altLang="en-US"/>
               <a:t>レベル</a:t>
             </a:r>
           </a:p>
           <a:p>
             <a:pPr lvl="4"/>
             <a:r>
-              <a:rPr kumimoji="1" lang="ja-JP" altLang="en-US"/>
+              <a:rPr lang="ja-JP" altLang="en-US"/>
               <a:t>第 </a:t>
             </a:r>
             <a:r>
-              <a:rPr kumimoji="1" lang="en-US" altLang="ja-JP"/>
+              <a:rPr lang="en-US" altLang="ja-JP"/>
               <a:t>5 </a:t>
             </a:r>
             <a:r>
-              <a:rPr kumimoji="1" lang="ja-JP" altLang="en-US"/>
+              <a:rPr lang="ja-JP" altLang="en-US"/>
               <a:t>レベル</a:t>
             </a:r>
-          </a:p>
-        </p:txBody>
-      </p:sp>
-      <p:sp>
-        <p:nvSpPr>
-          <p:cNvPr id="7" name="日付プレースホルダー 6">
-            <a:extLst>
-              <a:ext uri="{FF2B5EF4-FFF2-40B4-BE49-F238E27FC236}">
-                <a16:creationId xmlns:a16="http://schemas.microsoft.com/office/drawing/2014/main" id="{FA5144D1-CDBF-4195-AECA-AD06E108486E}"/>
-              </a:ext>
-            </a:extLst>
-          </p:cNvPr>
+            <a:endParaRPr lang="en-US" dirty="0"/>
+          </a:p>
+        </p:txBody>
+      </p:sp>
+      <p:sp>
+        <p:nvSpPr>
+          <p:cNvPr id="7" name="Date Placeholder 6"/>
           <p:cNvSpPr>
             <a:spLocks noGrp="1"/>
           </p:cNvSpPr>
@@ -2052,7 +1841,7 @@
           <a:p>
             <a:fld id="{BCC3470B-979D-4AC3-9CEF-E2615858CE2E}" type="datetimeFigureOut">
               <a:rPr kumimoji="1" lang="ja-JP" altLang="en-US" smtClean="0"/>
-              <a:t>2017/9/9</a:t>
+              <a:t>2023/8/25</a:t>
             </a:fld>
             <a:endParaRPr kumimoji="1" lang="ja-JP" altLang="en-US"/>
           </a:p>
@@ -2060,13 +1849,7 @@
       </p:sp>
       <p:sp>
         <p:nvSpPr>
-          <p:cNvPr id="8" name="フッター プレースホルダー 7">
-            <a:extLst>
-              <a:ext uri="{FF2B5EF4-FFF2-40B4-BE49-F238E27FC236}">
-                <a16:creationId xmlns:a16="http://schemas.microsoft.com/office/drawing/2014/main" id="{A4CC6E82-D470-49A1-B2E2-2F0CE2B1A445}"/>
-              </a:ext>
-            </a:extLst>
-          </p:cNvPr>
+          <p:cNvPr id="8" name="Footer Placeholder 7"/>
           <p:cNvSpPr>
             <a:spLocks noGrp="1"/>
           </p:cNvSpPr>
@@ -2085,13 +1868,7 @@
       </p:sp>
       <p:sp>
         <p:nvSpPr>
-          <p:cNvPr id="9" name="スライド番号プレースホルダー 8">
-            <a:extLst>
-              <a:ext uri="{FF2B5EF4-FFF2-40B4-BE49-F238E27FC236}">
-                <a16:creationId xmlns:a16="http://schemas.microsoft.com/office/drawing/2014/main" id="{62C52876-658A-42FB-9DD7-77BCB77F43CC}"/>
-              </a:ext>
-            </a:extLst>
-          </p:cNvPr>
+          <p:cNvPr id="9" name="Slide Number Placeholder 8"/>
           <p:cNvSpPr>
             <a:spLocks noGrp="1"/>
           </p:cNvSpPr>
@@ -2115,7 +1892,7 @@
     </p:spTree>
     <p:extLst>
       <p:ext uri="{BB962C8B-B14F-4D97-AF65-F5344CB8AC3E}">
-        <p14:creationId xmlns:p14="http://schemas.microsoft.com/office/powerpoint/2010/main" val="2498931311"/>
+        <p14:creationId xmlns:p14="http://schemas.microsoft.com/office/powerpoint/2010/main" val="1420374754"/>
       </p:ext>
     </p:extLst>
   </p:cSld>
@@ -2144,13 +1921,7 @@
       </p:grpSpPr>
       <p:sp>
         <p:nvSpPr>
-          <p:cNvPr id="2" name="タイトル 1">
-            <a:extLst>
-              <a:ext uri="{FF2B5EF4-FFF2-40B4-BE49-F238E27FC236}">
-                <a16:creationId xmlns:a16="http://schemas.microsoft.com/office/drawing/2014/main" id="{79FF38F5-536E-47BE-9249-EE31E17A586F}"/>
-              </a:ext>
-            </a:extLst>
-          </p:cNvPr>
+          <p:cNvPr id="2" name="Title 1"/>
           <p:cNvSpPr>
             <a:spLocks noGrp="1"/>
           </p:cNvSpPr>
@@ -2164,21 +1935,16 @@
           <a:lstStyle/>
           <a:p>
             <a:r>
-              <a:rPr kumimoji="1" lang="ja-JP" altLang="en-US"/>
+              <a:rPr lang="ja-JP" altLang="en-US"/>
               <a:t>マスター タイトルの書式設定</a:t>
             </a:r>
-          </a:p>
-        </p:txBody>
-      </p:sp>
-      <p:sp>
-        <p:nvSpPr>
-          <p:cNvPr id="3" name="日付プレースホルダー 2">
-            <a:extLst>
-              <a:ext uri="{FF2B5EF4-FFF2-40B4-BE49-F238E27FC236}">
-                <a16:creationId xmlns:a16="http://schemas.microsoft.com/office/drawing/2014/main" id="{07CB3045-FB54-46B7-B046-4F9A3B847F2B}"/>
-              </a:ext>
-            </a:extLst>
-          </p:cNvPr>
+            <a:endParaRPr lang="en-US" dirty="0"/>
+          </a:p>
+        </p:txBody>
+      </p:sp>
+      <p:sp>
+        <p:nvSpPr>
+          <p:cNvPr id="3" name="Date Placeholder 2"/>
           <p:cNvSpPr>
             <a:spLocks noGrp="1"/>
           </p:cNvSpPr>
@@ -2193,7 +1959,7 @@
           <a:p>
             <a:fld id="{BCC3470B-979D-4AC3-9CEF-E2615858CE2E}" type="datetimeFigureOut">
               <a:rPr kumimoji="1" lang="ja-JP" altLang="en-US" smtClean="0"/>
-              <a:t>2017/9/9</a:t>
+              <a:t>2023/8/25</a:t>
             </a:fld>
             <a:endParaRPr kumimoji="1" lang="ja-JP" altLang="en-US"/>
           </a:p>
@@ -2201,13 +1967,7 @@
       </p:sp>
       <p:sp>
         <p:nvSpPr>
-          <p:cNvPr id="4" name="フッター プレースホルダー 3">
-            <a:extLst>
-              <a:ext uri="{FF2B5EF4-FFF2-40B4-BE49-F238E27FC236}">
-                <a16:creationId xmlns:a16="http://schemas.microsoft.com/office/drawing/2014/main" id="{5ECED15D-9C74-469C-8E3C-B91843A74D4B}"/>
-              </a:ext>
-            </a:extLst>
-          </p:cNvPr>
+          <p:cNvPr id="4" name="Footer Placeholder 3"/>
           <p:cNvSpPr>
             <a:spLocks noGrp="1"/>
           </p:cNvSpPr>
@@ -2226,13 +1986,7 @@
       </p:sp>
       <p:sp>
         <p:nvSpPr>
-          <p:cNvPr id="5" name="スライド番号プレースホルダー 4">
-            <a:extLst>
-              <a:ext uri="{FF2B5EF4-FFF2-40B4-BE49-F238E27FC236}">
-                <a16:creationId xmlns:a16="http://schemas.microsoft.com/office/drawing/2014/main" id="{AAF8A85A-1042-46F4-93FA-E8F4AB4AB7F6}"/>
-              </a:ext>
-            </a:extLst>
-          </p:cNvPr>
+          <p:cNvPr id="5" name="Slide Number Placeholder 4"/>
           <p:cNvSpPr>
             <a:spLocks noGrp="1"/>
           </p:cNvSpPr>
@@ -2256,7 +2010,7 @@
     </p:spTree>
     <p:extLst>
       <p:ext uri="{BB962C8B-B14F-4D97-AF65-F5344CB8AC3E}">
-        <p14:creationId xmlns:p14="http://schemas.microsoft.com/office/powerpoint/2010/main" val="732835344"/>
+        <p14:creationId xmlns:p14="http://schemas.microsoft.com/office/powerpoint/2010/main" val="4096906308"/>
       </p:ext>
     </p:extLst>
   </p:cSld>
@@ -2285,13 +2039,7 @@
       </p:grpSpPr>
       <p:sp>
         <p:nvSpPr>
-          <p:cNvPr id="2" name="日付プレースホルダー 1">
-            <a:extLst>
-              <a:ext uri="{FF2B5EF4-FFF2-40B4-BE49-F238E27FC236}">
-                <a16:creationId xmlns:a16="http://schemas.microsoft.com/office/drawing/2014/main" id="{FCB3A632-2E6D-47AA-9D41-B542EB614177}"/>
-              </a:ext>
-            </a:extLst>
-          </p:cNvPr>
+          <p:cNvPr id="2" name="Date Placeholder 1"/>
           <p:cNvSpPr>
             <a:spLocks noGrp="1"/>
           </p:cNvSpPr>
@@ -2306,7 +2054,7 @@
           <a:p>
             <a:fld id="{BCC3470B-979D-4AC3-9CEF-E2615858CE2E}" type="datetimeFigureOut">
               <a:rPr kumimoji="1" lang="ja-JP" altLang="en-US" smtClean="0"/>
-              <a:t>2017/9/9</a:t>
+              <a:t>2023/8/25</a:t>
             </a:fld>
             <a:endParaRPr kumimoji="1" lang="ja-JP" altLang="en-US"/>
           </a:p>
@@ -2314,13 +2062,7 @@
       </p:sp>
       <p:sp>
         <p:nvSpPr>
-          <p:cNvPr id="3" name="フッター プレースホルダー 2">
-            <a:extLst>
-              <a:ext uri="{FF2B5EF4-FFF2-40B4-BE49-F238E27FC236}">
-                <a16:creationId xmlns:a16="http://schemas.microsoft.com/office/drawing/2014/main" id="{51DE58E0-D604-44D9-AB0A-579CF23A7F38}"/>
-              </a:ext>
-            </a:extLst>
-          </p:cNvPr>
+          <p:cNvPr id="3" name="Footer Placeholder 2"/>
           <p:cNvSpPr>
             <a:spLocks noGrp="1"/>
           </p:cNvSpPr>
@@ -2339,13 +2081,7 @@
       </p:sp>
       <p:sp>
         <p:nvSpPr>
-          <p:cNvPr id="4" name="スライド番号プレースホルダー 3">
-            <a:extLst>
-              <a:ext uri="{FF2B5EF4-FFF2-40B4-BE49-F238E27FC236}">
-                <a16:creationId xmlns:a16="http://schemas.microsoft.com/office/drawing/2014/main" id="{8E3B1122-36C1-4EF6-B192-4791749ADDC8}"/>
-              </a:ext>
-            </a:extLst>
-          </p:cNvPr>
+          <p:cNvPr id="4" name="Slide Number Placeholder 3"/>
           <p:cNvSpPr>
             <a:spLocks noGrp="1"/>
           </p:cNvSpPr>
@@ -2369,7 +2105,7 @@
     </p:spTree>
     <p:extLst>
       <p:ext uri="{BB962C8B-B14F-4D97-AF65-F5344CB8AC3E}">
-        <p14:creationId xmlns:p14="http://schemas.microsoft.com/office/powerpoint/2010/main" val="2554930808"/>
+        <p14:creationId xmlns:p14="http://schemas.microsoft.com/office/powerpoint/2010/main" val="2485351755"/>
       </p:ext>
     </p:extLst>
   </p:cSld>
@@ -2398,13 +2134,7 @@
       </p:grpSpPr>
       <p:sp>
         <p:nvSpPr>
-          <p:cNvPr id="2" name="タイトル 1">
-            <a:extLst>
-              <a:ext uri="{FF2B5EF4-FFF2-40B4-BE49-F238E27FC236}">
-                <a16:creationId xmlns:a16="http://schemas.microsoft.com/office/drawing/2014/main" id="{32EB93E2-742C-40DA-A8F0-09D81B36FCED}"/>
-              </a:ext>
-            </a:extLst>
-          </p:cNvPr>
+          <p:cNvPr id="2" name="Title 1"/>
           <p:cNvSpPr>
             <a:spLocks noGrp="1"/>
           </p:cNvSpPr>
@@ -2414,8 +2144,8 @@
         </p:nvSpPr>
         <p:spPr>
           <a:xfrm>
-            <a:off x="629841" y="457200"/>
-            <a:ext cx="2949178" cy="1600200"/>
+            <a:off x="839788" y="457200"/>
+            <a:ext cx="3932237" cy="1600200"/>
           </a:xfrm>
         </p:spPr>
         <p:txBody>
@@ -2427,21 +2157,16 @@
           </a:lstStyle>
           <a:p>
             <a:r>
-              <a:rPr kumimoji="1" lang="ja-JP" altLang="en-US"/>
+              <a:rPr lang="ja-JP" altLang="en-US"/>
               <a:t>マスター タイトルの書式設定</a:t>
             </a:r>
-          </a:p>
-        </p:txBody>
-      </p:sp>
-      <p:sp>
-        <p:nvSpPr>
-          <p:cNvPr id="3" name="コンテンツ プレースホルダー 2">
-            <a:extLst>
-              <a:ext uri="{FF2B5EF4-FFF2-40B4-BE49-F238E27FC236}">
-                <a16:creationId xmlns:a16="http://schemas.microsoft.com/office/drawing/2014/main" id="{AC474D4D-1C0D-458D-9FF6-A1A57723BB58}"/>
-              </a:ext>
-            </a:extLst>
-          </p:cNvPr>
+            <a:endParaRPr lang="en-US" dirty="0"/>
+          </a:p>
+        </p:txBody>
+      </p:sp>
+      <p:sp>
+        <p:nvSpPr>
+          <p:cNvPr id="3" name="Content Placeholder 2"/>
           <p:cNvSpPr>
             <a:spLocks noGrp="1"/>
           </p:cNvSpPr>
@@ -2451,8 +2176,8 @@
         </p:nvSpPr>
         <p:spPr>
           <a:xfrm>
-            <a:off x="3887391" y="987426"/>
-            <a:ext cx="4629150" cy="4873625"/>
+            <a:off x="5183188" y="987425"/>
+            <a:ext cx="6172200" cy="4873625"/>
           </a:xfrm>
         </p:spPr>
         <p:txBody>
@@ -2489,81 +2214,76 @@
           <a:p>
             <a:pPr lvl="0"/>
             <a:r>
-              <a:rPr kumimoji="1" lang="ja-JP" altLang="en-US"/>
+              <a:rPr lang="ja-JP" altLang="en-US"/>
               <a:t>マスター テキストの書式設定</a:t>
             </a:r>
           </a:p>
           <a:p>
             <a:pPr lvl="1"/>
             <a:r>
-              <a:rPr kumimoji="1" lang="ja-JP" altLang="en-US"/>
+              <a:rPr lang="ja-JP" altLang="en-US"/>
               <a:t>第 </a:t>
             </a:r>
             <a:r>
-              <a:rPr kumimoji="1" lang="en-US" altLang="ja-JP"/>
+              <a:rPr lang="en-US" altLang="ja-JP"/>
               <a:t>2 </a:t>
             </a:r>
             <a:r>
-              <a:rPr kumimoji="1" lang="ja-JP" altLang="en-US"/>
+              <a:rPr lang="ja-JP" altLang="en-US"/>
               <a:t>レベル</a:t>
             </a:r>
           </a:p>
           <a:p>
             <a:pPr lvl="2"/>
             <a:r>
-              <a:rPr kumimoji="1" lang="ja-JP" altLang="en-US"/>
+              <a:rPr lang="ja-JP" altLang="en-US"/>
               <a:t>第 </a:t>
             </a:r>
             <a:r>
-              <a:rPr kumimoji="1" lang="en-US" altLang="ja-JP"/>
+              <a:rPr lang="en-US" altLang="ja-JP"/>
               <a:t>3 </a:t>
             </a:r>
             <a:r>
-              <a:rPr kumimoji="1" lang="ja-JP" altLang="en-US"/>
+              <a:rPr lang="ja-JP" altLang="en-US"/>
               <a:t>レベル</a:t>
             </a:r>
           </a:p>
           <a:p>
             <a:pPr lvl="3"/>
             <a:r>
-              <a:rPr kumimoji="1" lang="ja-JP" altLang="en-US"/>
+              <a:rPr lang="ja-JP" altLang="en-US"/>
               <a:t>第 </a:t>
             </a:r>
             <a:r>
-              <a:rPr kumimoji="1" lang="en-US" altLang="ja-JP"/>
+              <a:rPr lang="en-US" altLang="ja-JP"/>
               <a:t>4 </a:t>
             </a:r>
             <a:r>
-              <a:rPr kumimoji="1" lang="ja-JP" altLang="en-US"/>
+              <a:rPr lang="ja-JP" altLang="en-US"/>
               <a:t>レベル</a:t>
             </a:r>
           </a:p>
           <a:p>
             <a:pPr lvl="4"/>
             <a:r>
-              <a:rPr kumimoji="1" lang="ja-JP" altLang="en-US"/>
+              <a:rPr lang="ja-JP" altLang="en-US"/>
               <a:t>第 </a:t>
             </a:r>
             <a:r>
-              <a:rPr kumimoji="1" lang="en-US" altLang="ja-JP"/>
+              <a:rPr lang="en-US" altLang="ja-JP"/>
               <a:t>5 </a:t>
             </a:r>
             <a:r>
-              <a:rPr kumimoji="1" lang="ja-JP" altLang="en-US"/>
+              <a:rPr lang="ja-JP" altLang="en-US"/>
               <a:t>レベル</a:t>
             </a:r>
-          </a:p>
-        </p:txBody>
-      </p:sp>
-      <p:sp>
-        <p:nvSpPr>
-          <p:cNvPr id="4" name="テキスト プレースホルダー 3">
-            <a:extLst>
-              <a:ext uri="{FF2B5EF4-FFF2-40B4-BE49-F238E27FC236}">
-                <a16:creationId xmlns:a16="http://schemas.microsoft.com/office/drawing/2014/main" id="{D59A0723-E6D5-4A19-818C-2CC237DCE793}"/>
-              </a:ext>
-            </a:extLst>
-          </p:cNvPr>
+            <a:endParaRPr lang="en-US" dirty="0"/>
+          </a:p>
+        </p:txBody>
+      </p:sp>
+      <p:sp>
+        <p:nvSpPr>
+          <p:cNvPr id="4" name="Text Placeholder 3"/>
           <p:cNvSpPr>
             <a:spLocks noGrp="1"/>
           </p:cNvSpPr>
@@ -2573,8 +2293,8 @@
         </p:nvSpPr>
         <p:spPr>
           <a:xfrm>
-            <a:off x="629841" y="2057400"/>
-            <a:ext cx="2949178" cy="3811588"/>
+            <a:off x="839788" y="2057400"/>
+            <a:ext cx="3932237" cy="3811588"/>
           </a:xfrm>
         </p:spPr>
         <p:txBody>
@@ -2620,7 +2340,7 @@
           <a:p>
             <a:pPr lvl="0"/>
             <a:r>
-              <a:rPr kumimoji="1" lang="ja-JP" altLang="en-US"/>
+              <a:rPr lang="ja-JP" altLang="en-US"/>
               <a:t>マスター テキストの書式設定</a:t>
             </a:r>
           </a:p>
@@ -2628,13 +2348,7 @@
       </p:sp>
       <p:sp>
         <p:nvSpPr>
-          <p:cNvPr id="5" name="日付プレースホルダー 4">
-            <a:extLst>
-              <a:ext uri="{FF2B5EF4-FFF2-40B4-BE49-F238E27FC236}">
-                <a16:creationId xmlns:a16="http://schemas.microsoft.com/office/drawing/2014/main" id="{EC8AFEC2-77A9-4086-B939-E2C58F4BF6C5}"/>
-              </a:ext>
-            </a:extLst>
-          </p:cNvPr>
+          <p:cNvPr id="5" name="Date Placeholder 4"/>
           <p:cNvSpPr>
             <a:spLocks noGrp="1"/>
           </p:cNvSpPr>
@@ -2649,7 +2363,7 @@
           <a:p>
             <a:fld id="{BCC3470B-979D-4AC3-9CEF-E2615858CE2E}" type="datetimeFigureOut">
               <a:rPr kumimoji="1" lang="ja-JP" altLang="en-US" smtClean="0"/>
-              <a:t>2017/9/9</a:t>
+              <a:t>2023/8/25</a:t>
             </a:fld>
             <a:endParaRPr kumimoji="1" lang="ja-JP" altLang="en-US"/>
           </a:p>
@@ -2657,13 +2371,7 @@
       </p:sp>
       <p:sp>
         <p:nvSpPr>
-          <p:cNvPr id="6" name="フッター プレースホルダー 5">
-            <a:extLst>
-              <a:ext uri="{FF2B5EF4-FFF2-40B4-BE49-F238E27FC236}">
-                <a16:creationId xmlns:a16="http://schemas.microsoft.com/office/drawing/2014/main" id="{CCCE669C-F3A1-498F-87BB-AFC7E57A09BB}"/>
-              </a:ext>
-            </a:extLst>
-          </p:cNvPr>
+          <p:cNvPr id="6" name="Footer Placeholder 5"/>
           <p:cNvSpPr>
             <a:spLocks noGrp="1"/>
           </p:cNvSpPr>
@@ -2682,13 +2390,7 @@
       </p:sp>
       <p:sp>
         <p:nvSpPr>
-          <p:cNvPr id="7" name="スライド番号プレースホルダー 6">
-            <a:extLst>
-              <a:ext uri="{FF2B5EF4-FFF2-40B4-BE49-F238E27FC236}">
-                <a16:creationId xmlns:a16="http://schemas.microsoft.com/office/drawing/2014/main" id="{D25A9716-FF4B-4EE9-93B4-F37325C18E42}"/>
-              </a:ext>
-            </a:extLst>
-          </p:cNvPr>
+          <p:cNvPr id="7" name="Slide Number Placeholder 6"/>
           <p:cNvSpPr>
             <a:spLocks noGrp="1"/>
           </p:cNvSpPr>
@@ -2712,7 +2414,7 @@
     </p:spTree>
     <p:extLst>
       <p:ext uri="{BB962C8B-B14F-4D97-AF65-F5344CB8AC3E}">
-        <p14:creationId xmlns:p14="http://schemas.microsoft.com/office/powerpoint/2010/main" val="1651372392"/>
+        <p14:creationId xmlns:p14="http://schemas.microsoft.com/office/powerpoint/2010/main" val="1082198124"/>
       </p:ext>
     </p:extLst>
   </p:cSld>
@@ -2741,13 +2443,7 @@
       </p:grpSpPr>
       <p:sp>
         <p:nvSpPr>
-          <p:cNvPr id="2" name="タイトル 1">
-            <a:extLst>
-              <a:ext uri="{FF2B5EF4-FFF2-40B4-BE49-F238E27FC236}">
-                <a16:creationId xmlns:a16="http://schemas.microsoft.com/office/drawing/2014/main" id="{F6BE48DE-0EBA-4D97-9DBF-1EC753EBE759}"/>
-              </a:ext>
-            </a:extLst>
-          </p:cNvPr>
+          <p:cNvPr id="2" name="Title 1"/>
           <p:cNvSpPr>
             <a:spLocks noGrp="1"/>
           </p:cNvSpPr>
@@ -2757,8 +2453,8 @@
         </p:nvSpPr>
         <p:spPr>
           <a:xfrm>
-            <a:off x="629841" y="457200"/>
-            <a:ext cx="2949178" cy="1600200"/>
+            <a:off x="839788" y="457200"/>
+            <a:ext cx="3932237" cy="1600200"/>
           </a:xfrm>
         </p:spPr>
         <p:txBody>
@@ -2770,23 +2466,18 @@
           </a:lstStyle>
           <a:p>
             <a:r>
-              <a:rPr kumimoji="1" lang="ja-JP" altLang="en-US"/>
+              <a:rPr lang="ja-JP" altLang="en-US"/>
               <a:t>マスター タイトルの書式設定</a:t>
             </a:r>
-          </a:p>
-        </p:txBody>
-      </p:sp>
-      <p:sp>
-        <p:nvSpPr>
-          <p:cNvPr id="3" name="図プレースホルダー 2">
-            <a:extLst>
-              <a:ext uri="{FF2B5EF4-FFF2-40B4-BE49-F238E27FC236}">
-                <a16:creationId xmlns:a16="http://schemas.microsoft.com/office/drawing/2014/main" id="{2B35F2B9-EF3E-4AC9-8F35-B559A54EBBA6}"/>
-              </a:ext>
-            </a:extLst>
-          </p:cNvPr>
-          <p:cNvSpPr>
-            <a:spLocks noGrp="1"/>
+            <a:endParaRPr lang="en-US" dirty="0"/>
+          </a:p>
+        </p:txBody>
+      </p:sp>
+      <p:sp>
+        <p:nvSpPr>
+          <p:cNvPr id="3" name="Picture Placeholder 2"/>
+          <p:cNvSpPr>
+            <a:spLocks noGrp="1" noChangeAspect="1"/>
           </p:cNvSpPr>
           <p:nvPr>
             <p:ph type="pic" idx="1"/>
@@ -2794,12 +2485,12 @@
         </p:nvSpPr>
         <p:spPr>
           <a:xfrm>
-            <a:off x="3887391" y="987426"/>
-            <a:ext cx="4629150" cy="4873625"/>
+            <a:off x="5183188" y="987425"/>
+            <a:ext cx="6172200" cy="4873625"/>
           </a:xfrm>
         </p:spPr>
         <p:txBody>
-          <a:bodyPr/>
+          <a:bodyPr anchor="t"/>
           <a:lstStyle>
             <a:lvl1pPr marL="0" indent="0">
               <a:buNone/>
@@ -2839,19 +2530,17 @@
             </a:lvl9pPr>
           </a:lstStyle>
           <a:p>
-            <a:endParaRPr kumimoji="1" lang="ja-JP" altLang="en-US"/>
-          </a:p>
-        </p:txBody>
-      </p:sp>
-      <p:sp>
-        <p:nvSpPr>
-          <p:cNvPr id="4" name="テキスト プレースホルダー 3">
-            <a:extLst>
-              <a:ext uri="{FF2B5EF4-FFF2-40B4-BE49-F238E27FC236}">
-                <a16:creationId xmlns:a16="http://schemas.microsoft.com/office/drawing/2014/main" id="{C7480445-5168-40B5-ABFE-461FF3C35C05}"/>
-              </a:ext>
-            </a:extLst>
-          </p:cNvPr>
+            <a:r>
+              <a:rPr lang="ja-JP" altLang="en-US"/>
+              <a:t>アイコンをクリックして図を追加</a:t>
+            </a:r>
+            <a:endParaRPr lang="en-US" dirty="0"/>
+          </a:p>
+        </p:txBody>
+      </p:sp>
+      <p:sp>
+        <p:nvSpPr>
+          <p:cNvPr id="4" name="Text Placeholder 3"/>
           <p:cNvSpPr>
             <a:spLocks noGrp="1"/>
           </p:cNvSpPr>
@@ -2861,8 +2550,8 @@
         </p:nvSpPr>
         <p:spPr>
           <a:xfrm>
-            <a:off x="629841" y="2057400"/>
-            <a:ext cx="2949178" cy="3811588"/>
+            <a:off x="839788" y="2057400"/>
+            <a:ext cx="3932237" cy="3811588"/>
           </a:xfrm>
         </p:spPr>
         <p:txBody>
@@ -2908,7 +2597,7 @@
           <a:p>
             <a:pPr lvl="0"/>
             <a:r>
-              <a:rPr kumimoji="1" lang="ja-JP" altLang="en-US"/>
+              <a:rPr lang="ja-JP" altLang="en-US"/>
               <a:t>マスター テキストの書式設定</a:t>
             </a:r>
           </a:p>
@@ -2916,13 +2605,7 @@
       </p:sp>
       <p:sp>
         <p:nvSpPr>
-          <p:cNvPr id="5" name="日付プレースホルダー 4">
-            <a:extLst>
-              <a:ext uri="{FF2B5EF4-FFF2-40B4-BE49-F238E27FC236}">
-                <a16:creationId xmlns:a16="http://schemas.microsoft.com/office/drawing/2014/main" id="{521ECF7E-BD91-4A78-BA11-C7AA653C7969}"/>
-              </a:ext>
-            </a:extLst>
-          </p:cNvPr>
+          <p:cNvPr id="5" name="Date Placeholder 4"/>
           <p:cNvSpPr>
             <a:spLocks noGrp="1"/>
           </p:cNvSpPr>
@@ -2937,7 +2620,7 @@
           <a:p>
             <a:fld id="{BCC3470B-979D-4AC3-9CEF-E2615858CE2E}" type="datetimeFigureOut">
               <a:rPr kumimoji="1" lang="ja-JP" altLang="en-US" smtClean="0"/>
-              <a:t>2017/9/9</a:t>
+              <a:t>2023/8/25</a:t>
             </a:fld>
             <a:endParaRPr kumimoji="1" lang="ja-JP" altLang="en-US"/>
           </a:p>
@@ -2945,13 +2628,7 @@
       </p:sp>
       <p:sp>
         <p:nvSpPr>
-          <p:cNvPr id="6" name="フッター プレースホルダー 5">
-            <a:extLst>
-              <a:ext uri="{FF2B5EF4-FFF2-40B4-BE49-F238E27FC236}">
-                <a16:creationId xmlns:a16="http://schemas.microsoft.com/office/drawing/2014/main" id="{837EC663-4A4A-43E3-884F-DFCBF1673EEA}"/>
-              </a:ext>
-            </a:extLst>
-          </p:cNvPr>
+          <p:cNvPr id="6" name="Footer Placeholder 5"/>
           <p:cNvSpPr>
             <a:spLocks noGrp="1"/>
           </p:cNvSpPr>
@@ -2970,13 +2647,7 @@
       </p:sp>
       <p:sp>
         <p:nvSpPr>
-          <p:cNvPr id="7" name="スライド番号プレースホルダー 6">
-            <a:extLst>
-              <a:ext uri="{FF2B5EF4-FFF2-40B4-BE49-F238E27FC236}">
-                <a16:creationId xmlns:a16="http://schemas.microsoft.com/office/drawing/2014/main" id="{C39F6F37-892C-4014-A0C6-77EF3492C846}"/>
-              </a:ext>
-            </a:extLst>
-          </p:cNvPr>
+          <p:cNvPr id="7" name="Slide Number Placeholder 6"/>
           <p:cNvSpPr>
             <a:spLocks noGrp="1"/>
           </p:cNvSpPr>
@@ -3000,7 +2671,7 @@
     </p:spTree>
     <p:extLst>
       <p:ext uri="{BB962C8B-B14F-4D97-AF65-F5344CB8AC3E}">
-        <p14:creationId xmlns:p14="http://schemas.microsoft.com/office/powerpoint/2010/main" val="764307389"/>
+        <p14:creationId xmlns:p14="http://schemas.microsoft.com/office/powerpoint/2010/main" val="1449290838"/>
       </p:ext>
     </p:extLst>
   </p:cSld>
@@ -3034,13 +2705,7 @@
       </p:grpSpPr>
       <p:sp>
         <p:nvSpPr>
-          <p:cNvPr id="2" name="タイトル プレースホルダー 1">
-            <a:extLst>
-              <a:ext uri="{FF2B5EF4-FFF2-40B4-BE49-F238E27FC236}">
-                <a16:creationId xmlns:a16="http://schemas.microsoft.com/office/drawing/2014/main" id="{DB27D74D-F45C-4C91-B82A-E0A4952D99BC}"/>
-              </a:ext>
-            </a:extLst>
-          </p:cNvPr>
+          <p:cNvPr id="2" name="Title Placeholder 1"/>
           <p:cNvSpPr>
             <a:spLocks noGrp="1"/>
           </p:cNvSpPr>
@@ -3050,8 +2715,8 @@
         </p:nvSpPr>
         <p:spPr>
           <a:xfrm>
-            <a:off x="628650" y="365126"/>
-            <a:ext cx="7886700" cy="1325563"/>
+            <a:off x="838200" y="365125"/>
+            <a:ext cx="10515600" cy="1325563"/>
           </a:xfrm>
           <a:prstGeom prst="rect">
             <a:avLst/>
@@ -3064,21 +2729,16 @@
           <a:lstStyle/>
           <a:p>
             <a:r>
-              <a:rPr kumimoji="1" lang="ja-JP" altLang="en-US"/>
+              <a:rPr lang="ja-JP" altLang="en-US"/>
               <a:t>マスター タイトルの書式設定</a:t>
             </a:r>
-          </a:p>
-        </p:txBody>
-      </p:sp>
-      <p:sp>
-        <p:nvSpPr>
-          <p:cNvPr id="3" name="テキスト プレースホルダー 2">
-            <a:extLst>
-              <a:ext uri="{FF2B5EF4-FFF2-40B4-BE49-F238E27FC236}">
-                <a16:creationId xmlns:a16="http://schemas.microsoft.com/office/drawing/2014/main" id="{C0B8D245-CCE6-404F-82D7-72BA357D8D7E}"/>
-              </a:ext>
-            </a:extLst>
-          </p:cNvPr>
+            <a:endParaRPr lang="en-US" dirty="0"/>
+          </a:p>
+        </p:txBody>
+      </p:sp>
+      <p:sp>
+        <p:nvSpPr>
+          <p:cNvPr id="3" name="Text Placeholder 2"/>
           <p:cNvSpPr>
             <a:spLocks noGrp="1"/>
           </p:cNvSpPr>
@@ -3088,8 +2748,8 @@
         </p:nvSpPr>
         <p:spPr>
           <a:xfrm>
-            <a:off x="628650" y="1825625"/>
-            <a:ext cx="7886700" cy="4351338"/>
+            <a:off x="838200" y="1825625"/>
+            <a:ext cx="10515600" cy="4351338"/>
           </a:xfrm>
           <a:prstGeom prst="rect">
             <a:avLst/>
@@ -3103,81 +2763,76 @@
           <a:p>
             <a:pPr lvl="0"/>
             <a:r>
-              <a:rPr kumimoji="1" lang="ja-JP" altLang="en-US"/>
+              <a:rPr lang="ja-JP" altLang="en-US"/>
               <a:t>マスター テキストの書式設定</a:t>
             </a:r>
           </a:p>
           <a:p>
             <a:pPr lvl="1"/>
             <a:r>
-              <a:rPr kumimoji="1" lang="ja-JP" altLang="en-US"/>
+              <a:rPr lang="ja-JP" altLang="en-US"/>
               <a:t>第 </a:t>
             </a:r>
             <a:r>
-              <a:rPr kumimoji="1" lang="en-US" altLang="ja-JP"/>
+              <a:rPr lang="en-US" altLang="ja-JP"/>
               <a:t>2 </a:t>
             </a:r>
             <a:r>
-              <a:rPr kumimoji="1" lang="ja-JP" altLang="en-US"/>
+              <a:rPr lang="ja-JP" altLang="en-US"/>
               <a:t>レベル</a:t>
             </a:r>
           </a:p>
           <a:p>
             <a:pPr lvl="2"/>
             <a:r>
-              <a:rPr kumimoji="1" lang="ja-JP" altLang="en-US"/>
+              <a:rPr lang="ja-JP" altLang="en-US"/>
               <a:t>第 </a:t>
             </a:r>
             <a:r>
-              <a:rPr kumimoji="1" lang="en-US" altLang="ja-JP"/>
+              <a:rPr lang="en-US" altLang="ja-JP"/>
               <a:t>3 </a:t>
             </a:r>
             <a:r>
-              <a:rPr kumimoji="1" lang="ja-JP" altLang="en-US"/>
+              <a:rPr lang="ja-JP" altLang="en-US"/>
               <a:t>レベル</a:t>
             </a:r>
           </a:p>
           <a:p>
             <a:pPr lvl="3"/>
             <a:r>
-              <a:rPr kumimoji="1" lang="ja-JP" altLang="en-US"/>
+              <a:rPr lang="ja-JP" altLang="en-US"/>
               <a:t>第 </a:t>
             </a:r>
             <a:r>
-              <a:rPr kumimoji="1" lang="en-US" altLang="ja-JP"/>
+              <a:rPr lang="en-US" altLang="ja-JP"/>
               <a:t>4 </a:t>
             </a:r>
             <a:r>
-              <a:rPr kumimoji="1" lang="ja-JP" altLang="en-US"/>
+              <a:rPr lang="ja-JP" altLang="en-US"/>
               <a:t>レベル</a:t>
             </a:r>
           </a:p>
           <a:p>
             <a:pPr lvl="4"/>
             <a:r>
-              <a:rPr kumimoji="1" lang="ja-JP" altLang="en-US"/>
+              <a:rPr lang="ja-JP" altLang="en-US"/>
               <a:t>第 </a:t>
             </a:r>
             <a:r>
-              <a:rPr kumimoji="1" lang="en-US" altLang="ja-JP"/>
+              <a:rPr lang="en-US" altLang="ja-JP"/>
               <a:t>5 </a:t>
             </a:r>
             <a:r>
-              <a:rPr kumimoji="1" lang="ja-JP" altLang="en-US"/>
+              <a:rPr lang="ja-JP" altLang="en-US"/>
               <a:t>レベル</a:t>
             </a:r>
-          </a:p>
-        </p:txBody>
-      </p:sp>
-      <p:sp>
-        <p:nvSpPr>
-          <p:cNvPr id="4" name="日付プレースホルダー 3">
-            <a:extLst>
-              <a:ext uri="{FF2B5EF4-FFF2-40B4-BE49-F238E27FC236}">
-                <a16:creationId xmlns:a16="http://schemas.microsoft.com/office/drawing/2014/main" id="{70295F89-3A91-48EB-9192-772ADF1B5864}"/>
-              </a:ext>
-            </a:extLst>
-          </p:cNvPr>
+            <a:endParaRPr lang="en-US" dirty="0"/>
+          </a:p>
+        </p:txBody>
+      </p:sp>
+      <p:sp>
+        <p:nvSpPr>
+          <p:cNvPr id="4" name="Date Placeholder 3"/>
           <p:cNvSpPr>
             <a:spLocks noGrp="1"/>
           </p:cNvSpPr>
@@ -3187,8 +2842,8 @@
         </p:nvSpPr>
         <p:spPr>
           <a:xfrm>
-            <a:off x="628650" y="6356351"/>
-            <a:ext cx="2057400" cy="365125"/>
+            <a:off x="838200" y="6356350"/>
+            <a:ext cx="2743200" cy="365125"/>
           </a:xfrm>
           <a:prstGeom prst="rect">
             <a:avLst/>
@@ -3210,7 +2865,7 @@
           <a:p>
             <a:fld id="{BCC3470B-979D-4AC3-9CEF-E2615858CE2E}" type="datetimeFigureOut">
               <a:rPr kumimoji="1" lang="ja-JP" altLang="en-US" smtClean="0"/>
-              <a:t>2017/9/9</a:t>
+              <a:t>2023/8/25</a:t>
             </a:fld>
             <a:endParaRPr kumimoji="1" lang="ja-JP" altLang="en-US"/>
           </a:p>
@@ -3218,13 +2873,7 @@
       </p:sp>
       <p:sp>
         <p:nvSpPr>
-          <p:cNvPr id="5" name="フッター プレースホルダー 4">
-            <a:extLst>
-              <a:ext uri="{FF2B5EF4-FFF2-40B4-BE49-F238E27FC236}">
-                <a16:creationId xmlns:a16="http://schemas.microsoft.com/office/drawing/2014/main" id="{E47E0B0A-84E7-454B-8F60-7C126E1EDC76}"/>
-              </a:ext>
-            </a:extLst>
-          </p:cNvPr>
+          <p:cNvPr id="5" name="Footer Placeholder 4"/>
           <p:cNvSpPr>
             <a:spLocks noGrp="1"/>
           </p:cNvSpPr>
@@ -3234,8 +2883,8 @@
         </p:nvSpPr>
         <p:spPr>
           <a:xfrm>
-            <a:off x="3028950" y="6356351"/>
-            <a:ext cx="3086100" cy="365125"/>
+            <a:off x="4038600" y="6356350"/>
+            <a:ext cx="4114800" cy="365125"/>
           </a:xfrm>
           <a:prstGeom prst="rect">
             <a:avLst/>
@@ -3261,13 +2910,7 @@
       </p:sp>
       <p:sp>
         <p:nvSpPr>
-          <p:cNvPr id="6" name="スライド番号プレースホルダー 5">
-            <a:extLst>
-              <a:ext uri="{FF2B5EF4-FFF2-40B4-BE49-F238E27FC236}">
-                <a16:creationId xmlns:a16="http://schemas.microsoft.com/office/drawing/2014/main" id="{84A3534F-9767-433C-9943-7509C1C58129}"/>
-              </a:ext>
-            </a:extLst>
-          </p:cNvPr>
+          <p:cNvPr id="6" name="Slide Number Placeholder 5"/>
           <p:cNvSpPr>
             <a:spLocks noGrp="1"/>
           </p:cNvSpPr>
@@ -3277,8 +2920,8 @@
         </p:nvSpPr>
         <p:spPr>
           <a:xfrm>
-            <a:off x="6457950" y="6356351"/>
-            <a:ext cx="2057400" cy="365125"/>
+            <a:off x="8610600" y="6356350"/>
+            <a:ext cx="2743200" cy="365125"/>
           </a:xfrm>
           <a:prstGeom prst="rect">
             <a:avLst/>
@@ -3309,23 +2952,23 @@
     </p:spTree>
     <p:extLst>
       <p:ext uri="{BB962C8B-B14F-4D97-AF65-F5344CB8AC3E}">
-        <p14:creationId xmlns:p14="http://schemas.microsoft.com/office/powerpoint/2010/main" val="554696255"/>
+        <p14:creationId xmlns:p14="http://schemas.microsoft.com/office/powerpoint/2010/main" val="4262842157"/>
       </p:ext>
     </p:extLst>
   </p:cSld>
   <p:clrMap bg1="lt1" tx1="dk1" bg2="lt2" tx2="dk2" accent1="accent1" accent2="accent2" accent3="accent3" accent4="accent4" accent5="accent5" accent6="accent6" hlink="hlink" folHlink="folHlink"/>
   <p:sldLayoutIdLst>
-    <p:sldLayoutId id="2147483649" r:id="rId1"/>
-    <p:sldLayoutId id="2147483650" r:id="rId2"/>
-    <p:sldLayoutId id="2147483651" r:id="rId3"/>
-    <p:sldLayoutId id="2147483652" r:id="rId4"/>
-    <p:sldLayoutId id="2147483653" r:id="rId5"/>
-    <p:sldLayoutId id="2147483654" r:id="rId6"/>
-    <p:sldLayoutId id="2147483655" r:id="rId7"/>
-    <p:sldLayoutId id="2147483656" r:id="rId8"/>
-    <p:sldLayoutId id="2147483657" r:id="rId9"/>
-    <p:sldLayoutId id="2147483658" r:id="rId10"/>
-    <p:sldLayoutId id="2147483659" r:id="rId11"/>
+    <p:sldLayoutId id="2147483661" r:id="rId1"/>
+    <p:sldLayoutId id="2147483662" r:id="rId2"/>
+    <p:sldLayoutId id="2147483663" r:id="rId3"/>
+    <p:sldLayoutId id="2147483664" r:id="rId4"/>
+    <p:sldLayoutId id="2147483665" r:id="rId5"/>
+    <p:sldLayoutId id="2147483666" r:id="rId6"/>
+    <p:sldLayoutId id="2147483667" r:id="rId7"/>
+    <p:sldLayoutId id="2147483668" r:id="rId8"/>
+    <p:sldLayoutId id="2147483669" r:id="rId9"/>
+    <p:sldLayoutId id="2147483670" r:id="rId10"/>
+    <p:sldLayoutId id="2147483671" r:id="rId11"/>
   </p:sldLayoutIdLst>
   <p:txStyles>
     <p:titleStyle>
@@ -3337,7 +2980,7 @@
           <a:spcPct val="0"/>
         </a:spcBef>
         <a:buNone/>
-        <a:defRPr kumimoji="1" sz="4400" kern="1200">
+        <a:defRPr sz="4400" kern="1200">
           <a:solidFill>
             <a:schemeClr val="tx1"/>
           </a:solidFill>
@@ -3357,7 +3000,7 @@
         </a:spcBef>
         <a:buFont typeface="Arial" panose="020B0604020202020204" pitchFamily="34" charset="0"/>
         <a:buChar char="•"/>
-        <a:defRPr kumimoji="1" sz="2800" kern="1200">
+        <a:defRPr sz="2800" kern="1200">
           <a:solidFill>
             <a:schemeClr val="tx1"/>
           </a:solidFill>
@@ -3375,7 +3018,7 @@
         </a:spcBef>
         <a:buFont typeface="Arial" panose="020B0604020202020204" pitchFamily="34" charset="0"/>
         <a:buChar char="•"/>
-        <a:defRPr kumimoji="1" sz="2400" kern="1200">
+        <a:defRPr sz="2400" kern="1200">
           <a:solidFill>
             <a:schemeClr val="tx1"/>
           </a:solidFill>
@@ -3393,7 +3036,7 @@
         </a:spcBef>
         <a:buFont typeface="Arial" panose="020B0604020202020204" pitchFamily="34" charset="0"/>
         <a:buChar char="•"/>
-        <a:defRPr kumimoji="1" sz="2000" kern="1200">
+        <a:defRPr sz="2000" kern="1200">
           <a:solidFill>
             <a:schemeClr val="tx1"/>
           </a:solidFill>
@@ -3411,7 +3054,7 @@
         </a:spcBef>
         <a:buFont typeface="Arial" panose="020B0604020202020204" pitchFamily="34" charset="0"/>
         <a:buChar char="•"/>
-        <a:defRPr kumimoji="1" sz="1800" kern="1200">
+        <a:defRPr sz="1800" kern="1200">
           <a:solidFill>
             <a:schemeClr val="tx1"/>
           </a:solidFill>
@@ -3429,7 +3072,7 @@
         </a:spcBef>
         <a:buFont typeface="Arial" panose="020B0604020202020204" pitchFamily="34" charset="0"/>
         <a:buChar char="•"/>
-        <a:defRPr kumimoji="1" sz="1800" kern="1200">
+        <a:defRPr sz="1800" kern="1200">
           <a:solidFill>
             <a:schemeClr val="tx1"/>
           </a:solidFill>
@@ -3447,7 +3090,7 @@
         </a:spcBef>
         <a:buFont typeface="Arial" panose="020B0604020202020204" pitchFamily="34" charset="0"/>
         <a:buChar char="•"/>
-        <a:defRPr kumimoji="1" sz="1800" kern="1200">
+        <a:defRPr sz="1800" kern="1200">
           <a:solidFill>
             <a:schemeClr val="tx1"/>
           </a:solidFill>
@@ -3465,7 +3108,7 @@
         </a:spcBef>
         <a:buFont typeface="Arial" panose="020B0604020202020204" pitchFamily="34" charset="0"/>
         <a:buChar char="•"/>
-        <a:defRPr kumimoji="1" sz="1800" kern="1200">
+        <a:defRPr sz="1800" kern="1200">
           <a:solidFill>
             <a:schemeClr val="tx1"/>
           </a:solidFill>
@@ -3483,7 +3126,7 @@
         </a:spcBef>
         <a:buFont typeface="Arial" panose="020B0604020202020204" pitchFamily="34" charset="0"/>
         <a:buChar char="•"/>
-        <a:defRPr kumimoji="1" sz="1800" kern="1200">
+        <a:defRPr sz="1800" kern="1200">
           <a:solidFill>
             <a:schemeClr val="tx1"/>
           </a:solidFill>
@@ -3501,7 +3144,7 @@
         </a:spcBef>
         <a:buFont typeface="Arial" panose="020B0604020202020204" pitchFamily="34" charset="0"/>
         <a:buChar char="•"/>
-        <a:defRPr kumimoji="1" sz="1800" kern="1200">
+        <a:defRPr sz="1800" kern="1200">
           <a:solidFill>
             <a:schemeClr val="tx1"/>
           </a:solidFill>
@@ -3513,10 +3156,10 @@
     </p:bodyStyle>
     <p:otherStyle>
       <a:defPPr>
-        <a:defRPr lang="ja-JP"/>
+        <a:defRPr lang="en-US"/>
       </a:defPPr>
       <a:lvl1pPr marL="0" algn="l" defTabSz="914400" rtl="0" eaLnBrk="1" latinLnBrk="0" hangingPunct="1">
-        <a:defRPr kumimoji="1" sz="1800" kern="1200">
+        <a:defRPr sz="1800" kern="1200">
           <a:solidFill>
             <a:schemeClr val="tx1"/>
           </a:solidFill>
@@ -3526,7 +3169,7 @@
         </a:defRPr>
       </a:lvl1pPr>
       <a:lvl2pPr marL="457200" algn="l" defTabSz="914400" rtl="0" eaLnBrk="1" latinLnBrk="0" hangingPunct="1">
-        <a:defRPr kumimoji="1" sz="1800" kern="1200">
+        <a:defRPr sz="1800" kern="1200">
           <a:solidFill>
             <a:schemeClr val="tx1"/>
           </a:solidFill>
@@ -3536,7 +3179,7 @@
         </a:defRPr>
       </a:lvl2pPr>
       <a:lvl3pPr marL="914400" algn="l" defTabSz="914400" rtl="0" eaLnBrk="1" latinLnBrk="0" hangingPunct="1">
-        <a:defRPr kumimoji="1" sz="1800" kern="1200">
+        <a:defRPr sz="1800" kern="1200">
           <a:solidFill>
             <a:schemeClr val="tx1"/>
           </a:solidFill>
@@ -3546,7 +3189,7 @@
         </a:defRPr>
       </a:lvl3pPr>
       <a:lvl4pPr marL="1371600" algn="l" defTabSz="914400" rtl="0" eaLnBrk="1" latinLnBrk="0" hangingPunct="1">
-        <a:defRPr kumimoji="1" sz="1800" kern="1200">
+        <a:defRPr sz="1800" kern="1200">
           <a:solidFill>
             <a:schemeClr val="tx1"/>
           </a:solidFill>
@@ -3556,7 +3199,7 @@
         </a:defRPr>
       </a:lvl4pPr>
       <a:lvl5pPr marL="1828800" algn="l" defTabSz="914400" rtl="0" eaLnBrk="1" latinLnBrk="0" hangingPunct="1">
-        <a:defRPr kumimoji="1" sz="1800" kern="1200">
+        <a:defRPr sz="1800" kern="1200">
           <a:solidFill>
             <a:schemeClr val="tx1"/>
           </a:solidFill>
@@ -3566,7 +3209,7 @@
         </a:defRPr>
       </a:lvl5pPr>
       <a:lvl6pPr marL="2286000" algn="l" defTabSz="914400" rtl="0" eaLnBrk="1" latinLnBrk="0" hangingPunct="1">
-        <a:defRPr kumimoji="1" sz="1800" kern="1200">
+        <a:defRPr sz="1800" kern="1200">
           <a:solidFill>
             <a:schemeClr val="tx1"/>
           </a:solidFill>
@@ -3576,7 +3219,7 @@
         </a:defRPr>
       </a:lvl6pPr>
       <a:lvl7pPr marL="2743200" algn="l" defTabSz="914400" rtl="0" eaLnBrk="1" latinLnBrk="0" hangingPunct="1">
-        <a:defRPr kumimoji="1" sz="1800" kern="1200">
+        <a:defRPr sz="1800" kern="1200">
           <a:solidFill>
             <a:schemeClr val="tx1"/>
           </a:solidFill>
@@ -3586,7 +3229,7 @@
         </a:defRPr>
       </a:lvl7pPr>
       <a:lvl8pPr marL="3200400" algn="l" defTabSz="914400" rtl="0" eaLnBrk="1" latinLnBrk="0" hangingPunct="1">
-        <a:defRPr kumimoji="1" sz="1800" kern="1200">
+        <a:defRPr sz="1800" kern="1200">
           <a:solidFill>
             <a:schemeClr val="tx1"/>
           </a:solidFill>
@@ -3596,7 +3239,7 @@
         </a:defRPr>
       </a:lvl8pPr>
       <a:lvl9pPr marL="3657600" algn="l" defTabSz="914400" rtl="0" eaLnBrk="1" latinLnBrk="0" hangingPunct="1">
-        <a:defRPr kumimoji="1" sz="1800" kern="1200">
+        <a:defRPr sz="1800" kern="1200">
           <a:solidFill>
             <a:schemeClr val="tx1"/>
           </a:solidFill>
@@ -3632,7 +3275,7 @@
           <p:cNvPr id="2" name="タイトル 1">
             <a:extLst>
               <a:ext uri="{FF2B5EF4-FFF2-40B4-BE49-F238E27FC236}">
-                <a16:creationId xmlns:a16="http://schemas.microsoft.com/office/drawing/2014/main" id="{6884715C-9165-483A-9401-1D235DC31BB2}"/>
+                <a16:creationId xmlns:a16="http://schemas.microsoft.com/office/drawing/2014/main" id="{F9A1451B-504E-4EAC-B7E4-07A4B7A2A9F5}"/>
               </a:ext>
             </a:extLst>
           </p:cNvPr>
@@ -3643,7 +3286,12 @@
             <p:ph type="title"/>
           </p:nvPr>
         </p:nvSpPr>
-        <p:spPr/>
+        <p:spPr>
+          <a:xfrm>
+            <a:off x="384657" y="347011"/>
+            <a:ext cx="10515600" cy="829494"/>
+          </a:xfrm>
+        </p:spPr>
         <p:txBody>
           <a:bodyPr>
             <a:normAutofit/>
@@ -3651,7 +3299,7 @@
           <a:lstStyle/>
           <a:p>
             <a:r>
-              <a:rPr lang="en-US" altLang="ja-JP">
+              <a:rPr lang="en-US" altLang="ja-JP" sz="4000" dirty="0">
                 <a:solidFill>
                   <a:schemeClr val="accent1"/>
                 </a:solidFill>
@@ -3661,7 +3309,7 @@
               <a:t>4.</a:t>
             </a:r>
             <a:r>
-              <a:rPr lang="ja-JP" altLang="en-US">
+              <a:rPr lang="ja-JP" altLang="en-US" sz="4000" dirty="0">
                 <a:solidFill>
                   <a:schemeClr val="accent1"/>
                 </a:solidFill>
@@ -3670,25 +3318,152 @@
               </a:rPr>
               <a:t> 有限状態オートマトン</a:t>
             </a:r>
-            <a:endParaRPr kumimoji="1" lang="ja-JP" altLang="en-US">
-              <a:solidFill>
-                <a:schemeClr val="accent1"/>
-              </a:solidFill>
-              <a:latin typeface="メイリオ" panose="020B0604030504040204" pitchFamily="50" charset="-128"/>
-              <a:ea typeface="メイリオ" panose="020B0604030504040204" pitchFamily="50" charset="-128"/>
-            </a:endParaRPr>
-          </a:p>
-        </p:txBody>
-      </p:sp>
-      <p:sp>
-        <p:nvSpPr>
-          <p:cNvPr id="3" name="コンテンツ プレースホルダー 2">
+          </a:p>
+        </p:txBody>
+      </p:sp>
+      <p:sp>
+        <p:nvSpPr>
+          <p:cNvPr id="5" name="テキスト ボックス 4">
             <a:extLst>
               <a:ext uri="{FF2B5EF4-FFF2-40B4-BE49-F238E27FC236}">
-                <a16:creationId xmlns:a16="http://schemas.microsoft.com/office/drawing/2014/main" id="{91CFC393-CB3A-4852-85F8-B850944514E8}"/>
+                <a16:creationId xmlns:a16="http://schemas.microsoft.com/office/drawing/2014/main" id="{E979BD5E-4176-A88C-DBED-0029D8B05292}"/>
               </a:ext>
             </a:extLst>
           </p:cNvPr>
+          <p:cNvSpPr txBox="1"/>
+          <p:nvPr/>
+        </p:nvSpPr>
+        <p:spPr>
+          <a:xfrm>
+            <a:off x="7453506" y="5211575"/>
+            <a:ext cx="4559053" cy="1077218"/>
+          </a:xfrm>
+          <a:prstGeom prst="rect">
+            <a:avLst/>
+          </a:prstGeom>
+          <a:noFill/>
+        </p:spPr>
+        <p:txBody>
+          <a:bodyPr wrap="square" rtlCol="0">
+            <a:spAutoFit/>
+          </a:bodyPr>
+          <a:lstStyle/>
+          <a:p>
+            <a:pPr marL="285750" indent="-285750">
+              <a:spcBef>
+                <a:spcPts val="600"/>
+              </a:spcBef>
+              <a:buFont typeface="Arial" panose="020B0604020202020204" pitchFamily="34" charset="0"/>
+              <a:buChar char="•"/>
+            </a:pPr>
+            <a:r>
+              <a:rPr lang="ja-JP" altLang="en-US" dirty="0"/>
+              <a:t>荒木雅弘</a:t>
+            </a:r>
+            <a:r>
+              <a:rPr lang="en-US" altLang="ja-JP" dirty="0"/>
+              <a:t> :『</a:t>
+            </a:r>
+            <a:r>
+              <a:rPr lang="ja-JP" altLang="en-US" dirty="0"/>
+              <a:t>イラストで学ぶ音声認識</a:t>
+            </a:r>
+            <a:r>
+              <a:rPr lang="en-US" altLang="ja-JP" dirty="0"/>
+              <a:t>』</a:t>
+            </a:r>
+          </a:p>
+          <a:p>
+            <a:pPr>
+              <a:spcBef>
+                <a:spcPts val="600"/>
+              </a:spcBef>
+            </a:pPr>
+            <a:r>
+              <a:rPr lang="ja-JP" altLang="en-US" dirty="0"/>
+              <a:t>　（講談社</a:t>
+            </a:r>
+            <a:r>
+              <a:rPr lang="en-US" altLang="ja-JP" dirty="0"/>
+              <a:t>,</a:t>
+            </a:r>
+            <a:r>
+              <a:rPr lang="ja-JP" altLang="en-US" dirty="0"/>
+              <a:t> </a:t>
+            </a:r>
+            <a:r>
+              <a:rPr lang="en-US" altLang="ja-JP" dirty="0"/>
+              <a:t>2015</a:t>
+            </a:r>
+            <a:r>
+              <a:rPr lang="ja-JP" altLang="en-US" dirty="0"/>
+              <a:t>年）</a:t>
+            </a:r>
+            <a:endParaRPr lang="en-US" altLang="ja-JP" dirty="0"/>
+          </a:p>
+          <a:p>
+            <a:pPr marL="285750" indent="-285750">
+              <a:spcBef>
+                <a:spcPts val="600"/>
+              </a:spcBef>
+              <a:buFont typeface="Arial" panose="020B0604020202020204" pitchFamily="34" charset="0"/>
+              <a:buChar char="•"/>
+            </a:pPr>
+            <a:r>
+              <a:rPr lang="ja-JP" altLang="en-US" dirty="0">
+                <a:hlinkClick r:id="rId2"/>
+              </a:rPr>
+              <a:t>サポートページ</a:t>
+            </a:r>
+            <a:endParaRPr lang="en-US" dirty="0"/>
+          </a:p>
+        </p:txBody>
+      </p:sp>
+      <p:pic>
+        <p:nvPicPr>
+          <p:cNvPr id="3" name="図 2">
+            <a:extLst>
+              <a:ext uri="{FF2B5EF4-FFF2-40B4-BE49-F238E27FC236}">
+                <a16:creationId xmlns:a16="http://schemas.microsoft.com/office/drawing/2014/main" id="{F7698FEA-6294-08A1-296D-5D1B60E2FCC4}"/>
+              </a:ext>
+            </a:extLst>
+          </p:cNvPr>
+          <p:cNvPicPr>
+            <a:picLocks noChangeAspect="1"/>
+          </p:cNvPicPr>
+          <p:nvPr/>
+        </p:nvPicPr>
+        <p:blipFill>
+          <a:blip r:embed="rId3">
+            <a:extLst>
+              <a:ext uri="{28A0092B-C50C-407E-A947-70E740481C1C}">
+                <a14:useLocalDpi xmlns:a14="http://schemas.microsoft.com/office/drawing/2010/main" val="0"/>
+              </a:ext>
+            </a:extLst>
+          </a:blip>
+          <a:stretch>
+            <a:fillRect/>
+          </a:stretch>
+        </p:blipFill>
+        <p:spPr>
+          <a:xfrm>
+            <a:off x="8366615" y="1053081"/>
+            <a:ext cx="2725188" cy="3867171"/>
+          </a:xfrm>
+          <a:prstGeom prst="rect">
+            <a:avLst/>
+          </a:prstGeom>
+        </p:spPr>
+      </p:pic>
+      <p:sp>
+        <p:nvSpPr>
+          <p:cNvPr id="7" name="コンテンツ プレースホルダー 2">
+            <a:extLst>
+              <a:ext uri="{FF2B5EF4-FFF2-40B4-BE49-F238E27FC236}">
+                <a16:creationId xmlns:a16="http://schemas.microsoft.com/office/drawing/2014/main" id="{1BBBF547-AFA4-E491-EC8F-36D566715F6A}"/>
+              </a:ext>
+            </a:extLst>
+          </p:cNvPr>
           <p:cNvSpPr>
             <a:spLocks noGrp="1"/>
           </p:cNvSpPr>
@@ -3696,14 +3471,19 @@
             <p:ph idx="1"/>
           </p:nvPr>
         </p:nvSpPr>
-        <p:spPr/>
+        <p:spPr>
+          <a:xfrm>
+            <a:off x="626971" y="4104606"/>
+            <a:ext cx="6692113" cy="2281564"/>
+          </a:xfrm>
+        </p:spPr>
         <p:txBody>
           <a:bodyPr>
             <a:normAutofit/>
           </a:bodyPr>
           <a:lstStyle/>
           <a:p>
-            <a:pPr marL="0" lvl="0" indent="0">
+            <a:pPr marL="0" indent="0">
               <a:lnSpc>
                 <a:spcPct val="100000"/>
               </a:lnSpc>
@@ -3716,26 +3496,26 @@
               <a:buNone/>
             </a:pPr>
             <a:r>
-              <a:rPr lang="en-US" altLang="ja-JP">
+              <a:rPr lang="en-US" altLang="ja-JP" sz="2400" dirty="0">
                 <a:latin typeface="メイリオ" panose="020B0604030504040204" pitchFamily="50" charset="-128"/>
                 <a:ea typeface="メイリオ" panose="020B0604030504040204" pitchFamily="50" charset="-128"/>
               </a:rPr>
               <a:t>4.1 </a:t>
             </a:r>
             <a:r>
-              <a:rPr lang="ja-JP" altLang="en-US">
+              <a:rPr lang="ja-JP" altLang="en-US" sz="2400" dirty="0">
                 <a:latin typeface="メイリオ" panose="020B0604030504040204" pitchFamily="50" charset="-128"/>
                 <a:ea typeface="メイリオ" panose="020B0604030504040204" pitchFamily="50" charset="-128"/>
               </a:rPr>
               <a:t>有限状態オートマトンとは</a:t>
             </a:r>
-            <a:endParaRPr lang="en-US" altLang="ja-JP">
+            <a:endParaRPr lang="en-US" altLang="ja-JP" sz="2400" dirty="0">
               <a:latin typeface="メイリオ" panose="020B0604030504040204" pitchFamily="50" charset="-128"/>
               <a:ea typeface="メイリオ" panose="020B0604030504040204" pitchFamily="50" charset="-128"/>
             </a:endParaRPr>
           </a:p>
           <a:p>
-            <a:pPr marL="0" lvl="0" indent="0">
+            <a:pPr marL="0" indent="0">
               <a:lnSpc>
                 <a:spcPct val="100000"/>
               </a:lnSpc>
@@ -3748,26 +3528,26 @@
               <a:buNone/>
             </a:pPr>
             <a:r>
-              <a:rPr lang="en-US" altLang="ja-JP">
+              <a:rPr lang="en-US" altLang="ja-JP" sz="2400" dirty="0">
                 <a:latin typeface="メイリオ" panose="020B0604030504040204" pitchFamily="50" charset="-128"/>
                 <a:ea typeface="メイリオ" panose="020B0604030504040204" pitchFamily="50" charset="-128"/>
               </a:rPr>
               <a:t>4.2 </a:t>
             </a:r>
             <a:r>
-              <a:rPr lang="ja-JP" altLang="en-US">
+              <a:rPr lang="ja-JP" altLang="en-US" sz="2400" dirty="0">
                 <a:latin typeface="メイリオ" panose="020B0604030504040204" pitchFamily="50" charset="-128"/>
                 <a:ea typeface="メイリオ" panose="020B0604030504040204" pitchFamily="50" charset="-128"/>
               </a:rPr>
               <a:t>有限状態オートマトンが表現する言語</a:t>
             </a:r>
-            <a:endParaRPr lang="en-US" altLang="ja-JP">
+            <a:endParaRPr lang="en-US" altLang="ja-JP" sz="2400" dirty="0">
               <a:latin typeface="メイリオ" panose="020B0604030504040204" pitchFamily="50" charset="-128"/>
               <a:ea typeface="メイリオ" panose="020B0604030504040204" pitchFamily="50" charset="-128"/>
             </a:endParaRPr>
           </a:p>
           <a:p>
-            <a:pPr marL="0" lvl="0" indent="0">
+            <a:pPr marL="0" indent="0">
               <a:lnSpc>
                 <a:spcPct val="100000"/>
               </a:lnSpc>
@@ -3780,26 +3560,26 @@
               <a:buNone/>
             </a:pPr>
             <a:r>
-              <a:rPr lang="en-US" altLang="ja-JP">
+              <a:rPr lang="en-US" altLang="ja-JP" sz="2400" dirty="0">
                 <a:latin typeface="メイリオ" panose="020B0604030504040204" pitchFamily="50" charset="-128"/>
                 <a:ea typeface="メイリオ" panose="020B0604030504040204" pitchFamily="50" charset="-128"/>
               </a:rPr>
               <a:t>4.3 </a:t>
             </a:r>
             <a:r>
-              <a:rPr lang="ja-JP" altLang="en-US">
+              <a:rPr lang="ja-JP" altLang="en-US" sz="2400" dirty="0">
                 <a:latin typeface="メイリオ" panose="020B0604030504040204" pitchFamily="50" charset="-128"/>
                 <a:ea typeface="メイリオ" panose="020B0604030504040204" pitchFamily="50" charset="-128"/>
               </a:rPr>
               <a:t>さまざまな有限状態オートマトン</a:t>
             </a:r>
-            <a:endParaRPr lang="en-US" altLang="ja-JP">
+            <a:endParaRPr lang="en-US" altLang="ja-JP" sz="2400" dirty="0">
               <a:latin typeface="メイリオ" panose="020B0604030504040204" pitchFamily="50" charset="-128"/>
               <a:ea typeface="メイリオ" panose="020B0604030504040204" pitchFamily="50" charset="-128"/>
             </a:endParaRPr>
           </a:p>
           <a:p>
-            <a:pPr marL="0" lvl="0" indent="0">
+            <a:pPr marL="0" indent="0">
               <a:lnSpc>
                 <a:spcPct val="100000"/>
               </a:lnSpc>
@@ -3812,30 +3592,84 @@
               <a:buNone/>
             </a:pPr>
             <a:r>
-              <a:rPr lang="en-US" altLang="ja-JP">
+              <a:rPr lang="en-US" altLang="ja-JP" sz="2400" dirty="0">
                 <a:latin typeface="メイリオ" panose="020B0604030504040204" pitchFamily="50" charset="-128"/>
                 <a:ea typeface="メイリオ" panose="020B0604030504040204" pitchFamily="50" charset="-128"/>
               </a:rPr>
               <a:t>4.4 </a:t>
             </a:r>
             <a:r>
-              <a:rPr lang="ja-JP" altLang="en-US">
+              <a:rPr lang="ja-JP" altLang="en-US" sz="2400" dirty="0">
                 <a:latin typeface="メイリオ" panose="020B0604030504040204" pitchFamily="50" charset="-128"/>
                 <a:ea typeface="メイリオ" panose="020B0604030504040204" pitchFamily="50" charset="-128"/>
               </a:rPr>
               <a:t>有限状態オートマトンの性質</a:t>
             </a:r>
-            <a:endParaRPr lang="en-US" altLang="ja-JP">
+            <a:endParaRPr lang="en-US" altLang="ja-JP" sz="2400" dirty="0">
               <a:latin typeface="メイリオ" panose="020B0604030504040204" pitchFamily="50" charset="-128"/>
               <a:ea typeface="メイリオ" panose="020B0604030504040204" pitchFamily="50" charset="-128"/>
             </a:endParaRPr>
           </a:p>
-        </p:txBody>
-      </p:sp>
+          <a:p>
+            <a:pPr marL="0" indent="0">
+              <a:lnSpc>
+                <a:spcPct val="100000"/>
+              </a:lnSpc>
+              <a:spcBef>
+                <a:spcPts val="600"/>
+              </a:spcBef>
+              <a:spcAft>
+                <a:spcPts val="600"/>
+              </a:spcAft>
+              <a:buNone/>
+            </a:pPr>
+            <a:endParaRPr lang="en-US" altLang="ja-JP" sz="2400" dirty="0">
+              <a:latin typeface="メイリオ" panose="020B0604030504040204" pitchFamily="50" charset="-128"/>
+              <a:ea typeface="メイリオ" panose="020B0604030504040204" pitchFamily="50" charset="-128"/>
+            </a:endParaRPr>
+          </a:p>
+        </p:txBody>
+      </p:sp>
+      <p:pic>
+        <p:nvPicPr>
+          <p:cNvPr id="4" name="図 3">
+            <a:extLst>
+              <a:ext uri="{FF2B5EF4-FFF2-40B4-BE49-F238E27FC236}">
+                <a16:creationId xmlns:a16="http://schemas.microsoft.com/office/drawing/2014/main" id="{E43FA9AF-02B5-53B2-4EDA-A77A18B9E719}"/>
+              </a:ext>
+            </a:extLst>
+          </p:cNvPr>
+          <p:cNvPicPr>
+            <a:picLocks noChangeAspect="1"/>
+          </p:cNvPicPr>
+          <p:nvPr/>
+        </p:nvPicPr>
+        <p:blipFill>
+          <a:blip r:embed="rId4">
+            <a:extLst>
+              <a:ext uri="{28A0092B-C50C-407E-A947-70E740481C1C}">
+                <a14:useLocalDpi xmlns:a14="http://schemas.microsoft.com/office/drawing/2010/main" val="0"/>
+              </a:ext>
+            </a:extLst>
+          </a:blip>
+          <a:stretch>
+            <a:fillRect/>
+          </a:stretch>
+        </p:blipFill>
+        <p:spPr>
+          <a:xfrm>
+            <a:off x="1894637" y="966718"/>
+            <a:ext cx="4773208" cy="2945170"/>
+          </a:xfrm>
+          <a:prstGeom prst="rect">
+            <a:avLst/>
+          </a:prstGeom>
+        </p:spPr>
+      </p:pic>
     </p:spTree>
     <p:extLst>
       <p:ext uri="{BB962C8B-B14F-4D97-AF65-F5344CB8AC3E}">
-        <p14:creationId xmlns:p14="http://schemas.microsoft.com/office/powerpoint/2010/main" val="2941153007"/>
+        <p14:creationId xmlns:p14="http://schemas.microsoft.com/office/powerpoint/2010/main" val="144594472"/>
       </p:ext>
     </p:extLst>
   </p:cSld>
@@ -3878,7 +3712,12 @@
             <p:ph type="title"/>
           </p:nvPr>
         </p:nvSpPr>
-        <p:spPr/>
+        <p:spPr>
+          <a:xfrm>
+            <a:off x="838200" y="365126"/>
+            <a:ext cx="10515600" cy="812622"/>
+          </a:xfrm>
+        </p:spPr>
         <p:txBody>
           <a:bodyPr>
             <a:normAutofit/>
@@ -3886,7 +3725,7 @@
           <a:lstStyle/>
           <a:p>
             <a:r>
-              <a:rPr lang="en-US" altLang="ja-JP" sz="4000">
+              <a:rPr lang="en-US" altLang="ja-JP" sz="4000" dirty="0">
                 <a:solidFill>
                   <a:schemeClr val="accent1"/>
                 </a:solidFill>
@@ -3896,7 +3735,7 @@
               <a:t>4.4 </a:t>
             </a:r>
             <a:r>
-              <a:rPr lang="ja-JP" altLang="en-US" sz="4000">
+              <a:rPr lang="ja-JP" altLang="en-US" sz="4000" dirty="0">
                 <a:solidFill>
                   <a:schemeClr val="accent1"/>
                 </a:solidFill>
@@ -3905,13 +3744,6 @@
               </a:rPr>
               <a:t>有限状態オートマトンの性質</a:t>
             </a:r>
-            <a:endParaRPr kumimoji="1" lang="ja-JP" altLang="en-US" sz="4000">
-              <a:solidFill>
-                <a:schemeClr val="accent1"/>
-              </a:solidFill>
-              <a:latin typeface="メイリオ" panose="020B0604030504040204" pitchFamily="50" charset="-128"/>
-              <a:ea typeface="メイリオ" panose="020B0604030504040204" pitchFamily="50" charset="-128"/>
-            </a:endParaRPr>
           </a:p>
         </p:txBody>
       </p:sp>
@@ -3933,8 +3765,8 @@
         </p:nvSpPr>
         <p:spPr>
           <a:xfrm>
-            <a:off x="628650" y="1600773"/>
-            <a:ext cx="7886700" cy="4351338"/>
+            <a:off x="838200" y="1600773"/>
+            <a:ext cx="10515600" cy="4351338"/>
           </a:xfrm>
         </p:spPr>
         <p:txBody>
@@ -3945,15 +3777,21 @@
               <a:lnSpc>
                 <a:spcPct val="100000"/>
               </a:lnSpc>
+              <a:spcBef>
+                <a:spcPts val="600"/>
+              </a:spcBef>
+              <a:spcAft>
+                <a:spcPts val="600"/>
+              </a:spcAft>
             </a:pPr>
             <a:r>
-              <a:rPr kumimoji="1" lang="ja-JP" altLang="en-US">
+              <a:rPr kumimoji="1" lang="ja-JP" altLang="en-US" dirty="0">
                 <a:latin typeface="メイリオ" panose="020B0604030504040204" pitchFamily="50" charset="-128"/>
                 <a:ea typeface="メイリオ" panose="020B0604030504040204" pitchFamily="50" charset="-128"/>
               </a:rPr>
               <a:t>オートマトンの型</a:t>
             </a:r>
-            <a:endParaRPr kumimoji="1" lang="en-US" altLang="ja-JP">
+            <a:endParaRPr kumimoji="1" lang="en-US" altLang="ja-JP" dirty="0">
               <a:latin typeface="メイリオ" panose="020B0604030504040204" pitchFamily="50" charset="-128"/>
               <a:ea typeface="メイリオ" panose="020B0604030504040204" pitchFamily="50" charset="-128"/>
             </a:endParaRPr>
@@ -3963,15 +3801,21 @@
               <a:lnSpc>
                 <a:spcPct val="100000"/>
               </a:lnSpc>
+              <a:spcBef>
+                <a:spcPts val="600"/>
+              </a:spcBef>
+              <a:spcAft>
+                <a:spcPts val="600"/>
+              </a:spcAft>
             </a:pPr>
             <a:r>
-              <a:rPr kumimoji="1" lang="ja-JP" altLang="en-US">
+              <a:rPr kumimoji="1" lang="ja-JP" altLang="en-US" dirty="0">
                 <a:latin typeface="メイリオ" panose="020B0604030504040204" pitchFamily="50" charset="-128"/>
                 <a:ea typeface="メイリオ" panose="020B0604030504040204" pitchFamily="50" charset="-128"/>
               </a:rPr>
               <a:t>ミーリ型：出力が現在の状態と入力で決まる</a:t>
             </a:r>
-            <a:endParaRPr kumimoji="1" lang="en-US" altLang="ja-JP">
+            <a:endParaRPr kumimoji="1" lang="en-US" altLang="ja-JP" dirty="0">
               <a:latin typeface="メイリオ" panose="020B0604030504040204" pitchFamily="50" charset="-128"/>
               <a:ea typeface="メイリオ" panose="020B0604030504040204" pitchFamily="50" charset="-128"/>
             </a:endParaRPr>
@@ -3981,15 +3825,21 @@
               <a:lnSpc>
                 <a:spcPct val="100000"/>
               </a:lnSpc>
+              <a:spcBef>
+                <a:spcPts val="600"/>
+              </a:spcBef>
+              <a:spcAft>
+                <a:spcPts val="600"/>
+              </a:spcAft>
             </a:pPr>
             <a:r>
-              <a:rPr kumimoji="1" lang="ja-JP" altLang="en-US">
+              <a:rPr kumimoji="1" lang="ja-JP" altLang="en-US" dirty="0">
                 <a:latin typeface="メイリオ" panose="020B0604030504040204" pitchFamily="50" charset="-128"/>
                 <a:ea typeface="メイリオ" panose="020B0604030504040204" pitchFamily="50" charset="-128"/>
               </a:rPr>
               <a:t>ムーア型：出力が現在の状態だけで決まる</a:t>
             </a:r>
-            <a:endParaRPr kumimoji="1" lang="en-US" altLang="ja-JP">
+            <a:endParaRPr kumimoji="1" lang="en-US" altLang="ja-JP" dirty="0">
               <a:latin typeface="メイリオ" panose="020B0604030504040204" pitchFamily="50" charset="-128"/>
               <a:ea typeface="メイリオ" panose="020B0604030504040204" pitchFamily="50" charset="-128"/>
             </a:endParaRPr>
@@ -3999,15 +3849,21 @@
               <a:lnSpc>
                 <a:spcPct val="100000"/>
               </a:lnSpc>
+              <a:spcBef>
+                <a:spcPts val="600"/>
+              </a:spcBef>
+              <a:spcAft>
+                <a:spcPts val="600"/>
+              </a:spcAft>
             </a:pPr>
             <a:r>
-              <a:rPr kumimoji="1" lang="ja-JP" altLang="en-US">
+              <a:rPr kumimoji="1" lang="ja-JP" altLang="en-US" dirty="0">
                 <a:latin typeface="メイリオ" panose="020B0604030504040204" pitchFamily="50" charset="-128"/>
                 <a:ea typeface="メイリオ" panose="020B0604030504040204" pitchFamily="50" charset="-128"/>
               </a:rPr>
               <a:t>オートマトンの有用な性質</a:t>
             </a:r>
-            <a:endParaRPr kumimoji="1" lang="en-US" altLang="ja-JP">
+            <a:endParaRPr kumimoji="1" lang="en-US" altLang="ja-JP" dirty="0">
               <a:latin typeface="メイリオ" panose="020B0604030504040204" pitchFamily="50" charset="-128"/>
               <a:ea typeface="メイリオ" panose="020B0604030504040204" pitchFamily="50" charset="-128"/>
             </a:endParaRPr>
@@ -4017,9 +3873,15 @@
               <a:lnSpc>
                 <a:spcPct val="100000"/>
               </a:lnSpc>
+              <a:spcBef>
+                <a:spcPts val="600"/>
+              </a:spcBef>
+              <a:spcAft>
+                <a:spcPts val="600"/>
+              </a:spcAft>
             </a:pPr>
             <a:r>
-              <a:rPr lang="ja-JP" altLang="en-US">
+              <a:rPr lang="ja-JP" altLang="en-US" dirty="0">
                 <a:latin typeface="メイリオ" panose="020B0604030504040204" pitchFamily="50" charset="-128"/>
                 <a:ea typeface="メイリオ" panose="020B0604030504040204" pitchFamily="50" charset="-128"/>
               </a:rPr>
@@ -4031,15 +3893,21 @@
               <a:lnSpc>
                 <a:spcPct val="100000"/>
               </a:lnSpc>
+              <a:spcBef>
+                <a:spcPts val="600"/>
+              </a:spcBef>
+              <a:spcAft>
+                <a:spcPts val="600"/>
+              </a:spcAft>
             </a:pPr>
             <a:r>
-              <a:rPr lang="ja-JP" altLang="en-US">
+              <a:rPr lang="ja-JP" altLang="en-US" dirty="0">
                 <a:latin typeface="メイリオ" panose="020B0604030504040204" pitchFamily="50" charset="-128"/>
                 <a:ea typeface="メイリオ" panose="020B0604030504040204" pitchFamily="50" charset="-128"/>
               </a:rPr>
               <a:t>決定性オートマトンは、その機能を変えることなく、状態数最小のオートマトンに変換可能（最小化）</a:t>
             </a:r>
-            <a:endParaRPr kumimoji="1" lang="ja-JP" altLang="en-US">
+            <a:endParaRPr kumimoji="1" lang="ja-JP" altLang="en-US" dirty="0">
               <a:latin typeface="メイリオ" panose="020B0604030504040204" pitchFamily="50" charset="-128"/>
               <a:ea typeface="メイリオ" panose="020B0604030504040204" pitchFamily="50" charset="-128"/>
             </a:endParaRPr>
@@ -4060,13 +3928,13 @@
         </p:nvSpPr>
         <p:spPr>
           <a:xfrm>
-            <a:off x="6250898" y="1413398"/>
-            <a:ext cx="2121108" cy="434714"/>
+            <a:off x="7950464" y="2466787"/>
+            <a:ext cx="1698285" cy="434714"/>
           </a:xfrm>
           <a:prstGeom prst="wedgeRectCallout">
             <a:avLst>
-              <a:gd name="adj1" fmla="val 11637"/>
-              <a:gd name="adj2" fmla="val 215292"/>
+              <a:gd name="adj1" fmla="val -46992"/>
+              <a:gd name="adj2" fmla="val 9995"/>
             </a:avLst>
           </a:prstGeom>
           <a:solidFill>
@@ -4098,14 +3966,14 @@
           <a:p>
             <a:pPr algn="ctr"/>
             <a:r>
-              <a:rPr kumimoji="1" lang="ja-JP" altLang="en-US" sz="1600">
+              <a:rPr lang="ja-JP" altLang="en-US" sz="1600" dirty="0">
                 <a:solidFill>
                   <a:schemeClr val="tx1"/>
                 </a:solidFill>
               </a:rPr>
               <a:t>相互に変換可能</a:t>
             </a:r>
-            <a:endParaRPr kumimoji="1" lang="en-US" altLang="ja-JP" sz="1600">
+            <a:endParaRPr lang="en-US" altLang="ja-JP" sz="1600" dirty="0">
               <a:solidFill>
                 <a:schemeClr val="tx1"/>
               </a:solidFill>
@@ -4159,7 +4027,12 @@
             <p:ph type="title"/>
           </p:nvPr>
         </p:nvSpPr>
-        <p:spPr/>
+        <p:spPr>
+          <a:xfrm>
+            <a:off x="838200" y="365126"/>
+            <a:ext cx="10515600" cy="995502"/>
+          </a:xfrm>
+        </p:spPr>
         <p:txBody>
           <a:bodyPr>
             <a:normAutofit/>
@@ -4167,7 +4040,7 @@
           <a:lstStyle/>
           <a:p>
             <a:r>
-              <a:rPr lang="en-US" altLang="ja-JP" sz="4000">
+              <a:rPr lang="en-US" altLang="ja-JP" sz="4000" dirty="0">
                 <a:solidFill>
                   <a:schemeClr val="accent1"/>
                 </a:solidFill>
@@ -4177,7 +4050,7 @@
               <a:t>4.1 </a:t>
             </a:r>
             <a:r>
-              <a:rPr lang="ja-JP" altLang="en-US" sz="4000">
+              <a:rPr lang="ja-JP" altLang="en-US" sz="4000" dirty="0">
                 <a:solidFill>
                   <a:schemeClr val="accent1"/>
                 </a:solidFill>
@@ -4186,13 +4059,6 @@
               </a:rPr>
               <a:t>有限状態オートマトンとは</a:t>
             </a:r>
-            <a:endParaRPr kumimoji="1" lang="ja-JP" altLang="en-US" sz="4000">
-              <a:solidFill>
-                <a:schemeClr val="accent1"/>
-              </a:solidFill>
-              <a:latin typeface="メイリオ" panose="020B0604030504040204" pitchFamily="50" charset="-128"/>
-              <a:ea typeface="メイリオ" panose="020B0604030504040204" pitchFamily="50" charset="-128"/>
-            </a:endParaRPr>
           </a:p>
         </p:txBody>
       </p:sp>
@@ -4214,8 +4080,8 @@
         </p:nvSpPr>
         <p:spPr>
           <a:xfrm>
-            <a:off x="628650" y="1600773"/>
-            <a:ext cx="7886700" cy="4351338"/>
+            <a:off x="1024128" y="1600773"/>
+            <a:ext cx="10204704" cy="4351338"/>
           </a:xfrm>
         </p:spPr>
         <p:txBody>
@@ -4226,15 +4092,21 @@
               <a:lnSpc>
                 <a:spcPct val="100000"/>
               </a:lnSpc>
+              <a:spcBef>
+                <a:spcPts val="600"/>
+              </a:spcBef>
+              <a:spcAft>
+                <a:spcPts val="600"/>
+              </a:spcAft>
             </a:pPr>
             <a:r>
-              <a:rPr kumimoji="1" lang="ja-JP" altLang="en-US">
+              <a:rPr kumimoji="1" lang="ja-JP" altLang="en-US" dirty="0">
                 <a:latin typeface="メイリオ" panose="020B0604030504040204" pitchFamily="50" charset="-128"/>
                 <a:ea typeface="メイリオ" panose="020B0604030504040204" pitchFamily="50" charset="-128"/>
               </a:rPr>
               <a:t>有限状態オートマトン の定義</a:t>
             </a:r>
-            <a:endParaRPr kumimoji="1" lang="en-US" altLang="ja-JP">
+            <a:endParaRPr kumimoji="1" lang="en-US" altLang="ja-JP" dirty="0">
               <a:latin typeface="メイリオ" panose="020B0604030504040204" pitchFamily="50" charset="-128"/>
               <a:ea typeface="メイリオ" panose="020B0604030504040204" pitchFamily="50" charset="-128"/>
             </a:endParaRPr>
@@ -4244,15 +4116,21 @@
               <a:lnSpc>
                 <a:spcPct val="100000"/>
               </a:lnSpc>
+              <a:spcBef>
+                <a:spcPts val="600"/>
+              </a:spcBef>
+              <a:spcAft>
+                <a:spcPts val="600"/>
+              </a:spcAft>
             </a:pPr>
             <a:r>
-              <a:rPr kumimoji="1" lang="ja-JP" altLang="en-US">
+              <a:rPr kumimoji="1" lang="ja-JP" altLang="en-US" dirty="0">
                 <a:latin typeface="メイリオ" panose="020B0604030504040204" pitchFamily="50" charset="-128"/>
                 <a:ea typeface="メイリオ" panose="020B0604030504040204" pitchFamily="50" charset="-128"/>
               </a:rPr>
               <a:t>状態を持つ機械の振る舞いの論理的モデル</a:t>
             </a:r>
-            <a:endParaRPr kumimoji="1" lang="en-US" altLang="ja-JP">
+            <a:endParaRPr kumimoji="1" lang="en-US" altLang="ja-JP" dirty="0">
               <a:latin typeface="メイリオ" panose="020B0604030504040204" pitchFamily="50" charset="-128"/>
               <a:ea typeface="メイリオ" panose="020B0604030504040204" pitchFamily="50" charset="-128"/>
             </a:endParaRPr>
@@ -4262,22 +4140,28 @@
               <a:lnSpc>
                 <a:spcPct val="100000"/>
               </a:lnSpc>
+              <a:spcBef>
+                <a:spcPts val="600"/>
+              </a:spcBef>
+              <a:spcAft>
+                <a:spcPts val="600"/>
+              </a:spcAft>
             </a:pPr>
             <a:r>
-              <a:rPr lang="ja-JP" altLang="en-US">
+              <a:rPr lang="ja-JP" altLang="en-US" dirty="0">
                 <a:latin typeface="メイリオ" panose="020B0604030504040204" pitchFamily="50" charset="-128"/>
                 <a:ea typeface="メイリオ" panose="020B0604030504040204" pitchFamily="50" charset="-128"/>
               </a:rPr>
               <a:t>有限状態オートマトン</a:t>
             </a:r>
             <a:r>
-              <a:rPr kumimoji="1" lang="ja-JP" altLang="en-US">
+              <a:rPr kumimoji="1" lang="ja-JP" altLang="en-US" dirty="0">
                 <a:latin typeface="メイリオ" panose="020B0604030504040204" pitchFamily="50" charset="-128"/>
                 <a:ea typeface="メイリオ" panose="020B0604030504040204" pitchFamily="50" charset="-128"/>
               </a:rPr>
               <a:t>の形式的定義</a:t>
             </a:r>
-            <a:endParaRPr kumimoji="1" lang="en-US" altLang="ja-JP">
+            <a:endParaRPr kumimoji="1" lang="en-US" altLang="ja-JP" dirty="0">
               <a:latin typeface="メイリオ" panose="020B0604030504040204" pitchFamily="50" charset="-128"/>
               <a:ea typeface="メイリオ" panose="020B0604030504040204" pitchFamily="50" charset="-128"/>
             </a:endParaRPr>
@@ -4287,29 +4171,35 @@
               <a:lnSpc>
                 <a:spcPct val="100000"/>
               </a:lnSpc>
+              <a:spcBef>
+                <a:spcPts val="600"/>
+              </a:spcBef>
+              <a:spcAft>
+                <a:spcPts val="600"/>
+              </a:spcAft>
             </a:pPr>
             <a:r>
-              <a:rPr kumimoji="1" lang="en-US" altLang="ja-JP" i="1">
+              <a:rPr kumimoji="1" lang="en-US" altLang="ja-JP" i="1" dirty="0">
                 <a:latin typeface="Century Schoolbook" panose="02040604050505020304" pitchFamily="18" charset="0"/>
                 <a:ea typeface="メイリオ" panose="020B0604030504040204" pitchFamily="50" charset="-128"/>
               </a:rPr>
               <a:t>Σ</a:t>
             </a:r>
             <a:r>
-              <a:rPr kumimoji="1" lang="en-US" altLang="ja-JP">
+              <a:rPr kumimoji="1" lang="en-US" altLang="ja-JP" dirty="0">
                 <a:latin typeface="メイリオ" panose="020B0604030504040204" pitchFamily="50" charset="-128"/>
                 <a:ea typeface="メイリオ" panose="020B0604030504040204" pitchFamily="50" charset="-128"/>
               </a:rPr>
               <a:t> : </a:t>
             </a:r>
             <a:r>
-              <a:rPr kumimoji="1" lang="ja-JP" altLang="en-US">
+              <a:rPr kumimoji="1" lang="ja-JP" altLang="en-US" dirty="0">
                 <a:latin typeface="メイリオ" panose="020B0604030504040204" pitchFamily="50" charset="-128"/>
                 <a:ea typeface="メイリオ" panose="020B0604030504040204" pitchFamily="50" charset="-128"/>
               </a:rPr>
               <a:t>入力記号の集合</a:t>
             </a:r>
-            <a:endParaRPr kumimoji="1" lang="en-US" altLang="ja-JP">
+            <a:endParaRPr kumimoji="1" lang="en-US" altLang="ja-JP" dirty="0">
               <a:latin typeface="メイリオ" panose="020B0604030504040204" pitchFamily="50" charset="-128"/>
               <a:ea typeface="メイリオ" panose="020B0604030504040204" pitchFamily="50" charset="-128"/>
             </a:endParaRPr>
@@ -4319,29 +4209,35 @@
               <a:lnSpc>
                 <a:spcPct val="100000"/>
               </a:lnSpc>
+              <a:spcBef>
+                <a:spcPts val="600"/>
+              </a:spcBef>
+              <a:spcAft>
+                <a:spcPts val="600"/>
+              </a:spcAft>
             </a:pPr>
             <a:r>
-              <a:rPr lang="en-US" altLang="ja-JP" i="1">
+              <a:rPr lang="en-US" altLang="ja-JP" i="1" dirty="0">
                 <a:latin typeface="Century Schoolbook" panose="02040604050505020304" pitchFamily="18" charset="0"/>
                 <a:ea typeface="メイリオ" panose="020B0604030504040204" pitchFamily="50" charset="-128"/>
               </a:rPr>
               <a:t>Q</a:t>
             </a:r>
             <a:r>
-              <a:rPr lang="en-US" altLang="ja-JP">
+              <a:rPr lang="en-US" altLang="ja-JP" dirty="0">
                 <a:latin typeface="メイリオ" panose="020B0604030504040204" pitchFamily="50" charset="-128"/>
                 <a:ea typeface="メイリオ" panose="020B0604030504040204" pitchFamily="50" charset="-128"/>
               </a:rPr>
               <a:t> : </a:t>
             </a:r>
             <a:r>
-              <a:rPr lang="ja-JP" altLang="en-US">
+              <a:rPr lang="ja-JP" altLang="en-US" dirty="0">
                 <a:latin typeface="メイリオ" panose="020B0604030504040204" pitchFamily="50" charset="-128"/>
                 <a:ea typeface="メイリオ" panose="020B0604030504040204" pitchFamily="50" charset="-128"/>
               </a:rPr>
               <a:t>状態の集合</a:t>
             </a:r>
-            <a:endParaRPr lang="en-US" altLang="ja-JP">
+            <a:endParaRPr lang="en-US" altLang="ja-JP" dirty="0">
               <a:latin typeface="メイリオ" panose="020B0604030504040204" pitchFamily="50" charset="-128"/>
               <a:ea typeface="メイリオ" panose="020B0604030504040204" pitchFamily="50" charset="-128"/>
             </a:endParaRPr>
@@ -4351,50 +4247,56 @@
               <a:lnSpc>
                 <a:spcPct val="100000"/>
               </a:lnSpc>
+              <a:spcBef>
+                <a:spcPts val="600"/>
+              </a:spcBef>
+              <a:spcAft>
+                <a:spcPts val="600"/>
+              </a:spcAft>
             </a:pPr>
             <a:r>
-              <a:rPr lang="en-US" altLang="ja-JP" i="1">
+              <a:rPr lang="en-US" altLang="ja-JP" i="1" dirty="0">
                 <a:latin typeface="Century Schoolbook" panose="02040604050505020304" pitchFamily="18" charset="0"/>
                 <a:ea typeface="メイリオ" panose="020B0604030504040204" pitchFamily="50" charset="-128"/>
               </a:rPr>
               <a:t>I </a:t>
             </a:r>
             <a:r>
-              <a:rPr lang="ja-JP" altLang="en-US">
+              <a:rPr lang="ja-JP" altLang="en-US" dirty="0">
                 <a:latin typeface="Century Schoolbook" panose="02040604050505020304" pitchFamily="18" charset="0"/>
                 <a:ea typeface="メイリオ" panose="020B0604030504040204" pitchFamily="50" charset="-128"/>
               </a:rPr>
               <a:t>⊆</a:t>
             </a:r>
             <a:r>
-              <a:rPr lang="ja-JP" altLang="en-US" i="1">
+              <a:rPr lang="ja-JP" altLang="en-US" i="1" dirty="0">
                 <a:latin typeface="Century Schoolbook" panose="02040604050505020304" pitchFamily="18" charset="0"/>
                 <a:ea typeface="メイリオ" panose="020B0604030504040204" pitchFamily="50" charset="-128"/>
               </a:rPr>
               <a:t> </a:t>
             </a:r>
             <a:r>
-              <a:rPr lang="en-US" altLang="ja-JP" i="1">
+              <a:rPr lang="en-US" altLang="ja-JP" i="1" dirty="0">
                 <a:latin typeface="Century Schoolbook" panose="02040604050505020304" pitchFamily="18" charset="0"/>
                 <a:ea typeface="メイリオ" panose="020B0604030504040204" pitchFamily="50" charset="-128"/>
               </a:rPr>
               <a:t>Q </a:t>
             </a:r>
             <a:r>
-              <a:rPr kumimoji="1" lang="en-US" altLang="ja-JP">
+              <a:rPr kumimoji="1" lang="en-US" altLang="ja-JP" dirty="0">
                 <a:latin typeface="メイリオ" panose="020B0604030504040204" pitchFamily="50" charset="-128"/>
                 <a:ea typeface="メイリオ" panose="020B0604030504040204" pitchFamily="50" charset="-128"/>
               </a:rPr>
               <a:t>: </a:t>
             </a:r>
             <a:r>
-              <a:rPr kumimoji="1" lang="ja-JP" altLang="en-US">
+              <a:rPr kumimoji="1" lang="ja-JP" altLang="en-US" dirty="0">
                 <a:latin typeface="メイリオ" panose="020B0604030504040204" pitchFamily="50" charset="-128"/>
                 <a:ea typeface="メイリオ" panose="020B0604030504040204" pitchFamily="50" charset="-128"/>
               </a:rPr>
               <a:t>初期状態の集合</a:t>
             </a:r>
-            <a:endParaRPr lang="en-US" altLang="ja-JP">
+            <a:endParaRPr lang="en-US" altLang="ja-JP" dirty="0">
               <a:latin typeface="メイリオ" panose="020B0604030504040204" pitchFamily="50" charset="-128"/>
               <a:ea typeface="メイリオ" panose="020B0604030504040204" pitchFamily="50" charset="-128"/>
             </a:endParaRPr>
@@ -4404,50 +4306,56 @@
               <a:lnSpc>
                 <a:spcPct val="100000"/>
               </a:lnSpc>
+              <a:spcBef>
+                <a:spcPts val="600"/>
+              </a:spcBef>
+              <a:spcAft>
+                <a:spcPts val="600"/>
+              </a:spcAft>
             </a:pPr>
             <a:r>
-              <a:rPr lang="en-US" altLang="ja-JP" i="1">
+              <a:rPr lang="en-US" altLang="ja-JP" i="1" dirty="0">
                 <a:latin typeface="Century Schoolbook" panose="02040604050505020304" pitchFamily="18" charset="0"/>
                 <a:ea typeface="メイリオ" panose="020B0604030504040204" pitchFamily="50" charset="-128"/>
               </a:rPr>
               <a:t>F </a:t>
             </a:r>
             <a:r>
-              <a:rPr lang="ja-JP" altLang="en-US">
+              <a:rPr lang="ja-JP" altLang="en-US" dirty="0">
                 <a:latin typeface="Century Schoolbook" panose="02040604050505020304" pitchFamily="18" charset="0"/>
                 <a:ea typeface="メイリオ" panose="020B0604030504040204" pitchFamily="50" charset="-128"/>
               </a:rPr>
               <a:t>⊆</a:t>
             </a:r>
             <a:r>
-              <a:rPr lang="ja-JP" altLang="en-US" i="1">
+              <a:rPr lang="ja-JP" altLang="en-US" i="1" dirty="0">
                 <a:latin typeface="Century Schoolbook" panose="02040604050505020304" pitchFamily="18" charset="0"/>
                 <a:ea typeface="メイリオ" panose="020B0604030504040204" pitchFamily="50" charset="-128"/>
               </a:rPr>
               <a:t> </a:t>
             </a:r>
             <a:r>
-              <a:rPr lang="en-US" altLang="ja-JP" i="1">
+              <a:rPr lang="en-US" altLang="ja-JP" i="1" dirty="0">
                 <a:latin typeface="Century Schoolbook" panose="02040604050505020304" pitchFamily="18" charset="0"/>
                 <a:ea typeface="メイリオ" panose="020B0604030504040204" pitchFamily="50" charset="-128"/>
               </a:rPr>
               <a:t>Q </a:t>
             </a:r>
             <a:r>
-              <a:rPr lang="en-US" altLang="ja-JP">
+              <a:rPr lang="en-US" altLang="ja-JP" dirty="0">
                 <a:latin typeface="メイリオ" panose="020B0604030504040204" pitchFamily="50" charset="-128"/>
                 <a:ea typeface="メイリオ" panose="020B0604030504040204" pitchFamily="50" charset="-128"/>
               </a:rPr>
               <a:t>: </a:t>
             </a:r>
             <a:r>
-              <a:rPr lang="ja-JP" altLang="en-US">
+              <a:rPr lang="ja-JP" altLang="en-US" dirty="0">
                 <a:latin typeface="メイリオ" panose="020B0604030504040204" pitchFamily="50" charset="-128"/>
                 <a:ea typeface="メイリオ" panose="020B0604030504040204" pitchFamily="50" charset="-128"/>
               </a:rPr>
               <a:t>最終状態の集合</a:t>
             </a:r>
-            <a:endParaRPr lang="en-US" altLang="ja-JP">
+            <a:endParaRPr lang="en-US" altLang="ja-JP" dirty="0">
               <a:latin typeface="メイリオ" panose="020B0604030504040204" pitchFamily="50" charset="-128"/>
               <a:ea typeface="メイリオ" panose="020B0604030504040204" pitchFamily="50" charset="-128"/>
             </a:endParaRPr>
@@ -4457,92 +4365,98 @@
               <a:lnSpc>
                 <a:spcPct val="100000"/>
               </a:lnSpc>
+              <a:spcBef>
+                <a:spcPts val="600"/>
+              </a:spcBef>
+              <a:spcAft>
+                <a:spcPts val="600"/>
+              </a:spcAft>
             </a:pPr>
             <a:r>
-              <a:rPr lang="en-US" altLang="ja-JP" i="1">
+              <a:rPr lang="en-US" altLang="ja-JP" i="1" dirty="0">
                 <a:latin typeface="Century Schoolbook" panose="02040604050505020304" pitchFamily="18" charset="0"/>
                 <a:ea typeface="メイリオ" panose="020B0604030504040204" pitchFamily="50" charset="-128"/>
               </a:rPr>
               <a:t>E </a:t>
             </a:r>
             <a:r>
-              <a:rPr lang="ja-JP" altLang="en-US">
+              <a:rPr lang="ja-JP" altLang="en-US" dirty="0">
                 <a:latin typeface="Century Schoolbook" panose="02040604050505020304" pitchFamily="18" charset="0"/>
                 <a:ea typeface="メイリオ" panose="020B0604030504040204" pitchFamily="50" charset="-128"/>
               </a:rPr>
               <a:t>⊆</a:t>
             </a:r>
             <a:r>
-              <a:rPr lang="ja-JP" altLang="en-US" i="1">
+              <a:rPr lang="ja-JP" altLang="en-US" i="1" dirty="0">
                 <a:latin typeface="Century Schoolbook" panose="02040604050505020304" pitchFamily="18" charset="0"/>
                 <a:ea typeface="メイリオ" panose="020B0604030504040204" pitchFamily="50" charset="-128"/>
               </a:rPr>
               <a:t> </a:t>
             </a:r>
             <a:r>
-              <a:rPr lang="en-US" altLang="ja-JP" i="1">
+              <a:rPr lang="en-US" altLang="ja-JP" i="1" dirty="0">
                 <a:latin typeface="Century Schoolbook" panose="02040604050505020304" pitchFamily="18" charset="0"/>
                 <a:ea typeface="メイリオ" panose="020B0604030504040204" pitchFamily="50" charset="-128"/>
               </a:rPr>
               <a:t>Q </a:t>
             </a:r>
             <a:r>
-              <a:rPr lang="ja-JP" altLang="en-US">
+              <a:rPr lang="ja-JP" altLang="en-US" dirty="0">
                 <a:latin typeface="Century Schoolbook" panose="02040604050505020304" pitchFamily="18" charset="0"/>
                 <a:ea typeface="メイリオ" panose="020B0604030504040204" pitchFamily="50" charset="-128"/>
               </a:rPr>
               <a:t>✕</a:t>
             </a:r>
             <a:r>
-              <a:rPr lang="ja-JP" altLang="en-US" i="1">
+              <a:rPr lang="ja-JP" altLang="en-US" i="1" dirty="0">
                 <a:latin typeface="Century Schoolbook" panose="02040604050505020304" pitchFamily="18" charset="0"/>
                 <a:ea typeface="メイリオ" panose="020B0604030504040204" pitchFamily="50" charset="-128"/>
               </a:rPr>
               <a:t> </a:t>
             </a:r>
             <a:r>
-              <a:rPr lang="en-US" altLang="ja-JP" i="1">
+              <a:rPr lang="en-US" altLang="ja-JP" i="1" dirty="0">
                 <a:latin typeface="Century Schoolbook" panose="02040604050505020304" pitchFamily="18" charset="0"/>
                 <a:ea typeface="メイリオ" panose="020B0604030504040204" pitchFamily="50" charset="-128"/>
               </a:rPr>
               <a:t>Σ </a:t>
             </a:r>
             <a:r>
-              <a:rPr lang="ja-JP" altLang="en-US">
+              <a:rPr lang="ja-JP" altLang="en-US" dirty="0">
                 <a:latin typeface="Century Schoolbook" panose="02040604050505020304" pitchFamily="18" charset="0"/>
                 <a:ea typeface="メイリオ" panose="020B0604030504040204" pitchFamily="50" charset="-128"/>
               </a:rPr>
               <a:t>✕</a:t>
             </a:r>
             <a:r>
-              <a:rPr lang="ja-JP" altLang="en-US" i="1">
+              <a:rPr lang="ja-JP" altLang="en-US" i="1" dirty="0">
                 <a:latin typeface="Century Schoolbook" panose="02040604050505020304" pitchFamily="18" charset="0"/>
                 <a:ea typeface="メイリオ" panose="020B0604030504040204" pitchFamily="50" charset="-128"/>
               </a:rPr>
               <a:t> </a:t>
             </a:r>
             <a:r>
-              <a:rPr lang="en-US" altLang="ja-JP" i="1">
+              <a:rPr lang="en-US" altLang="ja-JP" i="1" dirty="0">
                 <a:latin typeface="Century Schoolbook" panose="02040604050505020304" pitchFamily="18" charset="0"/>
                 <a:ea typeface="メイリオ" panose="020B0604030504040204" pitchFamily="50" charset="-128"/>
               </a:rPr>
               <a:t>Q </a:t>
             </a:r>
             <a:r>
-              <a:rPr lang="en-US" altLang="ja-JP">
+              <a:rPr lang="en-US" altLang="ja-JP" dirty="0">
                 <a:latin typeface="メイリオ" panose="020B0604030504040204" pitchFamily="50" charset="-128"/>
                 <a:ea typeface="メイリオ" panose="020B0604030504040204" pitchFamily="50" charset="-128"/>
               </a:rPr>
               <a:t>: </a:t>
             </a:r>
             <a:r>
-              <a:rPr lang="ja-JP" altLang="en-US">
+              <a:rPr lang="ja-JP" altLang="en-US" dirty="0">
                 <a:latin typeface="メイリオ" panose="020B0604030504040204" pitchFamily="50" charset="-128"/>
                 <a:ea typeface="メイリオ" panose="020B0604030504040204" pitchFamily="50" charset="-128"/>
               </a:rPr>
               <a:t>状態遷移規則の集合</a:t>
             </a:r>
-            <a:endParaRPr lang="en-US" altLang="ja-JP">
+            <a:endParaRPr lang="en-US" altLang="ja-JP" dirty="0">
               <a:latin typeface="メイリオ" panose="020B0604030504040204" pitchFamily="50" charset="-128"/>
               <a:ea typeface="メイリオ" panose="020B0604030504040204" pitchFamily="50" charset="-128"/>
             </a:endParaRPr>
@@ -4607,8 +4521,8 @@
         </p:blipFill>
         <p:spPr>
           <a:xfrm>
-            <a:off x="3772162" y="3326019"/>
-            <a:ext cx="5184018" cy="3179712"/>
+            <a:off x="5405889" y="2462824"/>
+            <a:ext cx="6289057" cy="3857508"/>
           </a:xfrm>
           <a:prstGeom prst="rect">
             <a:avLst/>
@@ -4633,7 +4547,7 @@
         </p:nvSpPr>
         <p:spPr>
           <a:xfrm>
-            <a:off x="628650" y="365127"/>
+            <a:off x="484784" y="352269"/>
             <a:ext cx="7886700" cy="841582"/>
           </a:xfrm>
         </p:spPr>
@@ -4644,7 +4558,7 @@
           <a:lstStyle/>
           <a:p>
             <a:r>
-              <a:rPr lang="en-US" altLang="ja-JP" sz="4000">
+              <a:rPr lang="en-US" altLang="ja-JP" sz="4000" dirty="0">
                 <a:solidFill>
                   <a:schemeClr val="accent1"/>
                 </a:solidFill>
@@ -4654,7 +4568,7 @@
               <a:t>4.1 </a:t>
             </a:r>
             <a:r>
-              <a:rPr lang="ja-JP" altLang="en-US" sz="4000">
+              <a:rPr lang="ja-JP" altLang="en-US" sz="4000" dirty="0">
                 <a:solidFill>
                   <a:schemeClr val="accent1"/>
                 </a:solidFill>
@@ -4663,13 +4577,6 @@
               </a:rPr>
               <a:t>有限状態オートマトンとは</a:t>
             </a:r>
-            <a:endParaRPr kumimoji="1" lang="ja-JP" altLang="en-US" sz="4000">
-              <a:solidFill>
-                <a:schemeClr val="accent1"/>
-              </a:solidFill>
-              <a:latin typeface="メイリオ" panose="020B0604030504040204" pitchFamily="50" charset="-128"/>
-              <a:ea typeface="メイリオ" panose="020B0604030504040204" pitchFamily="50" charset="-128"/>
-            </a:endParaRPr>
           </a:p>
         </p:txBody>
       </p:sp>
@@ -4691,8 +4598,8 @@
         </p:nvSpPr>
         <p:spPr>
           <a:xfrm>
-            <a:off x="628650" y="1121092"/>
-            <a:ext cx="7886700" cy="4919948"/>
+            <a:off x="716889" y="1121092"/>
+            <a:ext cx="10482681" cy="4919948"/>
           </a:xfrm>
         </p:spPr>
         <p:txBody>
@@ -4705,22 +4612,28 @@
               <a:lnSpc>
                 <a:spcPct val="100000"/>
               </a:lnSpc>
+              <a:spcBef>
+                <a:spcPts val="600"/>
+              </a:spcBef>
+              <a:spcAft>
+                <a:spcPts val="600"/>
+              </a:spcAft>
             </a:pPr>
             <a:r>
-              <a:rPr kumimoji="1" lang="ja-JP" altLang="en-US">
+              <a:rPr kumimoji="1" lang="ja-JP" altLang="en-US" dirty="0">
                 <a:latin typeface="メイリオ" panose="020B0604030504040204" pitchFamily="50" charset="-128"/>
                 <a:ea typeface="メイリオ" panose="020B0604030504040204" pitchFamily="50" charset="-128"/>
               </a:rPr>
               <a:t>有限状態受理機械 </a:t>
             </a:r>
             <a:r>
-              <a:rPr kumimoji="1" lang="en-US" altLang="ja-JP" sz="2400">
+              <a:rPr lang="en-US" altLang="ja-JP" sz="2400" dirty="0">
                 <a:latin typeface="メイリオ" panose="020B0604030504040204" pitchFamily="50" charset="-128"/>
                 <a:ea typeface="メイリオ" panose="020B0604030504040204" pitchFamily="50" charset="-128"/>
               </a:rPr>
               <a:t>(finite state acceptor: FSA) </a:t>
             </a:r>
-            <a:endParaRPr kumimoji="1" lang="en-US" altLang="ja-JP">
+            <a:endParaRPr kumimoji="1" lang="en-US" altLang="ja-JP" dirty="0">
               <a:latin typeface="メイリオ" panose="020B0604030504040204" pitchFamily="50" charset="-128"/>
               <a:ea typeface="メイリオ" panose="020B0604030504040204" pitchFamily="50" charset="-128"/>
             </a:endParaRPr>
@@ -4730,15 +4643,21 @@
               <a:lnSpc>
                 <a:spcPct val="100000"/>
               </a:lnSpc>
+              <a:spcBef>
+                <a:spcPts val="600"/>
+              </a:spcBef>
+              <a:spcAft>
+                <a:spcPts val="600"/>
+              </a:spcAft>
             </a:pPr>
             <a:r>
-              <a:rPr kumimoji="1" lang="ja-JP" altLang="en-US">
+              <a:rPr kumimoji="1" lang="ja-JP" altLang="en-US" dirty="0">
                 <a:latin typeface="メイリオ" panose="020B0604030504040204" pitchFamily="50" charset="-128"/>
                 <a:ea typeface="メイリオ" panose="020B0604030504040204" pitchFamily="50" charset="-128"/>
               </a:rPr>
               <a:t>入力記号列が特定の規則に従っているかどうかを判定する有限状態オートマトン</a:t>
             </a:r>
-            <a:endParaRPr kumimoji="1" lang="en-US" altLang="ja-JP">
+            <a:endParaRPr kumimoji="1" lang="en-US" altLang="ja-JP" dirty="0">
               <a:latin typeface="メイリオ" panose="020B0604030504040204" pitchFamily="50" charset="-128"/>
               <a:ea typeface="メイリオ" panose="020B0604030504040204" pitchFamily="50" charset="-128"/>
             </a:endParaRPr>
@@ -4748,22 +4667,28 @@
               <a:lnSpc>
                 <a:spcPct val="100000"/>
               </a:lnSpc>
+              <a:spcBef>
+                <a:spcPts val="600"/>
+              </a:spcBef>
+              <a:spcAft>
+                <a:spcPts val="600"/>
+              </a:spcAft>
             </a:pPr>
             <a:r>
-              <a:rPr lang="en-US" altLang="ja-JP">
+              <a:rPr lang="en-US" altLang="ja-JP" dirty="0">
                 <a:latin typeface="メイリオ" panose="020B0604030504040204" pitchFamily="50" charset="-128"/>
                 <a:ea typeface="メイリオ" panose="020B0604030504040204" pitchFamily="50" charset="-128"/>
               </a:rPr>
               <a:t>FSA</a:t>
             </a:r>
             <a:r>
-              <a:rPr lang="ja-JP" altLang="en-US">
+              <a:rPr lang="ja-JP" altLang="en-US" dirty="0">
                 <a:latin typeface="メイリオ" panose="020B0604030504040204" pitchFamily="50" charset="-128"/>
                 <a:ea typeface="メイリオ" panose="020B0604030504040204" pitchFamily="50" charset="-128"/>
               </a:rPr>
               <a:t>の例</a:t>
             </a:r>
-            <a:endParaRPr kumimoji="1" lang="en-US" altLang="ja-JP">
+            <a:endParaRPr kumimoji="1" lang="en-US" altLang="ja-JP" dirty="0">
               <a:latin typeface="メイリオ" panose="020B0604030504040204" pitchFamily="50" charset="-128"/>
               <a:ea typeface="メイリオ" panose="020B0604030504040204" pitchFamily="50" charset="-128"/>
             </a:endParaRPr>
@@ -4773,79 +4698,85 @@
               <a:lnSpc>
                 <a:spcPct val="100000"/>
               </a:lnSpc>
+              <a:spcBef>
+                <a:spcPts val="600"/>
+              </a:spcBef>
+              <a:spcAft>
+                <a:spcPts val="600"/>
+              </a:spcAft>
             </a:pPr>
             <a:r>
-              <a:rPr kumimoji="1" lang="en-US" altLang="ja-JP" i="1">
+              <a:rPr kumimoji="1" lang="en-US" altLang="ja-JP" i="1" dirty="0">
                 <a:latin typeface="Century Schoolbook" panose="02040604050505020304" pitchFamily="18" charset="0"/>
                 <a:ea typeface="メイリオ" panose="020B0604030504040204" pitchFamily="50" charset="-128"/>
               </a:rPr>
               <a:t>Σ</a:t>
             </a:r>
             <a:r>
-              <a:rPr kumimoji="1" lang="en-US" altLang="ja-JP">
+              <a:rPr kumimoji="1" lang="en-US" altLang="ja-JP" dirty="0">
                 <a:latin typeface="メイリオ" panose="020B0604030504040204" pitchFamily="50" charset="-128"/>
                 <a:ea typeface="メイリオ" panose="020B0604030504040204" pitchFamily="50" charset="-128"/>
               </a:rPr>
               <a:t> </a:t>
             </a:r>
             <a:r>
-              <a:rPr lang="en-US" altLang="ja-JP">
+              <a:rPr lang="en-US" altLang="ja-JP" dirty="0">
                 <a:latin typeface="Century Schoolbook" panose="02040604050505020304" pitchFamily="18" charset="0"/>
                 <a:ea typeface="メイリオ" panose="020B0604030504040204" pitchFamily="50" charset="-128"/>
               </a:rPr>
               <a:t>= {</a:t>
             </a:r>
             <a:r>
-              <a:rPr lang="ja-JP" altLang="en-US">
+              <a:rPr lang="ja-JP" altLang="en-US" dirty="0">
                 <a:latin typeface="Century Schoolbook" panose="02040604050505020304" pitchFamily="18" charset="0"/>
                 <a:ea typeface="メイリオ" panose="020B0604030504040204" pitchFamily="50" charset="-128"/>
               </a:rPr>
               <a:t>形容詞</a:t>
             </a:r>
             <a:r>
-              <a:rPr lang="en-US" altLang="ja-JP">
+              <a:rPr lang="en-US" altLang="ja-JP" dirty="0">
                 <a:latin typeface="Century Schoolbook" panose="02040604050505020304" pitchFamily="18" charset="0"/>
                 <a:ea typeface="メイリオ" panose="020B0604030504040204" pitchFamily="50" charset="-128"/>
               </a:rPr>
               <a:t>, </a:t>
             </a:r>
             <a:r>
-              <a:rPr lang="ja-JP" altLang="en-US">
+              <a:rPr lang="ja-JP" altLang="en-US" dirty="0">
                 <a:latin typeface="Century Schoolbook" panose="02040604050505020304" pitchFamily="18" charset="0"/>
                 <a:ea typeface="メイリオ" panose="020B0604030504040204" pitchFamily="50" charset="-128"/>
               </a:rPr>
               <a:t>名詞</a:t>
             </a:r>
             <a:r>
-              <a:rPr lang="en-US" altLang="ja-JP">
+              <a:rPr lang="en-US" altLang="ja-JP" dirty="0">
                 <a:latin typeface="Century Schoolbook" panose="02040604050505020304" pitchFamily="18" charset="0"/>
                 <a:ea typeface="メイリオ" panose="020B0604030504040204" pitchFamily="50" charset="-128"/>
               </a:rPr>
               <a:t>, </a:t>
             </a:r>
             <a:r>
-              <a:rPr lang="ja-JP" altLang="en-US">
+              <a:rPr lang="ja-JP" altLang="en-US" dirty="0">
                 <a:latin typeface="Century Schoolbook" panose="02040604050505020304" pitchFamily="18" charset="0"/>
                 <a:ea typeface="メイリオ" panose="020B0604030504040204" pitchFamily="50" charset="-128"/>
               </a:rPr>
               <a:t>助詞</a:t>
             </a:r>
             <a:r>
-              <a:rPr lang="en-US" altLang="ja-JP">
+              <a:rPr lang="en-US" altLang="ja-JP" dirty="0">
                 <a:latin typeface="Century Schoolbook" panose="02040604050505020304" pitchFamily="18" charset="0"/>
                 <a:ea typeface="メイリオ" panose="020B0604030504040204" pitchFamily="50" charset="-128"/>
               </a:rPr>
               <a:t>, </a:t>
             </a:r>
             <a:r>
-              <a:rPr lang="ja-JP" altLang="en-US">
+              <a:rPr lang="ja-JP" altLang="en-US" dirty="0">
                 <a:latin typeface="Century Schoolbook" panose="02040604050505020304" pitchFamily="18" charset="0"/>
                 <a:ea typeface="メイリオ" panose="020B0604030504040204" pitchFamily="50" charset="-128"/>
               </a:rPr>
               <a:t>動詞</a:t>
             </a:r>
             <a:r>
-              <a:rPr lang="en-US" altLang="ja-JP">
+              <a:rPr lang="en-US" altLang="ja-JP" dirty="0">
                 <a:latin typeface="Century Schoolbook" panose="02040604050505020304" pitchFamily="18" charset="0"/>
                 <a:ea typeface="メイリオ" panose="020B0604030504040204" pitchFamily="50" charset="-128"/>
               </a:rPr>
@@ -4857,23 +4788,29 @@
               <a:lnSpc>
                 <a:spcPct val="100000"/>
               </a:lnSpc>
+              <a:spcBef>
+                <a:spcPts val="600"/>
+              </a:spcBef>
+              <a:spcAft>
+                <a:spcPts val="600"/>
+              </a:spcAft>
             </a:pPr>
             <a:r>
-              <a:rPr lang="en-US" altLang="ja-JP" i="1">
+              <a:rPr lang="en-US" altLang="ja-JP" i="1" dirty="0">
                 <a:latin typeface="Century Schoolbook" panose="02040604050505020304" pitchFamily="18" charset="0"/>
                 <a:ea typeface="メイリオ" panose="020B0604030504040204" pitchFamily="50" charset="-128"/>
               </a:rPr>
               <a:t>Q</a:t>
             </a:r>
             <a:r>
-              <a:rPr lang="en-US" altLang="ja-JP">
+              <a:rPr lang="en-US" altLang="ja-JP" dirty="0">
                 <a:latin typeface="メイリオ" panose="020B0604030504040204" pitchFamily="50" charset="-128"/>
                 <a:ea typeface="メイリオ" panose="020B0604030504040204" pitchFamily="50" charset="-128"/>
               </a:rPr>
               <a:t> </a:t>
             </a:r>
             <a:r>
-              <a:rPr lang="en-US" altLang="ja-JP">
+              <a:rPr lang="en-US" altLang="ja-JP" dirty="0">
                 <a:latin typeface="Century Schoolbook" panose="02040604050505020304" pitchFamily="18" charset="0"/>
                 <a:ea typeface="メイリオ" panose="020B0604030504040204" pitchFamily="50" charset="-128"/>
               </a:rPr>
@@ -4885,22 +4822,28 @@
               <a:lnSpc>
                 <a:spcPct val="100000"/>
               </a:lnSpc>
+              <a:spcBef>
+                <a:spcPts val="600"/>
+              </a:spcBef>
+              <a:spcAft>
+                <a:spcPts val="600"/>
+              </a:spcAft>
             </a:pPr>
             <a:r>
-              <a:rPr lang="en-US" altLang="ja-JP" i="1">
+              <a:rPr lang="en-US" altLang="ja-JP" i="1" dirty="0">
                 <a:latin typeface="Century Schoolbook" panose="02040604050505020304" pitchFamily="18" charset="0"/>
                 <a:ea typeface="メイリオ" panose="020B0604030504040204" pitchFamily="50" charset="-128"/>
               </a:rPr>
               <a:t>I </a:t>
             </a:r>
             <a:r>
-              <a:rPr lang="en-US" altLang="ja-JP">
+              <a:rPr lang="en-US" altLang="ja-JP" dirty="0">
                 <a:latin typeface="Century Schoolbook" panose="02040604050505020304" pitchFamily="18" charset="0"/>
                 <a:ea typeface="メイリオ" panose="020B0604030504040204" pitchFamily="50" charset="-128"/>
               </a:rPr>
               <a:t>= {0}</a:t>
             </a:r>
-            <a:endParaRPr lang="en-US" altLang="ja-JP">
+            <a:endParaRPr lang="en-US" altLang="ja-JP" dirty="0">
               <a:latin typeface="メイリオ" panose="020B0604030504040204" pitchFamily="50" charset="-128"/>
               <a:ea typeface="メイリオ" panose="020B0604030504040204" pitchFamily="50" charset="-128"/>
             </a:endParaRPr>
@@ -4910,22 +4853,28 @@
               <a:lnSpc>
                 <a:spcPct val="100000"/>
               </a:lnSpc>
+              <a:spcBef>
+                <a:spcPts val="600"/>
+              </a:spcBef>
+              <a:spcAft>
+                <a:spcPts val="600"/>
+              </a:spcAft>
             </a:pPr>
             <a:r>
-              <a:rPr lang="en-US" altLang="ja-JP" i="1">
+              <a:rPr lang="en-US" altLang="ja-JP" i="1" dirty="0">
                 <a:latin typeface="Century Schoolbook" panose="02040604050505020304" pitchFamily="18" charset="0"/>
                 <a:ea typeface="メイリオ" panose="020B0604030504040204" pitchFamily="50" charset="-128"/>
               </a:rPr>
               <a:t>F </a:t>
             </a:r>
             <a:r>
-              <a:rPr lang="en-US" altLang="ja-JP">
+              <a:rPr lang="en-US" altLang="ja-JP" dirty="0">
                 <a:latin typeface="Century Schoolbook" panose="02040604050505020304" pitchFamily="18" charset="0"/>
                 <a:ea typeface="メイリオ" panose="020B0604030504040204" pitchFamily="50" charset="-128"/>
               </a:rPr>
               <a:t>= {4}</a:t>
             </a:r>
-            <a:endParaRPr lang="en-US" altLang="ja-JP">
+            <a:endParaRPr lang="en-US" altLang="ja-JP" dirty="0">
               <a:latin typeface="メイリオ" panose="020B0604030504040204" pitchFamily="50" charset="-128"/>
               <a:ea typeface="メイリオ" panose="020B0604030504040204" pitchFamily="50" charset="-128"/>
             </a:endParaRPr>
@@ -4935,90 +4884,96 @@
               <a:lnSpc>
                 <a:spcPct val="100000"/>
               </a:lnSpc>
+              <a:spcBef>
+                <a:spcPts val="600"/>
+              </a:spcBef>
+              <a:spcAft>
+                <a:spcPts val="600"/>
+              </a:spcAft>
             </a:pPr>
             <a:r>
-              <a:rPr lang="en-US" altLang="ja-JP" i="1">
+              <a:rPr lang="en-US" altLang="ja-JP" i="1" dirty="0">
                 <a:latin typeface="Century Schoolbook" panose="02040604050505020304" pitchFamily="18" charset="0"/>
                 <a:ea typeface="メイリオ" panose="020B0604030504040204" pitchFamily="50" charset="-128"/>
               </a:rPr>
               <a:t>E </a:t>
             </a:r>
             <a:r>
-              <a:rPr lang="en-US" altLang="ja-JP">
+              <a:rPr lang="en-US" altLang="ja-JP" dirty="0">
                 <a:latin typeface="Century Schoolbook" panose="02040604050505020304" pitchFamily="18" charset="0"/>
                 <a:ea typeface="メイリオ" panose="020B0604030504040204" pitchFamily="50" charset="-128"/>
               </a:rPr>
               <a:t>=</a:t>
             </a:r>
             <a:r>
-              <a:rPr lang="ja-JP" altLang="en-US">
+              <a:rPr lang="ja-JP" altLang="en-US" dirty="0">
                 <a:latin typeface="Century Schoolbook" panose="02040604050505020304" pitchFamily="18" charset="0"/>
                 <a:ea typeface="メイリオ" panose="020B0604030504040204" pitchFamily="50" charset="-128"/>
               </a:rPr>
               <a:t> </a:t>
             </a:r>
             <a:r>
-              <a:rPr lang="en-US" altLang="ja-JP">
+              <a:rPr lang="en-US" altLang="ja-JP" dirty="0">
                 <a:latin typeface="Century Schoolbook" panose="02040604050505020304" pitchFamily="18" charset="0"/>
                 <a:ea typeface="メイリオ" panose="020B0604030504040204" pitchFamily="50" charset="-128"/>
               </a:rPr>
               <a:t>{(0, </a:t>
             </a:r>
             <a:r>
-              <a:rPr lang="ja-JP" altLang="en-US">
+              <a:rPr lang="ja-JP" altLang="en-US" dirty="0">
                 <a:latin typeface="Century Schoolbook" panose="02040604050505020304" pitchFamily="18" charset="0"/>
                 <a:ea typeface="メイリオ" panose="020B0604030504040204" pitchFamily="50" charset="-128"/>
               </a:rPr>
               <a:t>名詞</a:t>
             </a:r>
             <a:r>
-              <a:rPr lang="en-US" altLang="ja-JP">
+              <a:rPr lang="en-US" altLang="ja-JP" dirty="0">
                 <a:latin typeface="Century Schoolbook" panose="02040604050505020304" pitchFamily="18" charset="0"/>
                 <a:ea typeface="メイリオ" panose="020B0604030504040204" pitchFamily="50" charset="-128"/>
               </a:rPr>
               <a:t>, 1), </a:t>
             </a:r>
             <a:br>
-              <a:rPr lang="en-US" altLang="ja-JP">
+              <a:rPr lang="en-US" altLang="ja-JP" dirty="0">
                 <a:latin typeface="Century Schoolbook" panose="02040604050505020304" pitchFamily="18" charset="0"/>
                 <a:ea typeface="メイリオ" panose="020B0604030504040204" pitchFamily="50" charset="-128"/>
               </a:rPr>
             </a:br>
             <a:r>
-              <a:rPr lang="en-US" altLang="ja-JP">
+              <a:rPr lang="en-US" altLang="ja-JP" dirty="0">
                 <a:latin typeface="Century Schoolbook" panose="02040604050505020304" pitchFamily="18" charset="0"/>
                 <a:ea typeface="メイリオ" panose="020B0604030504040204" pitchFamily="50" charset="-128"/>
               </a:rPr>
               <a:t>        (0, </a:t>
             </a:r>
             <a:r>
-              <a:rPr lang="ja-JP" altLang="en-US">
+              <a:rPr lang="ja-JP" altLang="en-US" dirty="0">
                 <a:latin typeface="Century Schoolbook" panose="02040604050505020304" pitchFamily="18" charset="0"/>
                 <a:ea typeface="メイリオ" panose="020B0604030504040204" pitchFamily="50" charset="-128"/>
               </a:rPr>
               <a:t>形容詞</a:t>
             </a:r>
             <a:r>
-              <a:rPr lang="en-US" altLang="ja-JP">
+              <a:rPr lang="en-US" altLang="ja-JP" dirty="0">
                 <a:latin typeface="Century Schoolbook" panose="02040604050505020304" pitchFamily="18" charset="0"/>
                 <a:ea typeface="メイリオ" panose="020B0604030504040204" pitchFamily="50" charset="-128"/>
               </a:rPr>
               <a:t>, 2), </a:t>
             </a:r>
             <a:br>
-              <a:rPr lang="en-US" altLang="ja-JP">
+              <a:rPr lang="en-US" altLang="ja-JP" dirty="0">
                 <a:latin typeface="Century Schoolbook" panose="02040604050505020304" pitchFamily="18" charset="0"/>
                 <a:ea typeface="メイリオ" panose="020B0604030504040204" pitchFamily="50" charset="-128"/>
               </a:rPr>
             </a:br>
             <a:r>
-              <a:rPr lang="en-US" altLang="ja-JP">
-                <a:latin typeface="Century Schoolbook" panose="02040604050505020304" pitchFamily="18" charset="0"/>
-                <a:ea typeface="メイリオ" panose="020B0604030504040204" pitchFamily="50" charset="-128"/>
-              </a:rPr>
-              <a:t>       ...}</a:t>
-            </a:r>
-            <a:endParaRPr lang="en-US" altLang="ja-JP">
+              <a:rPr lang="en-US" altLang="ja-JP" dirty="0">
+                <a:latin typeface="Century Schoolbook" panose="02040604050505020304" pitchFamily="18" charset="0"/>
+                <a:ea typeface="メイリオ" panose="020B0604030504040204" pitchFamily="50" charset="-128"/>
+              </a:rPr>
+              <a:t>          ...}</a:t>
+            </a:r>
+            <a:endParaRPr lang="en-US" altLang="ja-JP" dirty="0">
               <a:latin typeface="メイリオ" panose="020B0604030504040204" pitchFamily="50" charset="-128"/>
               <a:ea typeface="メイリオ" panose="020B0604030504040204" pitchFamily="50" charset="-128"/>
             </a:endParaRPr>
@@ -5071,7 +5026,12 @@
             <p:ph type="title"/>
           </p:nvPr>
         </p:nvSpPr>
-        <p:spPr/>
+        <p:spPr>
+          <a:xfrm>
+            <a:off x="838200" y="365125"/>
+            <a:ext cx="10515600" cy="856513"/>
+          </a:xfrm>
+        </p:spPr>
         <p:txBody>
           <a:bodyPr>
             <a:normAutofit/>
@@ -5079,7 +5039,7 @@
           <a:lstStyle/>
           <a:p>
             <a:r>
-              <a:rPr lang="en-US" altLang="ja-JP" sz="4000">
+              <a:rPr lang="en-US" altLang="ja-JP" sz="4000" dirty="0">
                 <a:solidFill>
                   <a:schemeClr val="accent1"/>
                 </a:solidFill>
@@ -5089,7 +5049,7 @@
               <a:t>4.1 </a:t>
             </a:r>
             <a:r>
-              <a:rPr lang="ja-JP" altLang="en-US" sz="4000">
+              <a:rPr lang="ja-JP" altLang="en-US" sz="4000" dirty="0">
                 <a:solidFill>
                   <a:schemeClr val="accent1"/>
                 </a:solidFill>
@@ -5098,13 +5058,6 @@
               </a:rPr>
               <a:t>有限状態オートマトンとは</a:t>
             </a:r>
-            <a:endParaRPr kumimoji="1" lang="ja-JP" altLang="en-US" sz="4000">
-              <a:solidFill>
-                <a:schemeClr val="accent1"/>
-              </a:solidFill>
-              <a:latin typeface="メイリオ" panose="020B0604030504040204" pitchFamily="50" charset="-128"/>
-              <a:ea typeface="メイリオ" panose="020B0604030504040204" pitchFamily="50" charset="-128"/>
-            </a:endParaRPr>
           </a:p>
         </p:txBody>
       </p:sp>
@@ -5126,8 +5079,8 @@
         </p:nvSpPr>
         <p:spPr>
           <a:xfrm>
-            <a:off x="628650" y="1600773"/>
-            <a:ext cx="7886700" cy="4351338"/>
+            <a:off x="838200" y="1344741"/>
+            <a:ext cx="10628986" cy="4351338"/>
           </a:xfrm>
         </p:spPr>
         <p:txBody>
@@ -5140,15 +5093,21 @@
               <a:lnSpc>
                 <a:spcPct val="100000"/>
               </a:lnSpc>
+              <a:spcBef>
+                <a:spcPts val="600"/>
+              </a:spcBef>
+              <a:spcAft>
+                <a:spcPts val="600"/>
+              </a:spcAft>
             </a:pPr>
             <a:r>
-              <a:rPr kumimoji="1" lang="ja-JP" altLang="en-US">
+              <a:rPr kumimoji="1" lang="ja-JP" altLang="en-US" dirty="0">
                 <a:latin typeface="メイリオ" panose="020B0604030504040204" pitchFamily="50" charset="-128"/>
                 <a:ea typeface="メイリオ" panose="020B0604030504040204" pitchFamily="50" charset="-128"/>
               </a:rPr>
               <a:t>決定性と非決定性</a:t>
             </a:r>
-            <a:endParaRPr kumimoji="1" lang="en-US" altLang="ja-JP">
+            <a:endParaRPr kumimoji="1" lang="en-US" altLang="ja-JP" dirty="0">
               <a:latin typeface="メイリオ" panose="020B0604030504040204" pitchFamily="50" charset="-128"/>
               <a:ea typeface="メイリオ" panose="020B0604030504040204" pitchFamily="50" charset="-128"/>
             </a:endParaRPr>
@@ -5158,15 +5117,21 @@
               <a:lnSpc>
                 <a:spcPct val="100000"/>
               </a:lnSpc>
+              <a:spcBef>
+                <a:spcPts val="600"/>
+              </a:spcBef>
+              <a:spcAft>
+                <a:spcPts val="600"/>
+              </a:spcAft>
             </a:pPr>
             <a:r>
-              <a:rPr kumimoji="1" lang="ja-JP" altLang="en-US">
+              <a:rPr kumimoji="1" lang="ja-JP" altLang="en-US" dirty="0">
                 <a:latin typeface="メイリオ" panose="020B0604030504040204" pitchFamily="50" charset="-128"/>
                 <a:ea typeface="メイリオ" panose="020B0604030504040204" pitchFamily="50" charset="-128"/>
               </a:rPr>
               <a:t>決定性オートマトン：現在の状態と入力記号から次状態が一つに定まる</a:t>
             </a:r>
-            <a:endParaRPr kumimoji="1" lang="en-US" altLang="ja-JP">
+            <a:endParaRPr kumimoji="1" lang="en-US" altLang="ja-JP" dirty="0">
               <a:latin typeface="メイリオ" panose="020B0604030504040204" pitchFamily="50" charset="-128"/>
               <a:ea typeface="メイリオ" panose="020B0604030504040204" pitchFamily="50" charset="-128"/>
             </a:endParaRPr>
@@ -5176,15 +5141,21 @@
               <a:lnSpc>
                 <a:spcPct val="100000"/>
               </a:lnSpc>
+              <a:spcBef>
+                <a:spcPts val="600"/>
+              </a:spcBef>
+              <a:spcAft>
+                <a:spcPts val="600"/>
+              </a:spcAft>
             </a:pPr>
             <a:r>
-              <a:rPr kumimoji="1" lang="ja-JP" altLang="en-US">
+              <a:rPr kumimoji="1" lang="ja-JP" altLang="en-US" dirty="0">
                 <a:latin typeface="メイリオ" panose="020B0604030504040204" pitchFamily="50" charset="-128"/>
                 <a:ea typeface="メイリオ" panose="020B0604030504040204" pitchFamily="50" charset="-128"/>
               </a:rPr>
               <a:t>非決定性オートマトン：上記条件で、次状態が一つに定まらない （同じ入力記号で異なる状態に遷移可能な場合）</a:t>
             </a:r>
-            <a:endParaRPr kumimoji="1" lang="en-US" altLang="ja-JP">
+            <a:endParaRPr kumimoji="1" lang="en-US" altLang="ja-JP" dirty="0">
               <a:latin typeface="メイリオ" panose="020B0604030504040204" pitchFamily="50" charset="-128"/>
               <a:ea typeface="メイリオ" panose="020B0604030504040204" pitchFamily="50" charset="-128"/>
             </a:endParaRPr>
@@ -5194,36 +5165,42 @@
               <a:lnSpc>
                 <a:spcPct val="100000"/>
               </a:lnSpc>
+              <a:spcBef>
+                <a:spcPts val="600"/>
+              </a:spcBef>
+              <a:spcAft>
+                <a:spcPts val="600"/>
+              </a:spcAft>
             </a:pPr>
             <a:r>
-              <a:rPr kumimoji="1" lang="ja-JP" altLang="en-US">
+              <a:rPr kumimoji="1" lang="ja-JP" altLang="en-US" dirty="0">
                 <a:latin typeface="メイリオ" panose="020B0604030504040204" pitchFamily="50" charset="-128"/>
                 <a:ea typeface="メイリオ" panose="020B0604030504040204" pitchFamily="50" charset="-128"/>
               </a:rPr>
               <a:t>入力記号に空文字列 </a:t>
             </a:r>
             <a:r>
-              <a:rPr kumimoji="1" lang="en-US" altLang="ja-JP" i="1">
+              <a:rPr kumimoji="1" lang="en-US" altLang="ja-JP" i="1" dirty="0">
                 <a:latin typeface="Century Schoolbook" panose="02040604050505020304" pitchFamily="18" charset="0"/>
                 <a:ea typeface="メイリオ" panose="020B0604030504040204" pitchFamily="50" charset="-128"/>
               </a:rPr>
               <a:t>ε</a:t>
             </a:r>
             <a:r>
-              <a:rPr kumimoji="1" lang="en-US" altLang="ja-JP">
+              <a:rPr kumimoji="1" lang="en-US" altLang="ja-JP" dirty="0">
                 <a:latin typeface="メイリオ" panose="020B0604030504040204" pitchFamily="50" charset="-128"/>
                 <a:ea typeface="メイリオ" panose="020B0604030504040204" pitchFamily="50" charset="-128"/>
               </a:rPr>
               <a:t> </a:t>
             </a:r>
             <a:r>
-              <a:rPr kumimoji="1" lang="ja-JP" altLang="en-US">
+              <a:rPr kumimoji="1" lang="ja-JP" altLang="en-US" dirty="0">
                 <a:latin typeface="メイリオ" panose="020B0604030504040204" pitchFamily="50" charset="-128"/>
                 <a:ea typeface="メイリオ" panose="020B0604030504040204" pitchFamily="50" charset="-128"/>
               </a:rPr>
               <a:t>を含む場合は、必然的に非決定的になる</a:t>
             </a:r>
-            <a:endParaRPr kumimoji="1" lang="en-US" altLang="ja-JP">
+            <a:endParaRPr kumimoji="1" lang="en-US" altLang="ja-JP" dirty="0">
               <a:latin typeface="メイリオ" panose="020B0604030504040204" pitchFamily="50" charset="-128"/>
               <a:ea typeface="メイリオ" panose="020B0604030504040204" pitchFamily="50" charset="-128"/>
             </a:endParaRPr>
@@ -5276,7 +5253,12 @@
             <p:ph type="title"/>
           </p:nvPr>
         </p:nvSpPr>
-        <p:spPr/>
+        <p:spPr>
+          <a:xfrm>
+            <a:off x="691896" y="335865"/>
+            <a:ext cx="10515600" cy="790677"/>
+          </a:xfrm>
+        </p:spPr>
         <p:txBody>
           <a:bodyPr>
             <a:normAutofit/>
@@ -5284,7 +5266,7 @@
           <a:lstStyle/>
           <a:p>
             <a:r>
-              <a:rPr lang="en-US" altLang="ja-JP" sz="3200">
+              <a:rPr lang="en-US" altLang="ja-JP" sz="3200" dirty="0">
                 <a:solidFill>
                   <a:schemeClr val="accent1"/>
                 </a:solidFill>
@@ -5294,7 +5276,7 @@
               <a:t>4.2 </a:t>
             </a:r>
             <a:r>
-              <a:rPr lang="ja-JP" altLang="en-US" sz="3200">
+              <a:rPr lang="ja-JP" altLang="en-US" sz="3200" dirty="0">
                 <a:solidFill>
                   <a:schemeClr val="accent1"/>
                 </a:solidFill>
@@ -5303,13 +5285,6 @@
               </a:rPr>
               <a:t>有限状態オートマトンが表現する言語</a:t>
             </a:r>
-            <a:endParaRPr kumimoji="1" lang="ja-JP" altLang="en-US" sz="3200">
-              <a:solidFill>
-                <a:schemeClr val="accent1"/>
-              </a:solidFill>
-              <a:latin typeface="メイリオ" panose="020B0604030504040204" pitchFamily="50" charset="-128"/>
-              <a:ea typeface="メイリオ" panose="020B0604030504040204" pitchFamily="50" charset="-128"/>
-            </a:endParaRPr>
           </a:p>
         </p:txBody>
       </p:sp>
@@ -5331,8 +5306,8 @@
         </p:nvSpPr>
         <p:spPr>
           <a:xfrm>
-            <a:off x="628650" y="1600772"/>
-            <a:ext cx="7886700" cy="4755057"/>
+            <a:off x="914399" y="1126542"/>
+            <a:ext cx="9110320" cy="4755057"/>
           </a:xfrm>
         </p:spPr>
         <p:txBody>
@@ -5343,22 +5318,28 @@
               <a:lnSpc>
                 <a:spcPct val="100000"/>
               </a:lnSpc>
+              <a:spcBef>
+                <a:spcPts val="600"/>
+              </a:spcBef>
+              <a:spcAft>
+                <a:spcPts val="600"/>
+              </a:spcAft>
             </a:pPr>
             <a:r>
-              <a:rPr kumimoji="1" lang="en-US" altLang="ja-JP">
+              <a:rPr kumimoji="1" lang="en-US" altLang="ja-JP" dirty="0">
                 <a:latin typeface="メイリオ" panose="020B0604030504040204" pitchFamily="50" charset="-128"/>
                 <a:ea typeface="メイリオ" panose="020B0604030504040204" pitchFamily="50" charset="-128"/>
               </a:rPr>
               <a:t>FSA</a:t>
             </a:r>
             <a:r>
-              <a:rPr kumimoji="1" lang="ja-JP" altLang="en-US">
+              <a:rPr kumimoji="1" lang="ja-JP" altLang="en-US" dirty="0">
                 <a:latin typeface="メイリオ" panose="020B0604030504040204" pitchFamily="50" charset="-128"/>
                 <a:ea typeface="メイリオ" panose="020B0604030504040204" pitchFamily="50" charset="-128"/>
               </a:rPr>
               <a:t>で表現できる言語＝正規言語</a:t>
             </a:r>
-            <a:endParaRPr kumimoji="1" lang="en-US" altLang="ja-JP">
+            <a:endParaRPr kumimoji="1" lang="en-US" altLang="ja-JP" dirty="0">
               <a:latin typeface="メイリオ" panose="020B0604030504040204" pitchFamily="50" charset="-128"/>
               <a:ea typeface="メイリオ" panose="020B0604030504040204" pitchFamily="50" charset="-128"/>
             </a:endParaRPr>
@@ -5368,15 +5349,21 @@
               <a:lnSpc>
                 <a:spcPct val="100000"/>
               </a:lnSpc>
+              <a:spcBef>
+                <a:spcPts val="600"/>
+              </a:spcBef>
+              <a:spcAft>
+                <a:spcPts val="600"/>
+              </a:spcAft>
             </a:pPr>
             <a:r>
-              <a:rPr kumimoji="1" lang="ja-JP" altLang="en-US">
+              <a:rPr kumimoji="1" lang="ja-JP" altLang="en-US" dirty="0">
                 <a:latin typeface="メイリオ" panose="020B0604030504040204" pitchFamily="50" charset="-128"/>
                 <a:ea typeface="メイリオ" panose="020B0604030504040204" pitchFamily="50" charset="-128"/>
               </a:rPr>
               <a:t>正規言語の定義</a:t>
             </a:r>
-            <a:endParaRPr kumimoji="1" lang="en-US" altLang="ja-JP">
+            <a:endParaRPr kumimoji="1" lang="en-US" altLang="ja-JP" dirty="0">
               <a:latin typeface="メイリオ" panose="020B0604030504040204" pitchFamily="50" charset="-128"/>
               <a:ea typeface="メイリオ" panose="020B0604030504040204" pitchFamily="50" charset="-128"/>
             </a:endParaRPr>
@@ -5386,17 +5373,23 @@
               <a:lnSpc>
                 <a:spcPct val="100000"/>
               </a:lnSpc>
+              <a:spcBef>
+                <a:spcPts val="600"/>
+              </a:spcBef>
+              <a:spcAft>
+                <a:spcPts val="600"/>
+              </a:spcAft>
               <a:buFont typeface="+mj-lt"/>
               <a:buAutoNum type="arabicPeriod"/>
             </a:pPr>
             <a:r>
-              <a:rPr lang="ja-JP" altLang="en-US">
+              <a:rPr lang="ja-JP" altLang="en-US" dirty="0">
                 <a:latin typeface="メイリオ" panose="020B0604030504040204" pitchFamily="50" charset="-128"/>
                 <a:ea typeface="メイリオ" panose="020B0604030504040204" pitchFamily="50" charset="-128"/>
               </a:rPr>
               <a:t>空集合は正規言語である</a:t>
             </a:r>
-            <a:endParaRPr lang="en-US" altLang="ja-JP">
+            <a:endParaRPr lang="en-US" altLang="ja-JP" dirty="0">
               <a:latin typeface="メイリオ" panose="020B0604030504040204" pitchFamily="50" charset="-128"/>
               <a:ea typeface="メイリオ" panose="020B0604030504040204" pitchFamily="50" charset="-128"/>
             </a:endParaRPr>
@@ -5406,108 +5399,114 @@
               <a:lnSpc>
                 <a:spcPct val="100000"/>
               </a:lnSpc>
+              <a:spcBef>
+                <a:spcPts val="600"/>
+              </a:spcBef>
+              <a:spcAft>
+                <a:spcPts val="600"/>
+              </a:spcAft>
               <a:buFont typeface="+mj-lt"/>
               <a:buAutoNum type="arabicPeriod"/>
             </a:pPr>
             <a:r>
-              <a:rPr kumimoji="1" lang="ja-JP" altLang="en-US">
+              <a:rPr kumimoji="1" lang="ja-JP" altLang="en-US" dirty="0">
                 <a:latin typeface="メイリオ" panose="020B0604030504040204" pitchFamily="50" charset="-128"/>
                 <a:ea typeface="メイリオ" panose="020B0604030504040204" pitchFamily="50" charset="-128"/>
               </a:rPr>
               <a:t>すべての </a:t>
             </a:r>
             <a:r>
-              <a:rPr kumimoji="1" lang="en-US" altLang="ja-JP" i="1">
+              <a:rPr kumimoji="1" lang="en-US" altLang="ja-JP" i="1" dirty="0">
                 <a:latin typeface="Century Schoolbook" panose="02040604050505020304" pitchFamily="18" charset="0"/>
                 <a:ea typeface="メイリオ" panose="020B0604030504040204" pitchFamily="50" charset="-128"/>
               </a:rPr>
               <a:t>a</a:t>
             </a:r>
             <a:r>
-              <a:rPr kumimoji="1" lang="en-US" altLang="ja-JP">
+              <a:rPr kumimoji="1" lang="en-US" altLang="ja-JP" dirty="0">
                 <a:latin typeface="Century Schoolbook" panose="02040604050505020304" pitchFamily="18" charset="0"/>
                 <a:ea typeface="メイリオ" panose="020B0604030504040204" pitchFamily="50" charset="-128"/>
               </a:rPr>
               <a:t> </a:t>
             </a:r>
             <a:r>
-              <a:rPr kumimoji="1" lang="ja-JP" altLang="en-US">
+              <a:rPr kumimoji="1" lang="ja-JP" altLang="en-US" dirty="0">
                 <a:latin typeface="Century Schoolbook" panose="02040604050505020304" pitchFamily="18" charset="0"/>
                 <a:ea typeface="メイリオ" panose="020B0604030504040204" pitchFamily="50" charset="-128"/>
               </a:rPr>
               <a:t>⊆ </a:t>
             </a:r>
             <a:r>
-              <a:rPr kumimoji="1" lang="en-US" altLang="ja-JP">
+              <a:rPr kumimoji="1" lang="en-US" altLang="ja-JP" dirty="0">
                 <a:latin typeface="Century Schoolbook" panose="02040604050505020304" pitchFamily="18" charset="0"/>
                 <a:ea typeface="メイリオ" panose="020B0604030504040204" pitchFamily="50" charset="-128"/>
               </a:rPr>
               <a:t>(</a:t>
             </a:r>
             <a:r>
-              <a:rPr kumimoji="1" lang="en-US" altLang="ja-JP" i="1">
+              <a:rPr kumimoji="1" lang="en-US" altLang="ja-JP" i="1" dirty="0">
                 <a:latin typeface="Century Schoolbook" panose="02040604050505020304" pitchFamily="18" charset="0"/>
                 <a:ea typeface="メイリオ" panose="020B0604030504040204" pitchFamily="50" charset="-128"/>
               </a:rPr>
               <a:t>Σ</a:t>
             </a:r>
             <a:r>
-              <a:rPr kumimoji="1" lang="ja-JP" altLang="en-US">
+              <a:rPr kumimoji="1" lang="ja-JP" altLang="en-US" dirty="0">
                 <a:latin typeface="Century Schoolbook" panose="02040604050505020304" pitchFamily="18" charset="0"/>
                 <a:ea typeface="メイリオ" panose="020B0604030504040204" pitchFamily="50" charset="-128"/>
               </a:rPr>
               <a:t>∪</a:t>
             </a:r>
             <a:r>
-              <a:rPr kumimoji="1" lang="en-US" altLang="ja-JP" i="1">
+              <a:rPr kumimoji="1" lang="en-US" altLang="ja-JP" i="1" dirty="0">
                 <a:latin typeface="Century Schoolbook" panose="02040604050505020304" pitchFamily="18" charset="0"/>
                 <a:ea typeface="メイリオ" panose="020B0604030504040204" pitchFamily="50" charset="-128"/>
               </a:rPr>
               <a:t>ε</a:t>
             </a:r>
             <a:r>
-              <a:rPr kumimoji="1" lang="en-US" altLang="ja-JP">
+              <a:rPr kumimoji="1" lang="en-US" altLang="ja-JP" dirty="0">
                 <a:latin typeface="Century Schoolbook" panose="02040604050505020304" pitchFamily="18" charset="0"/>
                 <a:ea typeface="メイリオ" panose="020B0604030504040204" pitchFamily="50" charset="-128"/>
               </a:rPr>
               <a:t>) </a:t>
             </a:r>
             <a:r>
-              <a:rPr kumimoji="1" lang="ja-JP" altLang="en-US">
+              <a:rPr kumimoji="1" lang="ja-JP" altLang="en-US" dirty="0">
                 <a:latin typeface="メイリオ" panose="020B0604030504040204" pitchFamily="50" charset="-128"/>
                 <a:ea typeface="メイリオ" panose="020B0604030504040204" pitchFamily="50" charset="-128"/>
               </a:rPr>
               <a:t>に対して、</a:t>
             </a:r>
             <a:r>
-              <a:rPr kumimoji="1" lang="en-US" altLang="ja-JP">
+              <a:rPr kumimoji="1" lang="en-US" altLang="ja-JP" dirty="0">
                 <a:latin typeface="Century Schoolbook" panose="02040604050505020304" pitchFamily="18" charset="0"/>
                 <a:ea typeface="メイリオ" panose="020B0604030504040204" pitchFamily="50" charset="-128"/>
               </a:rPr>
               <a:t>{</a:t>
             </a:r>
             <a:r>
-              <a:rPr kumimoji="1" lang="en-US" altLang="ja-JP" i="1">
+              <a:rPr kumimoji="1" lang="en-US" altLang="ja-JP" i="1" dirty="0">
                 <a:latin typeface="Century Schoolbook" panose="02040604050505020304" pitchFamily="18" charset="0"/>
                 <a:ea typeface="メイリオ" panose="020B0604030504040204" pitchFamily="50" charset="-128"/>
               </a:rPr>
               <a:t>a</a:t>
             </a:r>
             <a:r>
-              <a:rPr kumimoji="1" lang="en-US" altLang="ja-JP">
+              <a:rPr kumimoji="1" lang="en-US" altLang="ja-JP" dirty="0">
                 <a:latin typeface="Century Schoolbook" panose="02040604050505020304" pitchFamily="18" charset="0"/>
                 <a:ea typeface="メイリオ" panose="020B0604030504040204" pitchFamily="50" charset="-128"/>
               </a:rPr>
               <a:t>}</a:t>
             </a:r>
             <a:r>
-              <a:rPr kumimoji="1" lang="ja-JP" altLang="en-US">
+              <a:rPr kumimoji="1" lang="ja-JP" altLang="en-US" dirty="0">
                 <a:latin typeface="メイリオ" panose="020B0604030504040204" pitchFamily="50" charset="-128"/>
                 <a:ea typeface="メイリオ" panose="020B0604030504040204" pitchFamily="50" charset="-128"/>
               </a:rPr>
               <a:t>は正規言語である</a:t>
             </a:r>
-            <a:endParaRPr kumimoji="1" lang="en-US" altLang="ja-JP">
+            <a:endParaRPr kumimoji="1" lang="en-US" altLang="ja-JP" dirty="0">
               <a:latin typeface="メイリオ" panose="020B0604030504040204" pitchFamily="50" charset="-128"/>
               <a:ea typeface="メイリオ" panose="020B0604030504040204" pitchFamily="50" charset="-128"/>
             </a:endParaRPr>
@@ -5517,38 +5516,44 @@
               <a:lnSpc>
                 <a:spcPct val="100000"/>
               </a:lnSpc>
+              <a:spcBef>
+                <a:spcPts val="600"/>
+              </a:spcBef>
+              <a:spcAft>
+                <a:spcPts val="600"/>
+              </a:spcAft>
               <a:buFont typeface="+mj-lt"/>
               <a:buAutoNum type="arabicPeriod"/>
             </a:pPr>
             <a:r>
-              <a:rPr kumimoji="1" lang="en-US" altLang="ja-JP">
+              <a:rPr kumimoji="1" lang="en-US" altLang="ja-JP" dirty="0">
                 <a:latin typeface="Century Schoolbook" panose="02040604050505020304" pitchFamily="18" charset="0"/>
                 <a:ea typeface="メイリオ" panose="020B0604030504040204" pitchFamily="50" charset="-128"/>
               </a:rPr>
               <a:t>α</a:t>
             </a:r>
             <a:r>
-              <a:rPr kumimoji="1" lang="ja-JP" altLang="en-US">
+              <a:rPr kumimoji="1" lang="ja-JP" altLang="en-US" dirty="0">
                 <a:latin typeface="メイリオ" panose="020B0604030504040204" pitchFamily="50" charset="-128"/>
                 <a:ea typeface="メイリオ" panose="020B0604030504040204" pitchFamily="50" charset="-128"/>
               </a:rPr>
               <a:t>と</a:t>
             </a:r>
             <a:r>
-              <a:rPr kumimoji="1" lang="en-US" altLang="ja-JP">
+              <a:rPr kumimoji="1" lang="en-US" altLang="ja-JP" dirty="0">
                 <a:latin typeface="Century Schoolbook" panose="02040604050505020304" pitchFamily="18" charset="0"/>
                 <a:ea typeface="メイリオ" panose="020B0604030504040204" pitchFamily="50" charset="-128"/>
               </a:rPr>
               <a:t>β</a:t>
             </a:r>
             <a:r>
-              <a:rPr kumimoji="1" lang="ja-JP" altLang="en-US">
+              <a:rPr kumimoji="1" lang="ja-JP" altLang="en-US" dirty="0">
                 <a:latin typeface="メイリオ" panose="020B0604030504040204" pitchFamily="50" charset="-128"/>
                 <a:ea typeface="メイリオ" panose="020B0604030504040204" pitchFamily="50" charset="-128"/>
               </a:rPr>
               <a:t>が正規言語であるとき、以下も正規言語である</a:t>
             </a:r>
-            <a:endParaRPr kumimoji="1" lang="en-US" altLang="ja-JP">
+            <a:endParaRPr kumimoji="1" lang="en-US" altLang="ja-JP" dirty="0">
               <a:latin typeface="メイリオ" panose="020B0604030504040204" pitchFamily="50" charset="-128"/>
               <a:ea typeface="メイリオ" panose="020B0604030504040204" pitchFamily="50" charset="-128"/>
             </a:endParaRPr>
@@ -5558,38 +5563,44 @@
               <a:lnSpc>
                 <a:spcPct val="100000"/>
               </a:lnSpc>
+              <a:spcBef>
+                <a:spcPts val="600"/>
+              </a:spcBef>
+              <a:spcAft>
+                <a:spcPts val="600"/>
+              </a:spcAft>
               <a:buFont typeface="+mj-lt"/>
               <a:buAutoNum type="alphaLcPeriod"/>
             </a:pPr>
             <a:r>
-              <a:rPr kumimoji="1" lang="ja-JP" altLang="en-US">
+              <a:rPr kumimoji="1" lang="ja-JP" altLang="en-US" dirty="0">
                 <a:latin typeface="メイリオ" panose="020B0604030504040204" pitchFamily="50" charset="-128"/>
                 <a:ea typeface="メイリオ" panose="020B0604030504040204" pitchFamily="50" charset="-128"/>
               </a:rPr>
               <a:t>連接 </a:t>
             </a:r>
             <a:r>
-              <a:rPr lang="en-US" altLang="ja-JP">
+              <a:rPr lang="en-US" altLang="ja-JP" dirty="0">
                 <a:latin typeface="Century Schoolbook" panose="02040604050505020304" pitchFamily="18" charset="0"/>
                 <a:ea typeface="メイリオ" panose="020B0604030504040204" pitchFamily="50" charset="-128"/>
               </a:rPr>
               <a:t>α</a:t>
             </a:r>
             <a:r>
-              <a:rPr lang="ja-JP" altLang="en-US">
+              <a:rPr lang="ja-JP" altLang="en-US" dirty="0">
                 <a:latin typeface="Century Schoolbook" panose="02040604050505020304" pitchFamily="18" charset="0"/>
                 <a:ea typeface="メイリオ" panose="020B0604030504040204" pitchFamily="50" charset="-128"/>
               </a:rPr>
               <a:t>・</a:t>
             </a:r>
             <a:r>
-              <a:rPr lang="en-US" altLang="ja-JP">
+              <a:rPr lang="en-US" altLang="ja-JP" dirty="0">
                 <a:latin typeface="Century Schoolbook" panose="02040604050505020304" pitchFamily="18" charset="0"/>
                 <a:ea typeface="メイリオ" panose="020B0604030504040204" pitchFamily="50" charset="-128"/>
               </a:rPr>
               <a:t>β</a:t>
             </a:r>
-            <a:endParaRPr kumimoji="1" lang="en-US" altLang="ja-JP">
+            <a:endParaRPr kumimoji="1" lang="en-US" altLang="ja-JP" dirty="0">
               <a:latin typeface="メイリオ" panose="020B0604030504040204" pitchFamily="50" charset="-128"/>
               <a:ea typeface="メイリオ" panose="020B0604030504040204" pitchFamily="50" charset="-128"/>
             </a:endParaRPr>
@@ -5599,52 +5610,58 @@
               <a:lnSpc>
                 <a:spcPct val="100000"/>
               </a:lnSpc>
+              <a:spcBef>
+                <a:spcPts val="600"/>
+              </a:spcBef>
+              <a:spcAft>
+                <a:spcPts val="600"/>
+              </a:spcAft>
               <a:buFont typeface="+mj-lt"/>
               <a:buAutoNum type="alphaLcPeriod"/>
             </a:pPr>
             <a:r>
-              <a:rPr kumimoji="1" lang="ja-JP" altLang="en-US">
+              <a:rPr kumimoji="1" lang="ja-JP" altLang="en-US" dirty="0">
                 <a:latin typeface="メイリオ" panose="020B0604030504040204" pitchFamily="50" charset="-128"/>
                 <a:ea typeface="メイリオ" panose="020B0604030504040204" pitchFamily="50" charset="-128"/>
               </a:rPr>
               <a:t>選択 </a:t>
             </a:r>
             <a:r>
-              <a:rPr lang="en-US" altLang="ja-JP">
+              <a:rPr lang="en-US" altLang="ja-JP" dirty="0">
                 <a:latin typeface="Century Schoolbook" panose="02040604050505020304" pitchFamily="18" charset="0"/>
                 <a:ea typeface="メイリオ" panose="020B0604030504040204" pitchFamily="50" charset="-128"/>
               </a:rPr>
               <a:t>α</a:t>
             </a:r>
             <a:r>
-              <a:rPr lang="ja-JP" altLang="en-US">
+              <a:rPr lang="ja-JP" altLang="en-US" dirty="0">
                 <a:latin typeface="メイリオ" panose="020B0604030504040204" pitchFamily="50" charset="-128"/>
                 <a:ea typeface="メイリオ" panose="020B0604030504040204" pitchFamily="50" charset="-128"/>
               </a:rPr>
               <a:t> </a:t>
             </a:r>
             <a:r>
-              <a:rPr lang="en-US" altLang="ja-JP">
+              <a:rPr lang="en-US" altLang="ja-JP" dirty="0">
                 <a:latin typeface="メイリオ" panose="020B0604030504040204" pitchFamily="50" charset="-128"/>
                 <a:ea typeface="メイリオ" panose="020B0604030504040204" pitchFamily="50" charset="-128"/>
               </a:rPr>
               <a:t>|</a:t>
             </a:r>
             <a:r>
-              <a:rPr lang="ja-JP" altLang="en-US">
+              <a:rPr lang="ja-JP" altLang="en-US" dirty="0">
                 <a:latin typeface="メイリオ" panose="020B0604030504040204" pitchFamily="50" charset="-128"/>
                 <a:ea typeface="メイリオ" panose="020B0604030504040204" pitchFamily="50" charset="-128"/>
               </a:rPr>
               <a:t> </a:t>
             </a:r>
             <a:r>
-              <a:rPr lang="en-US" altLang="ja-JP">
+              <a:rPr lang="en-US" altLang="ja-JP" dirty="0">
                 <a:latin typeface="Century Schoolbook" panose="02040604050505020304" pitchFamily="18" charset="0"/>
                 <a:ea typeface="メイリオ" panose="020B0604030504040204" pitchFamily="50" charset="-128"/>
               </a:rPr>
               <a:t>β</a:t>
             </a:r>
-            <a:endParaRPr kumimoji="1" lang="en-US" altLang="ja-JP">
+            <a:endParaRPr kumimoji="1" lang="en-US" altLang="ja-JP" dirty="0">
               <a:latin typeface="メイリオ" panose="020B0604030504040204" pitchFamily="50" charset="-128"/>
               <a:ea typeface="メイリオ" panose="020B0604030504040204" pitchFamily="50" charset="-128"/>
             </a:endParaRPr>
@@ -5654,31 +5671,37 @@
               <a:lnSpc>
                 <a:spcPct val="100000"/>
               </a:lnSpc>
+              <a:spcBef>
+                <a:spcPts val="600"/>
+              </a:spcBef>
+              <a:spcAft>
+                <a:spcPts val="600"/>
+              </a:spcAft>
               <a:buFont typeface="+mj-lt"/>
               <a:buAutoNum type="alphaLcPeriod"/>
             </a:pPr>
             <a:r>
-              <a:rPr kumimoji="1" lang="ja-JP" altLang="en-US">
+              <a:rPr kumimoji="1" lang="ja-JP" altLang="en-US" dirty="0">
                 <a:latin typeface="メイリオ" panose="020B0604030504040204" pitchFamily="50" charset="-128"/>
                 <a:ea typeface="メイリオ" panose="020B0604030504040204" pitchFamily="50" charset="-128"/>
               </a:rPr>
               <a:t>繰り返し </a:t>
             </a:r>
             <a:r>
-              <a:rPr lang="en-US" altLang="ja-JP">
+              <a:rPr lang="en-US" altLang="ja-JP" dirty="0">
                 <a:latin typeface="Century Schoolbook" panose="02040604050505020304" pitchFamily="18" charset="0"/>
                 <a:ea typeface="メイリオ" panose="020B0604030504040204" pitchFamily="50" charset="-128"/>
               </a:rPr>
               <a:t>α</a:t>
             </a:r>
             <a:r>
-              <a:rPr lang="en-US" altLang="ja-JP">
+              <a:rPr lang="en-US" altLang="ja-JP" dirty="0">
                 <a:latin typeface="メイリオ" panose="020B0604030504040204" pitchFamily="50" charset="-128"/>
                 <a:ea typeface="メイリオ" panose="020B0604030504040204" pitchFamily="50" charset="-128"/>
               </a:rPr>
               <a:t>*</a:t>
             </a:r>
-            <a:endParaRPr kumimoji="1" lang="en-US" altLang="ja-JP">
+            <a:endParaRPr kumimoji="1" lang="en-US" altLang="ja-JP" dirty="0">
               <a:latin typeface="メイリオ" panose="020B0604030504040204" pitchFamily="50" charset="-128"/>
               <a:ea typeface="メイリオ" panose="020B0604030504040204" pitchFamily="50" charset="-128"/>
             </a:endParaRPr>
@@ -5688,11 +5711,17 @@
               <a:lnSpc>
                 <a:spcPct val="100000"/>
               </a:lnSpc>
+              <a:spcBef>
+                <a:spcPts val="600"/>
+              </a:spcBef>
+              <a:spcAft>
+                <a:spcPts val="600"/>
+              </a:spcAft>
               <a:buFont typeface="+mj-lt"/>
               <a:buAutoNum type="arabicPeriod"/>
             </a:pPr>
             <a:r>
-              <a:rPr kumimoji="1" lang="ja-JP" altLang="en-US">
+              <a:rPr kumimoji="1" lang="ja-JP" altLang="en-US" dirty="0">
                 <a:latin typeface="メイリオ" panose="020B0604030504040204" pitchFamily="50" charset="-128"/>
                 <a:ea typeface="メイリオ" panose="020B0604030504040204" pitchFamily="50" charset="-128"/>
               </a:rPr>
@@ -5731,135 +5760,6 @@
           <a:chExt cx="0" cy="0"/>
         </a:xfrm>
       </p:grpSpPr>
-      <p:sp>
-        <p:nvSpPr>
-          <p:cNvPr id="2" name="タイトル 1">
-            <a:extLst>
-              <a:ext uri="{FF2B5EF4-FFF2-40B4-BE49-F238E27FC236}">
-                <a16:creationId xmlns:a16="http://schemas.microsoft.com/office/drawing/2014/main" id="{2F81EDAD-3483-4C98-A43B-982B29E2896A}"/>
-              </a:ext>
-            </a:extLst>
-          </p:cNvPr>
-          <p:cNvSpPr>
-            <a:spLocks noGrp="1"/>
-          </p:cNvSpPr>
-          <p:nvPr>
-            <p:ph type="title"/>
-          </p:nvPr>
-        </p:nvSpPr>
-        <p:spPr>
-          <a:xfrm>
-            <a:off x="628650" y="365126"/>
-            <a:ext cx="8013180" cy="1325563"/>
-          </a:xfrm>
-        </p:spPr>
-        <p:txBody>
-          <a:bodyPr>
-            <a:normAutofit/>
-          </a:bodyPr>
-          <a:lstStyle/>
-          <a:p>
-            <a:r>
-              <a:rPr lang="en-US" altLang="ja-JP" sz="3600">
-                <a:solidFill>
-                  <a:schemeClr val="accent1"/>
-                </a:solidFill>
-                <a:latin typeface="メイリオ" panose="020B0604030504040204" pitchFamily="50" charset="-128"/>
-                <a:ea typeface="メイリオ" panose="020B0604030504040204" pitchFamily="50" charset="-128"/>
-              </a:rPr>
-              <a:t>4.3 </a:t>
-            </a:r>
-            <a:r>
-              <a:rPr lang="ja-JP" altLang="en-US" sz="3600">
-                <a:solidFill>
-                  <a:schemeClr val="accent1"/>
-                </a:solidFill>
-                <a:latin typeface="メイリオ" panose="020B0604030504040204" pitchFamily="50" charset="-128"/>
-                <a:ea typeface="メイリオ" panose="020B0604030504040204" pitchFamily="50" charset="-128"/>
-              </a:rPr>
-              <a:t>さまざまな有限状態オートマトン</a:t>
-            </a:r>
-            <a:endParaRPr kumimoji="1" lang="ja-JP" altLang="en-US" sz="3600">
-              <a:solidFill>
-                <a:schemeClr val="accent1"/>
-              </a:solidFill>
-              <a:latin typeface="メイリオ" panose="020B0604030504040204" pitchFamily="50" charset="-128"/>
-              <a:ea typeface="メイリオ" panose="020B0604030504040204" pitchFamily="50" charset="-128"/>
-            </a:endParaRPr>
-          </a:p>
-        </p:txBody>
-      </p:sp>
-      <p:sp>
-        <p:nvSpPr>
-          <p:cNvPr id="4" name="コンテンツ プレースホルダー 2">
-            <a:extLst>
-              <a:ext uri="{FF2B5EF4-FFF2-40B4-BE49-F238E27FC236}">
-                <a16:creationId xmlns:a16="http://schemas.microsoft.com/office/drawing/2014/main" id="{28BEF61E-13C2-4A1A-ABF7-D80B97971FE4}"/>
-              </a:ext>
-            </a:extLst>
-          </p:cNvPr>
-          <p:cNvSpPr>
-            <a:spLocks noGrp="1"/>
-          </p:cNvSpPr>
-          <p:nvPr>
-            <p:ph idx="1"/>
-          </p:nvPr>
-        </p:nvSpPr>
-        <p:spPr>
-          <a:xfrm>
-            <a:off x="628650" y="1600773"/>
-            <a:ext cx="7886700" cy="4351338"/>
-          </a:xfrm>
-        </p:spPr>
-        <p:txBody>
-          <a:bodyPr/>
-          <a:lstStyle/>
-          <a:p>
-            <a:r>
-              <a:rPr kumimoji="1" lang="en-US" altLang="ja-JP">
-                <a:latin typeface="メイリオ" panose="020B0604030504040204" pitchFamily="50" charset="-128"/>
-                <a:ea typeface="メイリオ" panose="020B0604030504040204" pitchFamily="50" charset="-128"/>
-              </a:rPr>
-              <a:t>FSA</a:t>
-            </a:r>
-          </a:p>
-          <a:p>
-            <a:pPr lvl="1"/>
-            <a:r>
-              <a:rPr kumimoji="1" lang="ja-JP" altLang="en-US">
-                <a:latin typeface="Century Schoolbook" panose="02040604050505020304" pitchFamily="18" charset="0"/>
-                <a:ea typeface="メイリオ" panose="020B0604030504040204" pitchFamily="50" charset="-128"/>
-              </a:rPr>
-              <a:t>構成要素：</a:t>
-            </a:r>
-            <a:r>
-              <a:rPr kumimoji="1" lang="en-US" altLang="ja-JP">
-                <a:latin typeface="Century Schoolbook" panose="02040604050505020304" pitchFamily="18" charset="0"/>
-                <a:ea typeface="メイリオ" panose="020B0604030504040204" pitchFamily="50" charset="-128"/>
-              </a:rPr>
-              <a:t>{</a:t>
-            </a:r>
-            <a:r>
-              <a:rPr lang="en-US" altLang="ja-JP" i="1">
-                <a:latin typeface="Century Schoolbook" panose="02040604050505020304" pitchFamily="18" charset="0"/>
-                <a:ea typeface="メイリオ" panose="020B0604030504040204" pitchFamily="50" charset="-128"/>
-              </a:rPr>
-              <a:t>Σ, Q, I, F, E</a:t>
-            </a:r>
-            <a:r>
-              <a:rPr kumimoji="1" lang="en-US" altLang="ja-JP">
-                <a:latin typeface="Century Schoolbook" panose="02040604050505020304" pitchFamily="18" charset="0"/>
-                <a:ea typeface="メイリオ" panose="020B0604030504040204" pitchFamily="50" charset="-128"/>
-              </a:rPr>
-              <a:t>}</a:t>
-            </a:r>
-            <a:endParaRPr kumimoji="1" lang="ja-JP" altLang="en-US">
-              <a:latin typeface="Century Schoolbook" panose="02040604050505020304" pitchFamily="18" charset="0"/>
-              <a:ea typeface="メイリオ" panose="020B0604030504040204" pitchFamily="50" charset="-128"/>
-            </a:endParaRPr>
-          </a:p>
-        </p:txBody>
-      </p:sp>
       <p:pic>
         <p:nvPicPr>
           <p:cNvPr id="6" name="図 5">
@@ -5888,7 +5788,7 @@
         </p:blipFill>
         <p:spPr>
           <a:xfrm>
-            <a:off x="1421179" y="2457824"/>
+            <a:off x="2765295" y="2033543"/>
             <a:ext cx="6408374" cy="4047907"/>
           </a:xfrm>
           <a:prstGeom prst="rect">
@@ -5896,6 +5796,128 @@
           </a:prstGeom>
         </p:spPr>
       </p:pic>
+      <p:sp>
+        <p:nvSpPr>
+          <p:cNvPr id="2" name="タイトル 1">
+            <a:extLst>
+              <a:ext uri="{FF2B5EF4-FFF2-40B4-BE49-F238E27FC236}">
+                <a16:creationId xmlns:a16="http://schemas.microsoft.com/office/drawing/2014/main" id="{2F81EDAD-3483-4C98-A43B-982B29E2896A}"/>
+              </a:ext>
+            </a:extLst>
+          </p:cNvPr>
+          <p:cNvSpPr>
+            <a:spLocks noGrp="1"/>
+          </p:cNvSpPr>
+          <p:nvPr>
+            <p:ph type="title"/>
+          </p:nvPr>
+        </p:nvSpPr>
+        <p:spPr>
+          <a:xfrm>
+            <a:off x="748131" y="352268"/>
+            <a:ext cx="8013180" cy="805305"/>
+          </a:xfrm>
+        </p:spPr>
+        <p:txBody>
+          <a:bodyPr>
+            <a:normAutofit/>
+          </a:bodyPr>
+          <a:lstStyle/>
+          <a:p>
+            <a:r>
+              <a:rPr lang="en-US" altLang="ja-JP" sz="3600" dirty="0">
+                <a:solidFill>
+                  <a:schemeClr val="accent1"/>
+                </a:solidFill>
+                <a:latin typeface="メイリオ" panose="020B0604030504040204" pitchFamily="50" charset="-128"/>
+                <a:ea typeface="メイリオ" panose="020B0604030504040204" pitchFamily="50" charset="-128"/>
+              </a:rPr>
+              <a:t>4.3 </a:t>
+            </a:r>
+            <a:r>
+              <a:rPr lang="ja-JP" altLang="en-US" sz="3600" dirty="0">
+                <a:solidFill>
+                  <a:schemeClr val="accent1"/>
+                </a:solidFill>
+                <a:latin typeface="メイリオ" panose="020B0604030504040204" pitchFamily="50" charset="-128"/>
+                <a:ea typeface="メイリオ" panose="020B0604030504040204" pitchFamily="50" charset="-128"/>
+              </a:rPr>
+              <a:t>さまざまな有限状態オートマトン</a:t>
+            </a:r>
+          </a:p>
+        </p:txBody>
+      </p:sp>
+      <p:sp>
+        <p:nvSpPr>
+          <p:cNvPr id="4" name="コンテンツ プレースホルダー 2">
+            <a:extLst>
+              <a:ext uri="{FF2B5EF4-FFF2-40B4-BE49-F238E27FC236}">
+                <a16:creationId xmlns:a16="http://schemas.microsoft.com/office/drawing/2014/main" id="{28BEF61E-13C2-4A1A-ABF7-D80B97971FE4}"/>
+              </a:ext>
+            </a:extLst>
+          </p:cNvPr>
+          <p:cNvSpPr>
+            <a:spLocks noGrp="1"/>
+          </p:cNvSpPr>
+          <p:nvPr>
+            <p:ph idx="1"/>
+          </p:nvPr>
+        </p:nvSpPr>
+        <p:spPr>
+          <a:xfrm>
+            <a:off x="1360121" y="1253331"/>
+            <a:ext cx="7886700" cy="4351338"/>
+          </a:xfrm>
+        </p:spPr>
+        <p:txBody>
+          <a:bodyPr/>
+          <a:lstStyle/>
+          <a:p>
+            <a:r>
+              <a:rPr kumimoji="1" lang="en-US" altLang="ja-JP" dirty="0">
+                <a:latin typeface="メイリオ" panose="020B0604030504040204" pitchFamily="50" charset="-128"/>
+                <a:ea typeface="メイリオ" panose="020B0604030504040204" pitchFamily="50" charset="-128"/>
+              </a:rPr>
+              <a:t>FSA</a:t>
+            </a:r>
+          </a:p>
+          <a:p>
+            <a:pPr lvl="1"/>
+            <a:r>
+              <a:rPr kumimoji="1" lang="ja-JP" altLang="en-US" dirty="0">
+                <a:latin typeface="Century Schoolbook" panose="02040604050505020304" pitchFamily="18" charset="0"/>
+                <a:ea typeface="メイリオ" panose="020B0604030504040204" pitchFamily="50" charset="-128"/>
+              </a:rPr>
+              <a:t>構成要素：</a:t>
+            </a:r>
+            <a:r>
+              <a:rPr kumimoji="1" lang="en-US" altLang="ja-JP" dirty="0">
+                <a:latin typeface="Century Schoolbook" panose="02040604050505020304" pitchFamily="18" charset="0"/>
+                <a:ea typeface="メイリオ" panose="020B0604030504040204" pitchFamily="50" charset="-128"/>
+              </a:rPr>
+              <a:t>{</a:t>
+            </a:r>
+            <a:r>
+              <a:rPr lang="en-US" altLang="ja-JP" i="1" dirty="0">
+                <a:latin typeface="Century Schoolbook" panose="02040604050505020304" pitchFamily="18" charset="0"/>
+                <a:ea typeface="メイリオ" panose="020B0604030504040204" pitchFamily="50" charset="-128"/>
+              </a:rPr>
+              <a:t>Σ, Q, I, F, E</a:t>
+            </a:r>
+            <a:r>
+              <a:rPr kumimoji="1" lang="en-US" altLang="ja-JP" dirty="0">
+                <a:latin typeface="Century Schoolbook" panose="02040604050505020304" pitchFamily="18" charset="0"/>
+                <a:ea typeface="メイリオ" panose="020B0604030504040204" pitchFamily="50" charset="-128"/>
+              </a:rPr>
+              <a:t>}</a:t>
+            </a:r>
+            <a:endParaRPr kumimoji="1" lang="ja-JP" altLang="en-US" dirty="0">
+              <a:latin typeface="Century Schoolbook" panose="02040604050505020304" pitchFamily="18" charset="0"/>
+              <a:ea typeface="メイリオ" panose="020B0604030504040204" pitchFamily="50" charset="-128"/>
+            </a:endParaRPr>
+          </a:p>
+        </p:txBody>
+      </p:sp>
     </p:spTree>
     <p:extLst>
       <p:ext uri="{BB962C8B-B14F-4D97-AF65-F5344CB8AC3E}">
@@ -5954,8 +5976,8 @@
         </p:blipFill>
         <p:spPr>
           <a:xfrm>
-            <a:off x="2510888" y="2885607"/>
-            <a:ext cx="5829849" cy="3582836"/>
+            <a:off x="3603292" y="2629574"/>
+            <a:ext cx="6103978" cy="3751307"/>
           </a:xfrm>
           <a:prstGeom prst="rect">
             <a:avLst/>
@@ -5980,8 +6002,8 @@
         </p:nvSpPr>
         <p:spPr>
           <a:xfrm>
-            <a:off x="628650" y="365126"/>
-            <a:ext cx="8013180" cy="1325563"/>
+            <a:off x="653034" y="301566"/>
+            <a:ext cx="8013180" cy="863827"/>
           </a:xfrm>
         </p:spPr>
         <p:txBody>
@@ -5991,7 +6013,7 @@
           <a:lstStyle/>
           <a:p>
             <a:r>
-              <a:rPr lang="en-US" altLang="ja-JP" sz="3600">
+              <a:rPr lang="en-US" altLang="ja-JP" sz="3600" dirty="0">
                 <a:solidFill>
                   <a:schemeClr val="accent1"/>
                 </a:solidFill>
@@ -6001,7 +6023,7 @@
               <a:t>4.3 </a:t>
             </a:r>
             <a:r>
-              <a:rPr lang="ja-JP" altLang="en-US" sz="3600">
+              <a:rPr lang="ja-JP" altLang="en-US" sz="3600" dirty="0">
                 <a:solidFill>
                   <a:schemeClr val="accent1"/>
                 </a:solidFill>
@@ -6010,13 +6032,6 @@
               </a:rPr>
               <a:t>さまざまな有限状態オートマトン</a:t>
             </a:r>
-            <a:endParaRPr kumimoji="1" lang="ja-JP" altLang="en-US" sz="3600">
-              <a:solidFill>
-                <a:schemeClr val="accent1"/>
-              </a:solidFill>
-              <a:latin typeface="メイリオ" panose="020B0604030504040204" pitchFamily="50" charset="-128"/>
-              <a:ea typeface="メイリオ" panose="020B0604030504040204" pitchFamily="50" charset="-128"/>
-            </a:endParaRPr>
           </a:p>
         </p:txBody>
       </p:sp>
@@ -6038,7 +6053,7 @@
         </p:nvSpPr>
         <p:spPr>
           <a:xfrm>
-            <a:off x="561194" y="1405901"/>
+            <a:off x="1053751" y="1253331"/>
             <a:ext cx="7886700" cy="4351338"/>
           </a:xfrm>
         </p:spPr>
@@ -6047,7 +6062,7 @@
           <a:lstStyle/>
           <a:p>
             <a:r>
-              <a:rPr kumimoji="1" lang="en-US" altLang="ja-JP">
+              <a:rPr kumimoji="1" lang="en-US" altLang="ja-JP" dirty="0">
                 <a:latin typeface="メイリオ" panose="020B0604030504040204" pitchFamily="50" charset="-128"/>
                 <a:ea typeface="メイリオ" panose="020B0604030504040204" pitchFamily="50" charset="-128"/>
               </a:rPr>
@@ -6057,28 +6072,28 @@
           <a:p>
             <a:pPr lvl="1"/>
             <a:r>
-              <a:rPr kumimoji="1" lang="ja-JP" altLang="en-US">
+              <a:rPr kumimoji="1" lang="ja-JP" altLang="en-US" dirty="0">
                 <a:latin typeface="Century Schoolbook" panose="02040604050505020304" pitchFamily="18" charset="0"/>
                 <a:ea typeface="メイリオ" panose="020B0604030504040204" pitchFamily="50" charset="-128"/>
               </a:rPr>
               <a:t>構成要素：</a:t>
             </a:r>
             <a:r>
-              <a:rPr kumimoji="1" lang="en-US" altLang="ja-JP">
+              <a:rPr kumimoji="1" lang="en-US" altLang="ja-JP" dirty="0">
                 <a:latin typeface="Century Schoolbook" panose="02040604050505020304" pitchFamily="18" charset="0"/>
                 <a:ea typeface="メイリオ" panose="020B0604030504040204" pitchFamily="50" charset="-128"/>
               </a:rPr>
               <a:t>{</a:t>
             </a:r>
             <a:r>
-              <a:rPr lang="en-US" altLang="ja-JP" i="1">
+              <a:rPr lang="en-US" altLang="ja-JP" i="1" dirty="0">
                 <a:latin typeface="Century Schoolbook" panose="02040604050505020304" pitchFamily="18" charset="0"/>
                 <a:ea typeface="メイリオ" panose="020B0604030504040204" pitchFamily="50" charset="-128"/>
               </a:rPr>
               <a:t>Σ, Q, I, F, E, λ, ρ</a:t>
             </a:r>
             <a:r>
-              <a:rPr kumimoji="1" lang="en-US" altLang="ja-JP">
+              <a:rPr kumimoji="1" lang="en-US" altLang="ja-JP" dirty="0">
                 <a:latin typeface="Century Schoolbook" panose="02040604050505020304" pitchFamily="18" charset="0"/>
                 <a:ea typeface="メイリオ" panose="020B0604030504040204" pitchFamily="50" charset="-128"/>
               </a:rPr>
@@ -6088,91 +6103,91 @@
           <a:p>
             <a:pPr lvl="2"/>
             <a:r>
-              <a:rPr lang="en-US" altLang="ja-JP" i="1">
+              <a:rPr lang="en-US" altLang="ja-JP" i="1" dirty="0">
                 <a:latin typeface="Century Schoolbook" panose="02040604050505020304" pitchFamily="18" charset="0"/>
                 <a:ea typeface="メイリオ" panose="020B0604030504040204" pitchFamily="50" charset="-128"/>
               </a:rPr>
               <a:t>E </a:t>
             </a:r>
             <a:r>
-              <a:rPr lang="ja-JP" altLang="en-US">
+              <a:rPr lang="ja-JP" altLang="en-US" dirty="0">
                 <a:latin typeface="Century Schoolbook" panose="02040604050505020304" pitchFamily="18" charset="0"/>
                 <a:ea typeface="メイリオ" panose="020B0604030504040204" pitchFamily="50" charset="-128"/>
               </a:rPr>
               <a:t>⊆</a:t>
             </a:r>
             <a:r>
-              <a:rPr lang="ja-JP" altLang="en-US" i="1">
+              <a:rPr lang="ja-JP" altLang="en-US" i="1" dirty="0">
                 <a:latin typeface="Century Schoolbook" panose="02040604050505020304" pitchFamily="18" charset="0"/>
                 <a:ea typeface="メイリオ" panose="020B0604030504040204" pitchFamily="50" charset="-128"/>
               </a:rPr>
               <a:t> </a:t>
             </a:r>
             <a:r>
-              <a:rPr lang="en-US" altLang="ja-JP" i="1">
+              <a:rPr lang="en-US" altLang="ja-JP" i="1" dirty="0">
                 <a:latin typeface="Century Schoolbook" panose="02040604050505020304" pitchFamily="18" charset="0"/>
                 <a:ea typeface="メイリオ" panose="020B0604030504040204" pitchFamily="50" charset="-128"/>
               </a:rPr>
               <a:t>Q </a:t>
             </a:r>
             <a:r>
-              <a:rPr lang="ja-JP" altLang="en-US">
+              <a:rPr lang="ja-JP" altLang="en-US" dirty="0">
                 <a:latin typeface="Century Schoolbook" panose="02040604050505020304" pitchFamily="18" charset="0"/>
                 <a:ea typeface="メイリオ" panose="020B0604030504040204" pitchFamily="50" charset="-128"/>
               </a:rPr>
               <a:t>✕</a:t>
             </a:r>
             <a:r>
-              <a:rPr lang="ja-JP" altLang="en-US" i="1">
+              <a:rPr lang="ja-JP" altLang="en-US" i="1" dirty="0">
                 <a:latin typeface="Century Schoolbook" panose="02040604050505020304" pitchFamily="18" charset="0"/>
                 <a:ea typeface="メイリオ" panose="020B0604030504040204" pitchFamily="50" charset="-128"/>
               </a:rPr>
               <a:t> </a:t>
             </a:r>
             <a:r>
-              <a:rPr lang="en-US" altLang="ja-JP" i="1">
+              <a:rPr lang="en-US" altLang="ja-JP" i="1" dirty="0">
                 <a:latin typeface="Century Schoolbook" panose="02040604050505020304" pitchFamily="18" charset="0"/>
                 <a:ea typeface="メイリオ" panose="020B0604030504040204" pitchFamily="50" charset="-128"/>
               </a:rPr>
               <a:t>Σ </a:t>
             </a:r>
             <a:r>
-              <a:rPr lang="ja-JP" altLang="en-US">
+              <a:rPr lang="ja-JP" altLang="en-US" dirty="0">
                 <a:latin typeface="Century Schoolbook" panose="02040604050505020304" pitchFamily="18" charset="0"/>
                 <a:ea typeface="メイリオ" panose="020B0604030504040204" pitchFamily="50" charset="-128"/>
               </a:rPr>
               <a:t>✕</a:t>
             </a:r>
             <a:r>
-              <a:rPr lang="ja-JP" altLang="en-US" i="1">
+              <a:rPr lang="ja-JP" altLang="en-US" i="1" dirty="0">
                 <a:latin typeface="Century Schoolbook" panose="02040604050505020304" pitchFamily="18" charset="0"/>
                 <a:ea typeface="メイリオ" panose="020B0604030504040204" pitchFamily="50" charset="-128"/>
               </a:rPr>
               <a:t> </a:t>
             </a:r>
             <a:r>
-              <a:rPr lang="en-US" altLang="ja-JP" i="1">
+              <a:rPr lang="en-US" altLang="ja-JP" i="1" dirty="0">
                 <a:latin typeface="Century Schoolbook" panose="02040604050505020304" pitchFamily="18" charset="0"/>
                 <a:ea typeface="メイリオ" panose="020B0604030504040204" pitchFamily="50" charset="-128"/>
               </a:rPr>
               <a:t>K </a:t>
             </a:r>
             <a:r>
-              <a:rPr lang="ja-JP" altLang="en-US">
+              <a:rPr lang="ja-JP" altLang="en-US" dirty="0">
                 <a:latin typeface="Century Schoolbook" panose="02040604050505020304" pitchFamily="18" charset="0"/>
                 <a:ea typeface="メイリオ" panose="020B0604030504040204" pitchFamily="50" charset="-128"/>
               </a:rPr>
               <a:t>✕</a:t>
             </a:r>
             <a:r>
-              <a:rPr lang="ja-JP" altLang="en-US" i="1">
+              <a:rPr lang="ja-JP" altLang="en-US" i="1" dirty="0">
                 <a:latin typeface="Century Schoolbook" panose="02040604050505020304" pitchFamily="18" charset="0"/>
                 <a:ea typeface="メイリオ" panose="020B0604030504040204" pitchFamily="50" charset="-128"/>
               </a:rPr>
               <a:t> </a:t>
             </a:r>
             <a:r>
-              <a:rPr lang="en-US" altLang="ja-JP" i="1">
+              <a:rPr lang="en-US" altLang="ja-JP" i="1" dirty="0">
                 <a:latin typeface="Century Schoolbook" panose="02040604050505020304" pitchFamily="18" charset="0"/>
                 <a:ea typeface="メイリオ" panose="020B0604030504040204" pitchFamily="50" charset="-128"/>
               </a:rPr>
@@ -6182,41 +6197,41 @@
           <a:p>
             <a:pPr lvl="2"/>
             <a:r>
-              <a:rPr lang="en-US" altLang="ja-JP" i="1">
+              <a:rPr lang="en-US" altLang="ja-JP" i="1" dirty="0">
                 <a:latin typeface="Century Schoolbook" panose="02040604050505020304" pitchFamily="18" charset="0"/>
                 <a:ea typeface="メイリオ" panose="020B0604030504040204" pitchFamily="50" charset="-128"/>
               </a:rPr>
               <a:t>K</a:t>
             </a:r>
             <a:r>
-              <a:rPr lang="ja-JP" altLang="en-US" i="1">
+              <a:rPr lang="ja-JP" altLang="en-US" i="1" dirty="0">
                 <a:latin typeface="Century Schoolbook" panose="02040604050505020304" pitchFamily="18" charset="0"/>
                 <a:ea typeface="メイリオ" panose="020B0604030504040204" pitchFamily="50" charset="-128"/>
               </a:rPr>
               <a:t> </a:t>
             </a:r>
             <a:r>
-              <a:rPr lang="en-US" altLang="ja-JP">
+              <a:rPr lang="en-US" altLang="ja-JP" dirty="0">
                 <a:latin typeface="Century Schoolbook" panose="02040604050505020304" pitchFamily="18" charset="0"/>
                 <a:ea typeface="メイリオ" panose="020B0604030504040204" pitchFamily="50" charset="-128"/>
               </a:rPr>
               <a:t>:</a:t>
             </a:r>
             <a:r>
-              <a:rPr lang="en-US" altLang="ja-JP" i="1">
+              <a:rPr lang="en-US" altLang="ja-JP" i="1" dirty="0">
                 <a:latin typeface="Century Schoolbook" panose="02040604050505020304" pitchFamily="18" charset="0"/>
                 <a:ea typeface="メイリオ" panose="020B0604030504040204" pitchFamily="50" charset="-128"/>
               </a:rPr>
               <a:t> </a:t>
             </a:r>
             <a:r>
-              <a:rPr lang="ja-JP" altLang="en-US" i="1">
+              <a:rPr lang="ja-JP" altLang="en-US" i="1" dirty="0">
                 <a:latin typeface="メイリオ" panose="020B0604030504040204" pitchFamily="50" charset="-128"/>
                 <a:ea typeface="メイリオ" panose="020B0604030504040204" pitchFamily="50" charset="-128"/>
               </a:rPr>
               <a:t>重みの集合</a:t>
             </a:r>
-            <a:endParaRPr lang="en-US" altLang="ja-JP" i="1">
+            <a:endParaRPr lang="en-US" altLang="ja-JP" i="1" dirty="0">
               <a:latin typeface="メイリオ" panose="020B0604030504040204" pitchFamily="50" charset="-128"/>
               <a:ea typeface="メイリオ" panose="020B0604030504040204" pitchFamily="50" charset="-128"/>
             </a:endParaRPr>
@@ -6224,48 +6239,48 @@
           <a:p>
             <a:pPr lvl="2"/>
             <a:r>
-              <a:rPr lang="en-US" altLang="ja-JP" i="1">
+              <a:rPr lang="en-US" altLang="ja-JP" i="1" dirty="0">
                 <a:latin typeface="Century Schoolbook" panose="02040604050505020304" pitchFamily="18" charset="0"/>
                 <a:ea typeface="メイリオ" panose="020B0604030504040204" pitchFamily="50" charset="-128"/>
               </a:rPr>
               <a:t>λ</a:t>
             </a:r>
             <a:r>
-              <a:rPr lang="ja-JP" altLang="en-US" i="1">
+              <a:rPr lang="ja-JP" altLang="en-US" i="1" dirty="0">
                 <a:latin typeface="Century Schoolbook" panose="02040604050505020304" pitchFamily="18" charset="0"/>
                 <a:ea typeface="メイリオ" panose="020B0604030504040204" pitchFamily="50" charset="-128"/>
               </a:rPr>
               <a:t> </a:t>
             </a:r>
             <a:r>
-              <a:rPr lang="en-US" altLang="ja-JP">
+              <a:rPr lang="en-US" altLang="ja-JP" dirty="0">
                 <a:latin typeface="Century Schoolbook" panose="02040604050505020304" pitchFamily="18" charset="0"/>
                 <a:ea typeface="メイリオ" panose="020B0604030504040204" pitchFamily="50" charset="-128"/>
               </a:rPr>
               <a:t>:</a:t>
             </a:r>
             <a:r>
-              <a:rPr lang="en-US" altLang="ja-JP" i="1">
+              <a:rPr lang="en-US" altLang="ja-JP" i="1" dirty="0">
                 <a:latin typeface="Century Schoolbook" panose="02040604050505020304" pitchFamily="18" charset="0"/>
                 <a:ea typeface="メイリオ" panose="020B0604030504040204" pitchFamily="50" charset="-128"/>
               </a:rPr>
               <a:t> </a:t>
             </a:r>
             <a:r>
-              <a:rPr lang="ja-JP" altLang="en-US" i="1">
+              <a:rPr lang="ja-JP" altLang="en-US" i="1" dirty="0">
                 <a:latin typeface="Century Schoolbook" panose="02040604050505020304" pitchFamily="18" charset="0"/>
                 <a:ea typeface="メイリオ" panose="020B0604030504040204" pitchFamily="50" charset="-128"/>
               </a:rPr>
               <a:t>初期状態の</a:t>
             </a:r>
             <a:r>
-              <a:rPr lang="ja-JP" altLang="en-US" i="1">
+              <a:rPr lang="ja-JP" altLang="en-US" i="1" dirty="0">
                 <a:latin typeface="メイリオ" panose="020B0604030504040204" pitchFamily="50" charset="-128"/>
                 <a:ea typeface="メイリオ" panose="020B0604030504040204" pitchFamily="50" charset="-128"/>
               </a:rPr>
               <a:t>重み</a:t>
             </a:r>
-            <a:endParaRPr lang="en-US" altLang="ja-JP" i="1">
+            <a:endParaRPr lang="en-US" altLang="ja-JP" i="1" dirty="0">
               <a:latin typeface="メイリオ" panose="020B0604030504040204" pitchFamily="50" charset="-128"/>
               <a:ea typeface="メイリオ" panose="020B0604030504040204" pitchFamily="50" charset="-128"/>
             </a:endParaRPr>
@@ -6273,55 +6288,55 @@
           <a:p>
             <a:pPr lvl="2"/>
             <a:r>
-              <a:rPr lang="en-US" altLang="ja-JP" i="1">
+              <a:rPr lang="en-US" altLang="ja-JP" i="1" dirty="0">
                 <a:latin typeface="Century Schoolbook" panose="02040604050505020304" pitchFamily="18" charset="0"/>
                 <a:ea typeface="メイリオ" panose="020B0604030504040204" pitchFamily="50" charset="-128"/>
               </a:rPr>
               <a:t> ρ</a:t>
             </a:r>
             <a:r>
-              <a:rPr lang="ja-JP" altLang="en-US" i="1">
+              <a:rPr lang="ja-JP" altLang="en-US" i="1" dirty="0">
                 <a:latin typeface="Century Schoolbook" panose="02040604050505020304" pitchFamily="18" charset="0"/>
                 <a:ea typeface="メイリオ" panose="020B0604030504040204" pitchFamily="50" charset="-128"/>
               </a:rPr>
               <a:t> </a:t>
             </a:r>
             <a:r>
-              <a:rPr lang="en-US" altLang="ja-JP">
+              <a:rPr lang="en-US" altLang="ja-JP" dirty="0">
                 <a:latin typeface="Century Schoolbook" panose="02040604050505020304" pitchFamily="18" charset="0"/>
                 <a:ea typeface="メイリオ" panose="020B0604030504040204" pitchFamily="50" charset="-128"/>
               </a:rPr>
               <a:t>:</a:t>
             </a:r>
             <a:r>
-              <a:rPr lang="en-US" altLang="ja-JP" i="1">
+              <a:rPr lang="en-US" altLang="ja-JP" i="1" dirty="0">
                 <a:latin typeface="Century Schoolbook" panose="02040604050505020304" pitchFamily="18" charset="0"/>
                 <a:ea typeface="メイリオ" panose="020B0604030504040204" pitchFamily="50" charset="-128"/>
               </a:rPr>
               <a:t> </a:t>
             </a:r>
             <a:r>
-              <a:rPr lang="ja-JP" altLang="en-US" i="1">
+              <a:rPr lang="ja-JP" altLang="en-US" i="1" dirty="0">
                 <a:latin typeface="Century Schoolbook" panose="02040604050505020304" pitchFamily="18" charset="0"/>
                 <a:ea typeface="メイリオ" panose="020B0604030504040204" pitchFamily="50" charset="-128"/>
               </a:rPr>
               <a:t>最終状態の</a:t>
             </a:r>
             <a:r>
-              <a:rPr lang="ja-JP" altLang="en-US" i="1">
+              <a:rPr lang="ja-JP" altLang="en-US" i="1" dirty="0">
                 <a:latin typeface="メイリオ" panose="020B0604030504040204" pitchFamily="50" charset="-128"/>
                 <a:ea typeface="メイリオ" panose="020B0604030504040204" pitchFamily="50" charset="-128"/>
               </a:rPr>
               <a:t>重み</a:t>
             </a:r>
-            <a:endParaRPr lang="en-US" altLang="ja-JP" i="1">
+            <a:endParaRPr lang="en-US" altLang="ja-JP" i="1" dirty="0">
               <a:latin typeface="メイリオ" panose="020B0604030504040204" pitchFamily="50" charset="-128"/>
               <a:ea typeface="メイリオ" panose="020B0604030504040204" pitchFamily="50" charset="-128"/>
             </a:endParaRPr>
           </a:p>
           <a:p>
             <a:pPr lvl="2"/>
-            <a:endParaRPr lang="en-US" altLang="ja-JP" i="1">
+            <a:endParaRPr lang="en-US" altLang="ja-JP" i="1" dirty="0">
               <a:latin typeface="メイリオ" panose="020B0604030504040204" pitchFamily="50" charset="-128"/>
               <a:ea typeface="メイリオ" panose="020B0604030504040204" pitchFamily="50" charset="-128"/>
             </a:endParaRPr>
@@ -6342,7 +6357,7 @@
         </p:nvSpPr>
         <p:spPr>
           <a:xfrm>
-            <a:off x="5778708" y="1473332"/>
+            <a:off x="6096000" y="1210806"/>
             <a:ext cx="1461541" cy="434714"/>
           </a:xfrm>
           <a:prstGeom prst="wedgeRectCallout">
@@ -6380,14 +6395,14 @@
           <a:p>
             <a:pPr algn="ctr"/>
             <a:r>
-              <a:rPr kumimoji="1" lang="ja-JP" altLang="en-US" sz="1600">
+              <a:rPr lang="ja-JP" altLang="en-US" sz="1600">
                 <a:solidFill>
                   <a:schemeClr val="tx1"/>
                 </a:solidFill>
               </a:rPr>
               <a:t>重みが加わる</a:t>
             </a:r>
-            <a:endParaRPr kumimoji="1" lang="en-US" altLang="ja-JP" sz="1600">
+            <a:endParaRPr lang="en-US" altLang="ja-JP" sz="1600">
               <a:solidFill>
                 <a:schemeClr val="tx1"/>
               </a:solidFill>
@@ -6453,7 +6468,7 @@
         </p:blipFill>
         <p:spPr>
           <a:xfrm>
-            <a:off x="2167764" y="2524006"/>
+            <a:off x="3691765" y="2524007"/>
             <a:ext cx="6256567" cy="3906773"/>
           </a:xfrm>
           <a:prstGeom prst="rect">
@@ -6479,8 +6494,8 @@
         </p:nvSpPr>
         <p:spPr>
           <a:xfrm>
-            <a:off x="628650" y="365126"/>
-            <a:ext cx="8013180" cy="1325563"/>
+            <a:off x="514046" y="371379"/>
+            <a:ext cx="8013180" cy="841881"/>
           </a:xfrm>
         </p:spPr>
         <p:txBody>
@@ -6490,7 +6505,7 @@
           <a:lstStyle/>
           <a:p>
             <a:r>
-              <a:rPr lang="en-US" altLang="ja-JP" sz="3600">
+              <a:rPr lang="en-US" altLang="ja-JP" sz="3600" dirty="0">
                 <a:solidFill>
                   <a:schemeClr val="accent1"/>
                 </a:solidFill>
@@ -6500,7 +6515,7 @@
               <a:t>4.3 </a:t>
             </a:r>
             <a:r>
-              <a:rPr lang="ja-JP" altLang="en-US" sz="3600">
+              <a:rPr lang="ja-JP" altLang="en-US" sz="3600" dirty="0">
                 <a:solidFill>
                   <a:schemeClr val="accent1"/>
                 </a:solidFill>
@@ -6509,13 +6524,6 @@
               </a:rPr>
               <a:t>さまざまな有限状態オートマトン</a:t>
             </a:r>
-            <a:endParaRPr kumimoji="1" lang="ja-JP" altLang="en-US" sz="3600">
-              <a:solidFill>
-                <a:schemeClr val="accent1"/>
-              </a:solidFill>
-              <a:latin typeface="メイリオ" panose="020B0604030504040204" pitchFamily="50" charset="-128"/>
-              <a:ea typeface="メイリオ" panose="020B0604030504040204" pitchFamily="50" charset="-128"/>
-            </a:endParaRPr>
           </a:p>
         </p:txBody>
       </p:sp>
@@ -6537,8 +6545,8 @@
         </p:nvSpPr>
         <p:spPr>
           <a:xfrm>
-            <a:off x="568690" y="1435881"/>
-            <a:ext cx="7886700" cy="4351338"/>
+            <a:off x="716890" y="1435881"/>
+            <a:ext cx="9262500" cy="4351338"/>
           </a:xfrm>
         </p:spPr>
         <p:txBody>
@@ -6546,7 +6554,7 @@
           <a:lstStyle/>
           <a:p>
             <a:r>
-              <a:rPr kumimoji="1" lang="en-US" altLang="ja-JP">
+              <a:rPr kumimoji="1" lang="en-US" altLang="ja-JP" dirty="0">
                 <a:latin typeface="メイリオ" panose="020B0604030504040204" pitchFamily="50" charset="-128"/>
                 <a:ea typeface="メイリオ" panose="020B0604030504040204" pitchFamily="50" charset="-128"/>
               </a:rPr>
@@ -6556,28 +6564,28 @@
           <a:p>
             <a:pPr lvl="1"/>
             <a:r>
-              <a:rPr kumimoji="1" lang="ja-JP" altLang="en-US">
+              <a:rPr kumimoji="1" lang="ja-JP" altLang="en-US" dirty="0">
                 <a:latin typeface="Century Schoolbook" panose="02040604050505020304" pitchFamily="18" charset="0"/>
                 <a:ea typeface="メイリオ" panose="020B0604030504040204" pitchFamily="50" charset="-128"/>
               </a:rPr>
               <a:t>構成要素：</a:t>
             </a:r>
             <a:r>
-              <a:rPr kumimoji="1" lang="en-US" altLang="ja-JP">
+              <a:rPr kumimoji="1" lang="en-US" altLang="ja-JP" dirty="0">
                 <a:latin typeface="Century Schoolbook" panose="02040604050505020304" pitchFamily="18" charset="0"/>
                 <a:ea typeface="メイリオ" panose="020B0604030504040204" pitchFamily="50" charset="-128"/>
               </a:rPr>
               <a:t>{</a:t>
             </a:r>
             <a:r>
-              <a:rPr lang="en-US" altLang="ja-JP" i="1">
+              <a:rPr lang="en-US" altLang="ja-JP" i="1" dirty="0">
                 <a:latin typeface="Century Schoolbook" panose="02040604050505020304" pitchFamily="18" charset="0"/>
                 <a:ea typeface="メイリオ" panose="020B0604030504040204" pitchFamily="50" charset="-128"/>
               </a:rPr>
               <a:t>Σ, Δ, Q, I, F, E</a:t>
             </a:r>
             <a:r>
-              <a:rPr kumimoji="1" lang="en-US" altLang="ja-JP">
+              <a:rPr kumimoji="1" lang="en-US" altLang="ja-JP" dirty="0">
                 <a:latin typeface="Century Schoolbook" panose="02040604050505020304" pitchFamily="18" charset="0"/>
                 <a:ea typeface="メイリオ" panose="020B0604030504040204" pitchFamily="50" charset="-128"/>
               </a:rPr>
@@ -6587,48 +6595,48 @@
           <a:p>
             <a:pPr lvl="1"/>
             <a:r>
-              <a:rPr lang="en-US" altLang="ja-JP" i="1">
+              <a:rPr lang="en-US" altLang="ja-JP" i="1" dirty="0">
                 <a:latin typeface="Century Schoolbook" panose="02040604050505020304" pitchFamily="18" charset="0"/>
                 <a:ea typeface="メイリオ" panose="020B0604030504040204" pitchFamily="50" charset="-128"/>
               </a:rPr>
               <a:t>Δ</a:t>
             </a:r>
             <a:r>
-              <a:rPr lang="ja-JP" altLang="en-US" i="1">
+              <a:rPr lang="ja-JP" altLang="en-US" i="1" dirty="0">
                 <a:latin typeface="Century Schoolbook" panose="02040604050505020304" pitchFamily="18" charset="0"/>
                 <a:ea typeface="メイリオ" panose="020B0604030504040204" pitchFamily="50" charset="-128"/>
               </a:rPr>
               <a:t> </a:t>
             </a:r>
             <a:r>
-              <a:rPr lang="en-US" altLang="ja-JP">
+              <a:rPr lang="en-US" altLang="ja-JP" dirty="0">
                 <a:latin typeface="Century Schoolbook" panose="02040604050505020304" pitchFamily="18" charset="0"/>
                 <a:ea typeface="メイリオ" panose="020B0604030504040204" pitchFamily="50" charset="-128"/>
               </a:rPr>
               <a:t>:</a:t>
             </a:r>
             <a:r>
-              <a:rPr lang="en-US" altLang="ja-JP" i="1">
+              <a:rPr lang="en-US" altLang="ja-JP" i="1" dirty="0">
                 <a:latin typeface="Century Schoolbook" panose="02040604050505020304" pitchFamily="18" charset="0"/>
                 <a:ea typeface="メイリオ" panose="020B0604030504040204" pitchFamily="50" charset="-128"/>
               </a:rPr>
               <a:t> </a:t>
             </a:r>
             <a:r>
-              <a:rPr lang="ja-JP" altLang="en-US" i="1">
+              <a:rPr lang="ja-JP" altLang="en-US" i="1" dirty="0">
                 <a:latin typeface="Century Schoolbook" panose="02040604050505020304" pitchFamily="18" charset="0"/>
                 <a:ea typeface="メイリオ" panose="020B0604030504040204" pitchFamily="50" charset="-128"/>
               </a:rPr>
               <a:t>出力記号</a:t>
             </a:r>
             <a:r>
-              <a:rPr lang="ja-JP" altLang="en-US" i="1">
+              <a:rPr lang="ja-JP" altLang="en-US" i="1" dirty="0">
                 <a:latin typeface="メイリオ" panose="020B0604030504040204" pitchFamily="50" charset="-128"/>
                 <a:ea typeface="メイリオ" panose="020B0604030504040204" pitchFamily="50" charset="-128"/>
               </a:rPr>
               <a:t>の集合</a:t>
             </a:r>
-            <a:endParaRPr lang="en-US" altLang="ja-JP" i="1">
+            <a:endParaRPr lang="en-US" altLang="ja-JP" i="1" dirty="0">
               <a:latin typeface="メイリオ" panose="020B0604030504040204" pitchFamily="50" charset="-128"/>
               <a:ea typeface="メイリオ" panose="020B0604030504040204" pitchFamily="50" charset="-128"/>
             </a:endParaRPr>
@@ -6636,104 +6644,104 @@
           <a:p>
             <a:pPr lvl="1"/>
             <a:r>
-              <a:rPr lang="en-US" altLang="ja-JP" i="1">
+              <a:rPr lang="en-US" altLang="ja-JP" i="1" dirty="0">
                 <a:latin typeface="Century Schoolbook" panose="02040604050505020304" pitchFamily="18" charset="0"/>
                 <a:ea typeface="メイリオ" panose="020B0604030504040204" pitchFamily="50" charset="-128"/>
               </a:rPr>
               <a:t>E </a:t>
             </a:r>
             <a:r>
-              <a:rPr lang="ja-JP" altLang="en-US">
+              <a:rPr lang="ja-JP" altLang="en-US" dirty="0">
                 <a:latin typeface="Century Schoolbook" panose="02040604050505020304" pitchFamily="18" charset="0"/>
                 <a:ea typeface="メイリオ" panose="020B0604030504040204" pitchFamily="50" charset="-128"/>
               </a:rPr>
               <a:t>⊆</a:t>
             </a:r>
             <a:r>
-              <a:rPr lang="ja-JP" altLang="en-US" i="1">
+              <a:rPr lang="ja-JP" altLang="en-US" i="1" dirty="0">
                 <a:latin typeface="Century Schoolbook" panose="02040604050505020304" pitchFamily="18" charset="0"/>
                 <a:ea typeface="メイリオ" panose="020B0604030504040204" pitchFamily="50" charset="-128"/>
               </a:rPr>
               <a:t> </a:t>
             </a:r>
             <a:r>
-              <a:rPr lang="en-US" altLang="ja-JP" i="1">
+              <a:rPr lang="en-US" altLang="ja-JP" i="1" dirty="0">
                 <a:latin typeface="Century Schoolbook" panose="02040604050505020304" pitchFamily="18" charset="0"/>
                 <a:ea typeface="メイリオ" panose="020B0604030504040204" pitchFamily="50" charset="-128"/>
               </a:rPr>
               <a:t>Q </a:t>
             </a:r>
             <a:r>
-              <a:rPr lang="ja-JP" altLang="en-US">
+              <a:rPr lang="ja-JP" altLang="en-US" dirty="0">
                 <a:latin typeface="Century Schoolbook" panose="02040604050505020304" pitchFamily="18" charset="0"/>
                 <a:ea typeface="メイリオ" panose="020B0604030504040204" pitchFamily="50" charset="-128"/>
               </a:rPr>
               <a:t>✕</a:t>
             </a:r>
             <a:r>
-              <a:rPr lang="ja-JP" altLang="en-US" i="1">
+              <a:rPr lang="ja-JP" altLang="en-US" i="1" dirty="0">
                 <a:latin typeface="Century Schoolbook" panose="02040604050505020304" pitchFamily="18" charset="0"/>
                 <a:ea typeface="メイリオ" panose="020B0604030504040204" pitchFamily="50" charset="-128"/>
               </a:rPr>
               <a:t> </a:t>
             </a:r>
             <a:r>
-              <a:rPr lang="en-US" altLang="ja-JP" i="1">
+              <a:rPr lang="en-US" altLang="ja-JP" i="1" dirty="0">
                 <a:latin typeface="Century Schoolbook" panose="02040604050505020304" pitchFamily="18" charset="0"/>
                 <a:ea typeface="メイリオ" panose="020B0604030504040204" pitchFamily="50" charset="-128"/>
               </a:rPr>
               <a:t>Σ </a:t>
             </a:r>
             <a:r>
-              <a:rPr lang="ja-JP" altLang="en-US">
+              <a:rPr lang="ja-JP" altLang="en-US" dirty="0">
                 <a:latin typeface="Century Schoolbook" panose="02040604050505020304" pitchFamily="18" charset="0"/>
                 <a:ea typeface="メイリオ" panose="020B0604030504040204" pitchFamily="50" charset="-128"/>
               </a:rPr>
               <a:t>✕</a:t>
             </a:r>
             <a:r>
-              <a:rPr lang="ja-JP" altLang="en-US" i="1">
+              <a:rPr lang="ja-JP" altLang="en-US" i="1" dirty="0">
                 <a:latin typeface="Century Schoolbook" panose="02040604050505020304" pitchFamily="18" charset="0"/>
                 <a:ea typeface="メイリオ" panose="020B0604030504040204" pitchFamily="50" charset="-128"/>
               </a:rPr>
               <a:t> </a:t>
             </a:r>
             <a:r>
-              <a:rPr lang="en-US" altLang="ja-JP" i="1">
+              <a:rPr lang="en-US" altLang="ja-JP" i="1" dirty="0">
                 <a:latin typeface="Century Schoolbook" panose="02040604050505020304" pitchFamily="18" charset="0"/>
                 <a:ea typeface="メイリオ" panose="020B0604030504040204" pitchFamily="50" charset="-128"/>
               </a:rPr>
               <a:t>Δ  </a:t>
             </a:r>
             <a:r>
-              <a:rPr lang="ja-JP" altLang="en-US">
+              <a:rPr lang="ja-JP" altLang="en-US" dirty="0">
                 <a:latin typeface="Century Schoolbook" panose="02040604050505020304" pitchFamily="18" charset="0"/>
                 <a:ea typeface="メイリオ" panose="020B0604030504040204" pitchFamily="50" charset="-128"/>
               </a:rPr>
               <a:t>✕</a:t>
             </a:r>
             <a:r>
-              <a:rPr lang="ja-JP" altLang="en-US" i="1">
+              <a:rPr lang="ja-JP" altLang="en-US" i="1" dirty="0">
                 <a:latin typeface="Century Schoolbook" panose="02040604050505020304" pitchFamily="18" charset="0"/>
                 <a:ea typeface="メイリオ" panose="020B0604030504040204" pitchFamily="50" charset="-128"/>
               </a:rPr>
               <a:t> </a:t>
             </a:r>
             <a:r>
-              <a:rPr lang="en-US" altLang="ja-JP" i="1">
+              <a:rPr lang="en-US" altLang="ja-JP" i="1" dirty="0">
                 <a:latin typeface="Century Schoolbook" panose="02040604050505020304" pitchFamily="18" charset="0"/>
                 <a:ea typeface="メイリオ" panose="020B0604030504040204" pitchFamily="50" charset="-128"/>
               </a:rPr>
               <a:t>Q</a:t>
             </a:r>
-            <a:endParaRPr lang="en-US" altLang="ja-JP" i="1">
+            <a:endParaRPr lang="en-US" altLang="ja-JP" i="1" dirty="0">
               <a:latin typeface="メイリオ" panose="020B0604030504040204" pitchFamily="50" charset="-128"/>
               <a:ea typeface="メイリオ" panose="020B0604030504040204" pitchFamily="50" charset="-128"/>
             </a:endParaRPr>
           </a:p>
           <a:p>
             <a:pPr lvl="1"/>
-            <a:endParaRPr kumimoji="1" lang="ja-JP" altLang="en-US">
+            <a:endParaRPr kumimoji="1" lang="ja-JP" altLang="en-US" dirty="0">
               <a:latin typeface="Century Schoolbook" panose="02040604050505020304" pitchFamily="18" charset="0"/>
               <a:ea typeface="メイリオ" panose="020B0604030504040204" pitchFamily="50" charset="-128"/>
             </a:endParaRPr>
@@ -6754,7 +6762,7 @@
         </p:nvSpPr>
         <p:spPr>
           <a:xfrm>
-            <a:off x="5643797" y="1435881"/>
+            <a:off x="5492617" y="1435881"/>
             <a:ext cx="1461541" cy="434714"/>
           </a:xfrm>
           <a:prstGeom prst="wedgeRectCallout">
@@ -6792,14 +6800,14 @@
           <a:p>
             <a:pPr algn="ctr"/>
             <a:r>
-              <a:rPr kumimoji="1" lang="ja-JP" altLang="en-US" sz="1600">
+              <a:rPr lang="ja-JP" altLang="en-US" sz="1600" dirty="0">
                 <a:solidFill>
                   <a:schemeClr val="tx1"/>
                 </a:solidFill>
               </a:rPr>
               <a:t>出力が加わる</a:t>
             </a:r>
-            <a:endParaRPr kumimoji="1" lang="en-US" altLang="ja-JP" sz="1600">
+            <a:endParaRPr lang="en-US" altLang="ja-JP" sz="1600" dirty="0">
               <a:solidFill>
                 <a:schemeClr val="tx1"/>
               </a:solidFill>
@@ -6865,7 +6873,7 @@
         </p:blipFill>
         <p:spPr>
           <a:xfrm>
-            <a:off x="1501344" y="2376140"/>
+            <a:off x="3025344" y="2376141"/>
             <a:ext cx="6780722" cy="4183849"/>
           </a:xfrm>
           <a:prstGeom prst="rect">
@@ -6891,8 +6899,8 @@
         </p:nvSpPr>
         <p:spPr>
           <a:xfrm>
-            <a:off x="628650" y="365126"/>
-            <a:ext cx="8013180" cy="1325563"/>
+            <a:off x="565252" y="375741"/>
+            <a:ext cx="8013180" cy="728137"/>
           </a:xfrm>
         </p:spPr>
         <p:txBody>
@@ -6902,7 +6910,7 @@
           <a:lstStyle/>
           <a:p>
             <a:r>
-              <a:rPr lang="en-US" altLang="ja-JP" sz="3600">
+              <a:rPr lang="en-US" altLang="ja-JP" sz="3600" dirty="0">
                 <a:solidFill>
                   <a:schemeClr val="accent1"/>
                 </a:solidFill>
@@ -6912,7 +6920,7 @@
               <a:t>4.3 </a:t>
             </a:r>
             <a:r>
-              <a:rPr lang="ja-JP" altLang="en-US" sz="3600">
+              <a:rPr lang="ja-JP" altLang="en-US" sz="3600" dirty="0">
                 <a:solidFill>
                   <a:schemeClr val="accent1"/>
                 </a:solidFill>
@@ -6921,13 +6929,6 @@
               </a:rPr>
               <a:t>さまざまな有限状態オートマトン</a:t>
             </a:r>
-            <a:endParaRPr kumimoji="1" lang="ja-JP" altLang="en-US" sz="3600">
-              <a:solidFill>
-                <a:schemeClr val="accent1"/>
-              </a:solidFill>
-              <a:latin typeface="メイリオ" panose="020B0604030504040204" pitchFamily="50" charset="-128"/>
-              <a:ea typeface="メイリオ" panose="020B0604030504040204" pitchFamily="50" charset="-128"/>
-            </a:endParaRPr>
           </a:p>
         </p:txBody>
       </p:sp>
@@ -6949,8 +6950,8 @@
         </p:nvSpPr>
         <p:spPr>
           <a:xfrm>
-            <a:off x="628650" y="1413398"/>
-            <a:ext cx="7886700" cy="4351338"/>
+            <a:off x="746150" y="1253331"/>
+            <a:ext cx="9227363" cy="4351338"/>
           </a:xfrm>
         </p:spPr>
         <p:txBody>
@@ -6958,7 +6959,7 @@
           <a:lstStyle/>
           <a:p>
             <a:r>
-              <a:rPr kumimoji="1" lang="en-US" altLang="ja-JP">
+              <a:rPr kumimoji="1" lang="en-US" altLang="ja-JP" dirty="0">
                 <a:latin typeface="メイリオ" panose="020B0604030504040204" pitchFamily="50" charset="-128"/>
                 <a:ea typeface="メイリオ" panose="020B0604030504040204" pitchFamily="50" charset="-128"/>
               </a:rPr>
@@ -6968,28 +6969,28 @@
           <a:p>
             <a:pPr lvl="1"/>
             <a:r>
-              <a:rPr kumimoji="1" lang="ja-JP" altLang="en-US">
+              <a:rPr kumimoji="1" lang="ja-JP" altLang="en-US" dirty="0">
                 <a:latin typeface="Century Schoolbook" panose="02040604050505020304" pitchFamily="18" charset="0"/>
                 <a:ea typeface="メイリオ" panose="020B0604030504040204" pitchFamily="50" charset="-128"/>
               </a:rPr>
               <a:t>構成要素：</a:t>
             </a:r>
             <a:r>
-              <a:rPr lang="en-US" altLang="ja-JP">
+              <a:rPr lang="en-US" altLang="ja-JP" dirty="0">
                 <a:latin typeface="Century Schoolbook" panose="02040604050505020304" pitchFamily="18" charset="0"/>
                 <a:ea typeface="メイリオ" panose="020B0604030504040204" pitchFamily="50" charset="-128"/>
               </a:rPr>
               <a:t>{</a:t>
             </a:r>
             <a:r>
-              <a:rPr lang="en-US" altLang="ja-JP" i="1">
+              <a:rPr lang="en-US" altLang="ja-JP" i="1" dirty="0">
                 <a:latin typeface="Century Schoolbook" panose="02040604050505020304" pitchFamily="18" charset="0"/>
                 <a:ea typeface="メイリオ" panose="020B0604030504040204" pitchFamily="50" charset="-128"/>
               </a:rPr>
               <a:t>Σ, Δ, Q, I, F, E, λ, ρ</a:t>
             </a:r>
             <a:r>
-              <a:rPr lang="en-US" altLang="ja-JP">
+              <a:rPr lang="en-US" altLang="ja-JP" dirty="0">
                 <a:latin typeface="Century Schoolbook" panose="02040604050505020304" pitchFamily="18" charset="0"/>
                 <a:ea typeface="メイリオ" panose="020B0604030504040204" pitchFamily="50" charset="-128"/>
               </a:rPr>
@@ -6999,118 +7000,118 @@
           <a:p>
             <a:pPr lvl="1"/>
             <a:r>
-              <a:rPr lang="en-US" altLang="ja-JP" i="1">
+              <a:rPr lang="en-US" altLang="ja-JP" i="1" dirty="0">
                 <a:latin typeface="Century Schoolbook" panose="02040604050505020304" pitchFamily="18" charset="0"/>
                 <a:ea typeface="メイリオ" panose="020B0604030504040204" pitchFamily="50" charset="-128"/>
               </a:rPr>
               <a:t>E </a:t>
             </a:r>
             <a:r>
-              <a:rPr lang="ja-JP" altLang="en-US">
+              <a:rPr lang="ja-JP" altLang="en-US" dirty="0">
                 <a:latin typeface="Century Schoolbook" panose="02040604050505020304" pitchFamily="18" charset="0"/>
                 <a:ea typeface="メイリオ" panose="020B0604030504040204" pitchFamily="50" charset="-128"/>
               </a:rPr>
               <a:t>⊆</a:t>
             </a:r>
             <a:r>
-              <a:rPr lang="ja-JP" altLang="en-US" i="1">
+              <a:rPr lang="ja-JP" altLang="en-US" i="1" dirty="0">
                 <a:latin typeface="Century Schoolbook" panose="02040604050505020304" pitchFamily="18" charset="0"/>
                 <a:ea typeface="メイリオ" panose="020B0604030504040204" pitchFamily="50" charset="-128"/>
               </a:rPr>
               <a:t> </a:t>
             </a:r>
             <a:r>
-              <a:rPr lang="en-US" altLang="ja-JP" i="1">
+              <a:rPr lang="en-US" altLang="ja-JP" i="1" dirty="0">
                 <a:latin typeface="Century Schoolbook" panose="02040604050505020304" pitchFamily="18" charset="0"/>
                 <a:ea typeface="メイリオ" panose="020B0604030504040204" pitchFamily="50" charset="-128"/>
               </a:rPr>
               <a:t>Q </a:t>
             </a:r>
             <a:r>
-              <a:rPr lang="ja-JP" altLang="en-US">
+              <a:rPr lang="ja-JP" altLang="en-US" dirty="0">
                 <a:latin typeface="Century Schoolbook" panose="02040604050505020304" pitchFamily="18" charset="0"/>
                 <a:ea typeface="メイリオ" panose="020B0604030504040204" pitchFamily="50" charset="-128"/>
               </a:rPr>
               <a:t>✕</a:t>
             </a:r>
             <a:r>
-              <a:rPr lang="ja-JP" altLang="en-US" i="1">
+              <a:rPr lang="ja-JP" altLang="en-US" i="1" dirty="0">
                 <a:latin typeface="Century Schoolbook" panose="02040604050505020304" pitchFamily="18" charset="0"/>
                 <a:ea typeface="メイリオ" panose="020B0604030504040204" pitchFamily="50" charset="-128"/>
               </a:rPr>
               <a:t> </a:t>
             </a:r>
             <a:r>
-              <a:rPr lang="en-US" altLang="ja-JP" i="1">
+              <a:rPr lang="en-US" altLang="ja-JP" i="1" dirty="0">
                 <a:latin typeface="Century Schoolbook" panose="02040604050505020304" pitchFamily="18" charset="0"/>
                 <a:ea typeface="メイリオ" panose="020B0604030504040204" pitchFamily="50" charset="-128"/>
               </a:rPr>
               <a:t>Σ </a:t>
             </a:r>
             <a:r>
-              <a:rPr lang="ja-JP" altLang="en-US">
+              <a:rPr lang="ja-JP" altLang="en-US" dirty="0">
                 <a:latin typeface="Century Schoolbook" panose="02040604050505020304" pitchFamily="18" charset="0"/>
                 <a:ea typeface="メイリオ" panose="020B0604030504040204" pitchFamily="50" charset="-128"/>
               </a:rPr>
               <a:t>✕</a:t>
             </a:r>
             <a:r>
-              <a:rPr lang="ja-JP" altLang="en-US" i="1">
+              <a:rPr lang="ja-JP" altLang="en-US" i="1" dirty="0">
                 <a:latin typeface="Century Schoolbook" panose="02040604050505020304" pitchFamily="18" charset="0"/>
                 <a:ea typeface="メイリオ" panose="020B0604030504040204" pitchFamily="50" charset="-128"/>
               </a:rPr>
               <a:t> </a:t>
             </a:r>
             <a:r>
-              <a:rPr lang="en-US" altLang="ja-JP" i="1">
+              <a:rPr lang="en-US" altLang="ja-JP" i="1" dirty="0">
                 <a:latin typeface="Century Schoolbook" panose="02040604050505020304" pitchFamily="18" charset="0"/>
                 <a:ea typeface="メイリオ" panose="020B0604030504040204" pitchFamily="50" charset="-128"/>
               </a:rPr>
               <a:t>Δ </a:t>
             </a:r>
             <a:r>
-              <a:rPr lang="ja-JP" altLang="en-US">
+              <a:rPr lang="ja-JP" altLang="en-US" dirty="0">
                 <a:latin typeface="Century Schoolbook" panose="02040604050505020304" pitchFamily="18" charset="0"/>
                 <a:ea typeface="メイリオ" panose="020B0604030504040204" pitchFamily="50" charset="-128"/>
               </a:rPr>
               <a:t>✕</a:t>
             </a:r>
             <a:r>
-              <a:rPr lang="ja-JP" altLang="en-US" i="1">
+              <a:rPr lang="ja-JP" altLang="en-US" i="1" dirty="0">
                 <a:latin typeface="Century Schoolbook" panose="02040604050505020304" pitchFamily="18" charset="0"/>
                 <a:ea typeface="メイリオ" panose="020B0604030504040204" pitchFamily="50" charset="-128"/>
               </a:rPr>
               <a:t> </a:t>
             </a:r>
             <a:r>
-              <a:rPr lang="en-US" altLang="ja-JP" i="1">
+              <a:rPr lang="en-US" altLang="ja-JP" i="1" dirty="0">
                 <a:latin typeface="Century Schoolbook" panose="02040604050505020304" pitchFamily="18" charset="0"/>
                 <a:ea typeface="メイリオ" panose="020B0604030504040204" pitchFamily="50" charset="-128"/>
               </a:rPr>
               <a:t>K </a:t>
             </a:r>
             <a:r>
-              <a:rPr lang="ja-JP" altLang="en-US">
+              <a:rPr lang="ja-JP" altLang="en-US" dirty="0">
                 <a:latin typeface="Century Schoolbook" panose="02040604050505020304" pitchFamily="18" charset="0"/>
                 <a:ea typeface="メイリオ" panose="020B0604030504040204" pitchFamily="50" charset="-128"/>
               </a:rPr>
               <a:t>✕</a:t>
             </a:r>
             <a:r>
-              <a:rPr lang="ja-JP" altLang="en-US" i="1">
+              <a:rPr lang="ja-JP" altLang="en-US" i="1" dirty="0">
                 <a:latin typeface="Century Schoolbook" panose="02040604050505020304" pitchFamily="18" charset="0"/>
                 <a:ea typeface="メイリオ" panose="020B0604030504040204" pitchFamily="50" charset="-128"/>
               </a:rPr>
               <a:t> </a:t>
             </a:r>
             <a:r>
-              <a:rPr lang="en-US" altLang="ja-JP" i="1">
+              <a:rPr lang="en-US" altLang="ja-JP" i="1" dirty="0">
                 <a:latin typeface="Century Schoolbook" panose="02040604050505020304" pitchFamily="18" charset="0"/>
                 <a:ea typeface="メイリオ" panose="020B0604030504040204" pitchFamily="50" charset="-128"/>
               </a:rPr>
               <a:t>Q</a:t>
             </a:r>
-            <a:endParaRPr lang="en-US" altLang="ja-JP" i="1">
+            <a:endParaRPr lang="en-US" altLang="ja-JP" i="1" dirty="0">
               <a:latin typeface="メイリオ" panose="020B0604030504040204" pitchFamily="50" charset="-128"/>
               <a:ea typeface="メイリオ" panose="020B0604030504040204" pitchFamily="50" charset="-128"/>
             </a:endParaRPr>
@@ -7131,7 +7132,7 @@
         </p:nvSpPr>
         <p:spPr>
           <a:xfrm>
-            <a:off x="6250898" y="1413398"/>
+            <a:off x="6415705" y="1253331"/>
             <a:ext cx="2121108" cy="434714"/>
           </a:xfrm>
           <a:prstGeom prst="wedgeRectCallout">
@@ -7169,14 +7170,14 @@
           <a:p>
             <a:pPr algn="ctr"/>
             <a:r>
-              <a:rPr kumimoji="1" lang="ja-JP" altLang="en-US" sz="1600">
+              <a:rPr lang="ja-JP" altLang="en-US" sz="1600">
                 <a:solidFill>
                   <a:schemeClr val="tx1"/>
                 </a:solidFill>
               </a:rPr>
               <a:t>重みと出力が加わる</a:t>
             </a:r>
-            <a:endParaRPr kumimoji="1" lang="en-US" altLang="ja-JP" sz="1600">
+            <a:endParaRPr lang="en-US" altLang="ja-JP" sz="1600">
               <a:solidFill>
                 <a:schemeClr val="tx1"/>
               </a:solidFill>
@@ -7200,7 +7201,7 @@
 <file path=ppt/theme/theme1.xml><?xml version="1.0" encoding="utf-8"?>
 <a:theme xmlns:a="http://schemas.openxmlformats.org/drawingml/2006/main" name="Office テーマ">
   <a:themeElements>
-    <a:clrScheme name="Office">
+    <a:clrScheme name="Office テーマ">
       <a:dk1>
         <a:sysClr val="windowText" lastClr="000000"/>
       </a:dk1>
@@ -7238,9 +7239,9 @@
         <a:srgbClr val="954F72"/>
       </a:folHlink>
     </a:clrScheme>
-    <a:fontScheme name="Office">
+    <a:fontScheme name="Office テーマ">
       <a:majorFont>
-        <a:latin typeface="游ゴシック Light" panose="020F0302020204030204"/>
+        <a:latin typeface="Calibri Light" panose="020F0302020204030204"/>
         <a:ea typeface=""/>
         <a:cs typeface=""/>
         <a:font script="Jpan" typeface="游ゴシック Light"/>
@@ -7273,26 +7274,9 @@
         <a:font script="Viet" typeface="Times New Roman"/>
         <a:font script="Uigh" typeface="Microsoft Uighur"/>
         <a:font script="Geor" typeface="Sylfaen"/>
-        <a:font script="Armn" typeface="Arial"/>
-        <a:font script="Bugi" typeface="Leelawadee UI"/>
-        <a:font script="Bopo" typeface="Microsoft JhengHei"/>
-        <a:font script="Java" typeface="Javanese Text"/>
-        <a:font script="Lisu" typeface="Segoe UI"/>
-        <a:font script="Mymr" typeface="Myanmar Text"/>
-        <a:font script="Nkoo" typeface="Ebrima"/>
-        <a:font script="Olck" typeface="Nirmala UI"/>
-        <a:font script="Osma" typeface="Ebrima"/>
-        <a:font script="Phag" typeface="Phagspa"/>
-        <a:font script="Syrn" typeface="Estrangelo Edessa"/>
-        <a:font script="Syrj" typeface="Estrangelo Edessa"/>
-        <a:font script="Syre" typeface="Estrangelo Edessa"/>
-        <a:font script="Sora" typeface="Nirmala UI"/>
-        <a:font script="Tale" typeface="Microsoft Tai Le"/>
-        <a:font script="Talu" typeface="Microsoft New Tai Lue"/>
-        <a:font script="Tfng" typeface="Ebrima"/>
       </a:majorFont>
       <a:minorFont>
-        <a:latin typeface="游ゴシック" panose="020F0502020204030204"/>
+        <a:latin typeface="Calibri" panose="020F0502020204030204"/>
         <a:ea typeface=""/>
         <a:cs typeface=""/>
         <a:font script="Jpan" typeface="游ゴシック"/>
@@ -7325,26 +7309,9 @@
         <a:font script="Viet" typeface="Arial"/>
         <a:font script="Uigh" typeface="Microsoft Uighur"/>
         <a:font script="Geor" typeface="Sylfaen"/>
-        <a:font script="Armn" typeface="Arial"/>
-        <a:font script="Bugi" typeface="Leelawadee UI"/>
-        <a:font script="Bopo" typeface="Microsoft JhengHei"/>
-        <a:font script="Java" typeface="Javanese Text"/>
-        <a:font script="Lisu" typeface="Segoe UI"/>
-        <a:font script="Mymr" typeface="Myanmar Text"/>
-        <a:font script="Nkoo" typeface="Ebrima"/>
-        <a:font script="Olck" typeface="Nirmala UI"/>
-        <a:font script="Osma" typeface="Ebrima"/>
-        <a:font script="Phag" typeface="Phagspa"/>
-        <a:font script="Syrn" typeface="Estrangelo Edessa"/>
-        <a:font script="Syrj" typeface="Estrangelo Edessa"/>
-        <a:font script="Syre" typeface="Estrangelo Edessa"/>
-        <a:font script="Sora" typeface="Nirmala UI"/>
-        <a:font script="Tale" typeface="Microsoft Tai Le"/>
-        <a:font script="Talu" typeface="Microsoft New Tai Lue"/>
-        <a:font script="Tfng" typeface="Ebrima"/>
       </a:minorFont>
     </a:fontScheme>
-    <a:fmtScheme name="Office">
+    <a:fmtScheme name="Office テーマ">
       <a:fillStyleLst>
         <a:solidFill>
           <a:schemeClr val="phClr"/>
@@ -7486,7 +7453,7 @@
   <a:extraClrSchemeLst/>
   <a:extLst>
     <a:ext uri="{05A4C25C-085E-4340-85A3-A5531E510DB2}">
-      <thm15:themeFamily xmlns:thm15="http://schemas.microsoft.com/office/thememl/2012/main" name="Office Theme" id="{62F939B6-93AF-4DB8-9C6B-D6C7DFDC589F}" vid="{4A3C46E8-61CC-4603-A589-7422A47A8E4A}"/>
+      <thm15:themeFamily xmlns:thm15="http://schemas.microsoft.com/office/thememl/2012/main" name="Office Theme 2013 - 2022" id="{62F939B6-93AF-4DB8-9C6B-D6C7DFDC589F}" vid="{4A3C46E8-61CC-4603-A589-7422A47A8E4A}"/>
     </a:ext>
   </a:extLst>
 </a:theme>
